--- a/requirements/Light mix.pptx
+++ b/requirements/Light mix.pptx
@@ -7,6 +7,8 @@
   <p:sldIdLst>
     <p:sldId id="256" r:id="rId2"/>
     <p:sldId id="257" r:id="rId3"/>
+    <p:sldId id="259" r:id="rId4"/>
+    <p:sldId id="258" r:id="rId5"/>
   </p:sldIdLst>
   <p:sldSz cx="12192000" cy="6858000"/>
   <p:notesSz cx="6858000" cy="9144000"/>
@@ -105,6 +107,11 @@
       </a:defRPr>
     </a:lvl9pPr>
   </p:defaultTextStyle>
+  <p:extLst>
+    <p:ext uri="{EFAFB233-063F-42B5-8137-9DF3F51BA10A}">
+      <p15:sldGuideLst xmlns:p15="http://schemas.microsoft.com/office/powerpoint/2012/main"/>
+    </p:ext>
+  </p:extLst>
 </p:presentation>
 </file>
 
@@ -239,7 +246,7 @@
           <a:p>
             <a:fld id="{CBDAED76-ACB0-4506-8454-694B6B20C145}" type="datetimeFigureOut">
               <a:rPr lang="en-US" smtClean="0"/>
-              <a:t>6/16/2014</a:t>
+              <a:t>6/17/2014</a:t>
             </a:fld>
             <a:endParaRPr lang="en-US"/>
           </a:p>
@@ -409,7 +416,7 @@
           <a:p>
             <a:fld id="{CBDAED76-ACB0-4506-8454-694B6B20C145}" type="datetimeFigureOut">
               <a:rPr lang="en-US" smtClean="0"/>
-              <a:t>6/16/2014</a:t>
+              <a:t>6/17/2014</a:t>
             </a:fld>
             <a:endParaRPr lang="en-US"/>
           </a:p>
@@ -589,7 +596,7 @@
           <a:p>
             <a:fld id="{CBDAED76-ACB0-4506-8454-694B6B20C145}" type="datetimeFigureOut">
               <a:rPr lang="en-US" smtClean="0"/>
-              <a:t>6/16/2014</a:t>
+              <a:t>6/17/2014</a:t>
             </a:fld>
             <a:endParaRPr lang="en-US"/>
           </a:p>
@@ -759,7 +766,7 @@
           <a:p>
             <a:fld id="{CBDAED76-ACB0-4506-8454-694B6B20C145}" type="datetimeFigureOut">
               <a:rPr lang="en-US" smtClean="0"/>
-              <a:t>6/16/2014</a:t>
+              <a:t>6/17/2014</a:t>
             </a:fld>
             <a:endParaRPr lang="en-US"/>
           </a:p>
@@ -1005,7 +1012,7 @@
           <a:p>
             <a:fld id="{CBDAED76-ACB0-4506-8454-694B6B20C145}" type="datetimeFigureOut">
               <a:rPr lang="en-US" smtClean="0"/>
-              <a:t>6/16/2014</a:t>
+              <a:t>6/17/2014</a:t>
             </a:fld>
             <a:endParaRPr lang="en-US"/>
           </a:p>
@@ -1237,7 +1244,7 @@
           <a:p>
             <a:fld id="{CBDAED76-ACB0-4506-8454-694B6B20C145}" type="datetimeFigureOut">
               <a:rPr lang="en-US" smtClean="0"/>
-              <a:t>6/16/2014</a:t>
+              <a:t>6/17/2014</a:t>
             </a:fld>
             <a:endParaRPr lang="en-US"/>
           </a:p>
@@ -1604,7 +1611,7 @@
           <a:p>
             <a:fld id="{CBDAED76-ACB0-4506-8454-694B6B20C145}" type="datetimeFigureOut">
               <a:rPr lang="en-US" smtClean="0"/>
-              <a:t>6/16/2014</a:t>
+              <a:t>6/17/2014</a:t>
             </a:fld>
             <a:endParaRPr lang="en-US"/>
           </a:p>
@@ -1722,7 +1729,7 @@
           <a:p>
             <a:fld id="{CBDAED76-ACB0-4506-8454-694B6B20C145}" type="datetimeFigureOut">
               <a:rPr lang="en-US" smtClean="0"/>
-              <a:t>6/16/2014</a:t>
+              <a:t>6/17/2014</a:t>
             </a:fld>
             <a:endParaRPr lang="en-US"/>
           </a:p>
@@ -1817,7 +1824,7 @@
           <a:p>
             <a:fld id="{CBDAED76-ACB0-4506-8454-694B6B20C145}" type="datetimeFigureOut">
               <a:rPr lang="en-US" smtClean="0"/>
-              <a:t>6/16/2014</a:t>
+              <a:t>6/17/2014</a:t>
             </a:fld>
             <a:endParaRPr lang="en-US"/>
           </a:p>
@@ -2094,7 +2101,7 @@
           <a:p>
             <a:fld id="{CBDAED76-ACB0-4506-8454-694B6B20C145}" type="datetimeFigureOut">
               <a:rPr lang="en-US" smtClean="0"/>
-              <a:t>6/16/2014</a:t>
+              <a:t>6/17/2014</a:t>
             </a:fld>
             <a:endParaRPr lang="en-US"/>
           </a:p>
@@ -2347,7 +2354,7 @@
           <a:p>
             <a:fld id="{CBDAED76-ACB0-4506-8454-694B6B20C145}" type="datetimeFigureOut">
               <a:rPr lang="en-US" smtClean="0"/>
-              <a:t>6/16/2014</a:t>
+              <a:t>6/17/2014</a:t>
             </a:fld>
             <a:endParaRPr lang="en-US"/>
           </a:p>
@@ -2560,7 +2567,7 @@
           <a:p>
             <a:fld id="{CBDAED76-ACB0-4506-8454-694B6B20C145}" type="datetimeFigureOut">
               <a:rPr lang="en-US" smtClean="0"/>
-              <a:t>6/16/2014</a:t>
+              <a:t>6/17/2014</a:t>
             </a:fld>
             <a:endParaRPr lang="en-US"/>
           </a:p>
@@ -2980,10 +2987,6 @@
           <a:bodyPr/>
           <a:lstStyle/>
           <a:p>
-            <a:r>
-              <a:rPr lang="en-US" dirty="0" smtClean="0"/>
-              <a:t>Light mix</a:t>
-            </a:r>
             <a:endParaRPr lang="en-US" dirty="0"/>
           </a:p>
         </p:txBody>
@@ -3003,10 +3006,6 @@
           <a:bodyPr/>
           <a:lstStyle/>
           <a:p>
-            <a:r>
-              <a:rPr lang="en-US" dirty="0" smtClean="0"/>
-              <a:t>Additive mixing</a:t>
-            </a:r>
             <a:endParaRPr lang="en-US" dirty="0"/>
           </a:p>
         </p:txBody>
@@ -3021,6 +3020,13 @@
   <p:clrMapOvr>
     <a:masterClrMapping/>
   </p:clrMapOvr>
+  <p:timing>
+    <p:tnLst>
+      <p:par>
+        <p:cTn id="1" dur="indefinite" restart="never" nodeType="tmRoot"/>
+      </p:par>
+    </p:tnLst>
+  </p:timing>
 </p:sld>
 </file>
 
@@ -3043,36 +3049,37 @@
       </p:grpSpPr>
       <p:sp>
         <p:nvSpPr>
-          <p:cNvPr id="2" name="Title 1"/>
-          <p:cNvSpPr>
-            <a:spLocks noGrp="1"/>
-          </p:cNvSpPr>
-          <p:nvPr>
-            <p:ph type="title"/>
-          </p:nvPr>
-        </p:nvSpPr>
-        <p:spPr/>
-        <p:txBody>
-          <a:bodyPr/>
-          <a:lstStyle/>
-          <a:p>
-            <a:endParaRPr lang="en-US" dirty="0"/>
-          </a:p>
-        </p:txBody>
-      </p:sp>
-      <p:sp>
-        <p:nvSpPr>
-          <p:cNvPr id="3" name="Content Placeholder 2"/>
-          <p:cNvSpPr>
-            <a:spLocks noGrp="1"/>
-          </p:cNvSpPr>
-          <p:nvPr>
-            <p:ph idx="1"/>
-          </p:nvPr>
-        </p:nvSpPr>
-        <p:spPr/>
-        <p:txBody>
-          <a:bodyPr/>
+          <p:cNvPr id="51" name="AutoShape 2" descr="data:image/jpeg;base64,/9j/4AAQSkZJRgABAQAAAQABAAD/2wCEAAkGBxQSEhQUEBQUFRQUFBQUFBQUFRUUFhQQFBQWFhQUFRQYHCggGBolGxQUITEhJSkrLi4uFx8zODMsNygtLisBCgoKDg0OGxAQGywkICQsLCwsLCwsLCwsLC0sLCwsLCwsLCwsLCwsLCwsLCwsLCwsLCwsLCwsLCwsLCwsLCwsLP/AABEIAMIBAwMBEQACEQEDEQH/xAAbAAACAwEBAQAAAAAAAAAAAAABBAACBQMGB//EAD0QAAEDAQUFBgQDBgcBAAAAAAEAAhEDBAUSITETIkFRcQYyYYGRsaHB0fAjQlIHFENicpIVM1NzguHxRP/EABsBAAIDAQEBAAAAAAAAAAAAAAABAgMEBQYH/8QAOxEAAgECBAQDBwQBAgUFAAAAAAECAxEEEiExBRNBUTJhgSJxkaGx0fAUQsHh8SNSBhVikrIkM0Oi4v/aAAwDAQACEQMRAD8A+Xf4HU/l/u/6WD9XTOp+mmA3LU/l/uT/AFVMP00ypuep/L/cn+ppi/TzAbpqcm/3BP8AUQD9PMBuupyHqE/1EBfp5lf8Nqch6hPnwDkTAbvfyHqFLnQFyJgNhfy+IRzYByZg/cncviEc2AcmYDZHcviFLmQFypANldy+IRngLlyKmg7l7IzQDJIGxPIp5oiySJsjyKd4iysGzPIo9keVk2Z5H0RoKzJszyPoiyCzJgPI+idkFpAwHkfRKyCzJhPj6Isg1JhPj6Ishagg/YRZBqSClZBqROwaglKyFdglFguySiwXZJRYLsmJFguTElYLsGJFguTEiwXJiRYVzTd2gqfpZ8fqsywUO7L3jZdkcnX5U5N9D9VNYSHmR/WT8jmb3qcx6KX6aAv1dQYo3vA3wXH0C0QoUErON2W08Yoq8lcrVvtx7rGj1Kap0ktIL11Cpjsz9mKQu686h4gdAEOnB/tXwKXiqjOZtj/1FHKh2K+dUfUr+8v/AFH1Ry49g5s+4DXd+o+pRkj2DmT7g2zv1H1KkoR7EeZLuTau5n1RlXYWeXcBqHmnZBnkDGUxZmDEUBdkxlIMzDtCmPMybQoDMybQoFmZNoUBmYdoeaLDzsm1PNNpCzsG1PNQsh55B2zuZSsh55dybU8ynZCzy7nRlrcOR6gFTjNrt8ENVpI7MvEfmptPTJWxrxW8Iv0LVX7ocpXlRPfpD0j4tK2xxeFlpUoq3krfNBng9m0dqTbO8wHYJ5mR9VKNDh9V2i3H36r52fzH00dw1ruaNHMd0JSq8KhFXjOL9bP+fqCbfQVdQHKFzpUIreLX56k7FNiFDkwezFYqaKhKhbZgVwBVZQECpmUqmIMJBYsdApIb2KqQghAywCkOxIURhhAyQmiNgQgViQgdgQmKwECDCRKxISCwITFYkJiJCQBhMZCEMViKA7EQNgTIkQAEARAAQJlmVXDQkeaak47MalJbMYZeDxrB6/8ASsjiai6lqryW41ZrUHmMMFWwqRqu0o6lsKim7WO7mxP3yVc0lJpEmcYWN7gZakYwJgFAHdtAloPIwfCdPn6JlmW8UdaNgc5waCMyBOgz6ocklcapO9hmnclQ1DTjeAnnu4cQIjgQlzI2uTVF3sM2Ts86oxzhUYMImMz6kDJOVTK7WJKg7blm9n5DIeSXFoIDTALnFoAPGcuHFJ1NbWJrD6bm5Q/Z4+pTD2VqYIxF4q4m4WtOohp4EKj9TrqglRSFLX2JfTrCltGnm7ejqN3NWqt7OZoOQr7jY/ZxVLoFegRge8Q55MU4xAgsGeah+qVr2I8lXMix9lX1C8bRgwHM5keZjJTlWt0BUPM7WzsZUpUhUe9pkkTT3mZCQQ7KZGadOrzHaKFyLLVmXaLmc1geDLS3FpGjsLoE8CCrM31sRdLS6OVou0scGk6kDSNY4eaL6XsN0baXKMsBmCeBOnEZQn1sJUmVpWPE4tBzAk+QkqSjd2RDINXdcr6zmNBgvcRpJAHEgdD6Ja2bS2JKk2XZ2fqFjntzawS4xAbmRvE6aH0U1Tk1fT4r7i5fn8gVrie3CZEOgSd0AkDKTkTmNEKEtvK+6+43S8zs7s1UxBoewy3ETMQJI0OokRPNUzmldPo7ElQd9xyw9h69aqaVN9Eu3QAatMFxdEYWl0nVUPExXRjdC27LWrsHaKYl7qUlxAa17XmBIxQ0niCI1S/Ux6CVBvqZz+zdQNqOLmjZvLHAy3MEAmTkNeKs5qulbcXIdtzRtPYSsxjHl9PC7CTvMaWseAQQC/eOsAawowrZtkN0LdSlXshhtYoY3uZvEvbTwuwDJpwnQlxAPjpKtnnjDM180Lkq9rmV/g5JeBi3e7kJImDImRqFpp4WtO1olbjFN6i9tu00mMe5zTjndBktEuADx+Vxw4o5OaeKqlCUG1JNWt8yDjpcRUCAEgHLq7//ABPuFdQ8ZfQ8RpP1Pl8lOp45fnY0Pc4LC9xGQrjCFMCzDCCSHaVowQWkz4EaEQfgUNXVjUmoq/U3+zvZ+vbsYsjC7ZtxuEtyHUnMmMgqqtZU42k3307dX9DXTp05RzSllWy951uW9H2evtBTpudG9TqNY5rhppEA8ctF0MLh3Wsqbs/f/IsRScPZkrP87Hre3LX2Z4rUqdI0rVSGWEEUnEbzWOIyyJgxx6Rqq8P5ybi3mi7S6X7S+5gwuMVS8Xuvp/R5rszaCa9JriQC8NxwHFgccJcQRvQCT5LlY+PKpuXY7eGpSqN2V9H8vue37X3tRsdEWSiRUqMIc20twhxY6Ts6kDedn0gDJc3CRdeXeKe66+VvLv5EORK3PknG/wC1/VeTM26b0tFrsjqbGtcbPL21CGhxBJLqeQl05nhpC9PTwEZwy1Xo9Ivz93RdGcutWjRqKV/Fo/vcyby7YVKgDNm2m0QA0BodAILsRiXAlo1zEarmS4e6PjbT1N0IKTsuppX4600QyrabKymyphdSwtpsk4Rm9o4ccLuay0LTds7T/juti9YeMk1CSbTs7dPzuebuntRVpuc0lr2ua6mWkNwuY92YkjIzEO4RyXVwqaqLLrquu/Q51WzTT6dRe/LTUouFJwpw3uPY2C5usud+b0WnG0Z4ermi3aWq1+XoVYfEc2Fz0V2Ua1ostR1KzUH4GMq1araYxM70MgnOW7xInRcCpjakJ6SlZb6vQ6aoeHM0nLZdyXIatse9tjs1CqKYqlzCxrcQILGOknLJ09QOqlPGVY7yd7dL7fEjy4pXk0le2p5a3299N8YKYDoPcMico15yt2GxdSqvZk38fuV4mnKjK0kbtO8H2GjtdwV6xdswWNOCk7vTPh6Su9yuRRzVW29NL9ei9OvwOPz+dWcIpZV1MqjeD6uzYwDE6GtbTEGo8ugF4B3jmfUrn1a9OnU59TZ7JW0fd9l5Lc6VKm6nso3Khq2J4FppEOxZMrtlhMBpdgcYOKG7wjuq6FKlWblmtm9lbLVa6vpf3fYtq0skLxd13Qtdt7VQa9UU2OpwcRNLGaTnHI0hiBZEzlMABZY8MlVptu90na3Vr81+RlqV4xmot/4JdvbR9KnUYWhznEBtR2IvblqHzIyXJqYXKrvbsa4LmSWv2PTX9eRs1mqC0nbWi0U2V6NWkRsqbHmajQGkQQZOkEuJWGi1Um0lp7/zXoX1MO17UL2i2nda3X8HhrHan2hwpUh+JWdLnZgNyzMDIDy9V2sJg+bKz6L4Lv7+hzq+IjTWZmvU7XuaabKtCmzYkMfAdtHwMLg6pi0ykAZAgJVeHwozd3r0WjT03b8/d16WHSmpRzLqcbXeFU1RbWWctpYtixztoRtAASS/GHF+RJknvFU0aVGtLkXtLySt+LtvbU0SozjHM+mtutvd2MGzXkwCrjYxx4ZEYXaag5t8Ofx2pKEWo6tPXytpv1Xp/F8edN3YhelUPYHSTmMyDlAw4Zk6AAAcAAr8TQoxwsZ03110tbvt/PTYzuTb1MpcoRECHLoG+f6T7hW0PGX0PEadQZny+SsqeOX52ND3F1he4jIVphImAUEizU0SR6Ds3bn0iSxzm4t12EkYmnUGNR4KqvQhVg1JXO1wytlkk9rmlbLPDsTRkVu4ViLWT3TOhxHDa549T6FRi2XcKTu81ownk5oXov8A2sRzOkt/U8NVTo4m67niuzljLK5xCMEk9QvKf8Sx5acV1PfcLinScl1X1Me/rQX1XOnUlVcOpcumkVcVlrZdND1PYK3bKsBwe2PMZ/VeppJVKTj6nnOIUs1K/Y59vbtFNxqsENeQcuDic/IpYmHMo3e60YsBiXlyvdGRft51bRZ6W0qPfsxhGJxOEaQJ6BeMo0lSxMl8D1uIpweDz04pN6u3VnlHFdeLtseVluew2Ytdmb/qMGR8RkV66VOOLw6b/cr37S/ycujGVLEWWzMile1azNfTo1HsxtLKoaSA4fpcOOp9V4atgr1HzVquh6upio0oRhGza1u1ez8uwtdN91rOXGhUezG0tfhJbiadQYSrYWNVWZko4vLK8knrfVXN+5LpDjt6mgzaD7len4Pw54eKnUXtPZdvP3/Qy8ZxHO1pvfcwO0N4mtWJnJu63oNVm4riM1Xlx2jp69ft6GHC0eXDzYvdbiKjS0kEHECMiCM5BXBxL/02jt8Mi3WR6u8bXWt9Vu2cajoDQXZwwf8Ap9V0uG4BPT1bev1LMZWpwi4xSUVfRGp2jqNstiNOnkX7viZ1PuvQzkqVOU1tFafRHlXetWUmfNg5eTm7nXpt3Nu8n4qNPwELk4VWryXc9VxH28HBm52Qofu7H1nDeLSQTwGsL6FhMEqFFKfiesvLy9PqfPcRN1aypo88+ltXmdXuLj1JJXmcbXUpSmz0uEwik1BLQd7T3o9tFlkDyabXbV4Of4xET6FcLBQc5Oo9uiOhxqcKSUI+JqzfW29vjqeUK6p5hlSkICQgIEaFyD8Q/wBJ9wrsP4zRh/EaVUbx++SsqeOX52NEtxZYJbkTHVphImAQmMuEySNK7TkeqmtjoYR2Z6im7GxZKT5VW563SrRPSdj7VALeRjyIBXsqb5uHjL0PD8Vw2WtfuOX7YxTZUrNGbhB+RXC41hpYiMGv27+7+j0vA55aOWXvPlltfmVnhHKY8dVzNm1dtcsc1w4Zrr4Wplmr7GWcc0Gj1ttItFFzXZghdtU4xlZ7M4U70tUeQ2RY11N4zBy6c14bi2ElQxXl080e+4XXjVwhhVaW9knGdldnFrUL1Gkjf7MVcBLOef1XpeB4jmU50n01XruY8fRhh4Z+px7U3dDsbfNa+JYPn0+bBe1HfzX9HHw2KzaSELlu7G4Od3Rp4rPwvht7V6q06Lv5+7sWYjEZVZbnor2vEU6WBvHJdLHVv09GVbrsve/y4uHPPO0tjxlVi8Kpt7nZq0le6GbIyGk8TkFW4Sq1I04q7bNuFXJoyqPse9uGyim3EdTqvb0cOqFNQ69ThYyo5uyMDt5a8RY3gCT5wsHFZ5Kcaa66v+CunTywueSYvOyNNPc9Zc9j2rBiG6PdbeBcPzYh4ma9mO3m/wCvqehx1f8A9DlW9jTv6sGUsDeIhemx1Rww85vd6L1/o8Tw+m54i76GJZYaC46iY65rwWJbm8iPdYNKjF1JGBeTyXklXQgo6I8/jqrqVG2KKZhKlREBICIEaFxf5h/oPuFbQ8Zow3j9DTrDePX6K2fil+djRLcUWF7kTHCsMJEwCExosEySNG7zunr8lOOxtwz0ZuXfWyhUVI9T0mDq+zY3Oz1eKrhzhei4NUzUpw7WZi4nh+ZZo9hfDw6gWHiIW2jC9TXYz1KjoUtD43edMse5p4H1C5GNw7oVXDp09xgqVuZ7Rq0jkOhUYs0rY9Fdltw08/D1lenof61KMlvY5OOpey7Evai14Dm973HJc/i2CeIw7svajqv5XqdX/h6u4PI9jzVahGa8JGo37J6erh4x9sWuuvFoaeGa9Lwepyayvs1Z+v8AZ5PH2rycT1rGitl+XUniSfFexb5epwXCMZZY7IuKDKQOkAxHgo5pTaRT1b87WPJdo3guBacgY815/jddykqX+36s61GjGnDNHqZtHNeamranWoPOrHprou3IF3kvU8F4fyI/qKi9p7eS+7+hXxSvko8uJ62u0NYI8F0otuRyI3bR4LtSZDT/ADkeWELzPEK3Mry+C9DdVjlhFGLZKJe4AfYVOEwksTVVOPr5IoU8up9EuakG0wOQXsOVCklTgtEbXW5lKzMS93Y6wHIE/fxXD/4hxGSnCkut3/C/kOEYP23Jmfb3RkPvVeYoxu8zOtjamVZEYVs7x8leedrv2hcoZQAqIAQICQGlcA/F/wCJ9wraHjNOG8foaloG87r9FbPxP87F892KBYXuRMVWGEiYBCYywQSRoWDunr8lNM24fZmjZakKMjrYWdjTuqtFafL2WzhFbl4nL3Vjov21c9JbrYSIlexpUknc4HFZpKx4y/qBO9xHsqeLYTnUeZHeP0OLSq62Z0oaDovMI7cdhkVoaR4j3Xd4RXtLIzLjI+w2O2O0813alO4+HVFBmXfzoOWh914bH8LVCrzLaM72KxuaGVMx7Iwl4I4Fa+H4LnzVtlueYrV8rue1u6qA0kDIj0K9TVi7pHKqq+ZrZ/JgvOtLXDxzPIJ0o2dyVKG6ffc8TbahLoOg0+q8ZjIzhWaqHUU1JJLYauihidJ0C0cOwUcRUzSWi+ZtoSynrKT4C9W4mHHtyY/eFo3PIfJc6tNUacpltGlex4vtF3Wf1H2C8jJtyLsUtES56EZnUr2XCMJyaOZ7s5FWd2erp1YYtTjeRvw0W0ebqWiarj1C8Fxmvz8bK2y0Xoejw1qVMTtLpPl9VTBWRz8RPNIybZ3ymcmt4hYqLKQJARAiJAaNwf5v/E+4VtHxmnC+P0NW0993UfJWSftP87GifiYnCwvcgYqtMJEwCgkWCY0aFh7p6/JSRsoeEapOyQ9jbRnYao1of5hVUZ5MRGXmjrU56NG22vK+l00pQTR5ziTucLY3ErodmcG9mLPo4SOUZLyGPw/IqtLZ7HpKMs0UL2t0N8x7qnDVclVMK8bwZ2stXJeyozzxMMXkDaqeMQUsRho14ZJDlVYvZ6GFPC4WNCGWJz6sm2atiqahpg6jkRyKlVj1YUY323BbHktJdlOQb48yimleyLp3Uby+Bg2qy4iuXxLh3PldBRnY0rvpYQtOEwypRsjpU5aXGX11uUDHWnmkP26rIHQewXkeKV7vIu/3OrRjpcxL4pS2n1PsFi4fRz1bsz41+yiWXJe6pRtBI49rsar2mGrncRr8ik2ux3sDDRGEHy/yK+c07ylmfU2Yip7VkXqa+R+a1mKT1Mu298+SWxgreMWKgVAQIiBASA0bi/zfI+4VlLxGnC+M17T3ndR8lZLd/nY0T8TEgsT3IGKFaYSJgWQSImM0LD3fM+yZroeEYp6IexqpF6lSCVla9q50lUsh+y15AX0jhVVToJHn8a7yHC+QujaxyZRsOVaEtHQLl46gq1Nrqjs0JWSMa9u4eo915Gp7L9zNc17DFbJUler4ZVc1Y5NV2ZqUl2WVZilYQnEokLNtWF7T4wehWDG4hRViyirSTGbdXlwHIT6qOAq5kXYrdIoxq6bM8DvooG1TshO0VNVCtPJAyXvI2CJA/pb7NXhK16tb88zvwdooWvZm5T6n2C7HDaaUmYsY9EJ016S+WJggrsXt9bJeS47XvDL3O5hnlRm2cy/yPsvM01YjOV5jdUZnp9VosQkZdu758vZQkYq3jF1AqKoERAgJAP3K4CoSdA0n0IVlLxGjDO0232BVvJ5cTlmZ04cFGU222KVaTdzl++u8PRV5SPNkLqRWFMQUEiIA0LB3T5+ykbKHhGaenqk9jVSdkL2h+8eqrUdSdSpqM2KsvW8Gr2ikc3EampTevVbq5z5I3Wd0dAsT3Z0IOyRhX/S3THEj3XmcfhG6l49TROp7AhYmwu/wyiqcEcmrO7NGm6F1WiCZWq5C0Isx7cc15Xi8pKVkaKRov756D2C6PCl7N2GJd5jVJdiRXENUpRJyloZVtfErmcSqOMGVw1Z6mzUiWN07reIHBvNeZox6s7Sd7JHC+Gfhs/qPsu1gFao/cZcQ7pGSTC6dWpaJTTjqZdtqSV4nilTPUsdGDtE42Tv+RXNjuJeIfr6+XzK0IJ7mTbu+fJVz3MdXxHBQKiqBAKBASAcuvvO/23fJTp+Ivobv3MUKrKSIEQqQBCALNQSIgY/YO6fvgmaqGwzT0SNUNhKud49UIrqPVnazugEQZkZ8OMj2XVwFXK7Iz1FpqaFGovX4au2jHKJ6SzklrY5D2UKlWzZqitEJXxSOzzBgnIxl6qhJTlYVZPJcxqAhb8NHJoc2TuNB62XQIbeAROXDzWadS2ha23uZNWmC7PSeHJcutQ5ruxp2HK4GLE3Qj4hacDFw9lkqrUndHWlmQMhJAkmAJ4k8AunLa5CKu7BtbC1zmu1aSDGYkcjxCVOSlFSXUdaDhJxfQy7W2VzeIU88bFUGeyoOBosbGeFskTmYbHw9yuDTpvNb86nWi7LNcN5h2zFJoY7E6C7A15aBnja+JHUHRbqMoQk5vSy7/K35qP25f6cVfc6W7s3TayrTZVpvc1ragy/Ee8AjZsjRpnlmY5LPiMcpJTd1urdOnzJ0adS/LlSfm+y6O/51PNWS53WhhpsbhdTNV9Rz6TmkBoAazaAEkyHbuQy5ryGLxC5znvdpLX+DpQw7lTUbW36a/Hr6Hn7H3/Iq2JzlpI0K4z8vqtK2FN6mRbjvny9lTLcyVfEcFErAgRVAgJAN3ac3/wC275KdPxF1Hr7mKSqykkoAJUgIEAXagkRMB+7+6evySNdDYZZog0ReghXO8eqcSio9TVuMve5rGDFvHE0iZZAynPkcoWmhRU9ty+hjpU7Znddb9vU9FabNTENdRe11VwYxxaGhsloDwR3hrkV18KsRCSXMWmr8167GqviMJVg2qT7JpLfyaPV0Lp/dCIqsc0NZJLAXbzZOFvgWxrxCuqOOKj4W99nZepzMHia6WWcXBd2vxnnu1TgWwHEmcwTpkJ0yGeUdfBdPh1F38KRPidRWtmu/ztojz9Oxy3Fib4jiM446+S21JuErWObSoKcb3/PiStZHNEmQCJEtIkeB46FVLFRk2k9t9dveN0svX5HYBxiOXJJyuQFKjcyroRIsvSpE6Cf+lN2jqyUE5OyGG2d0ExorlVjsDsupwL+asb7EJPucKzc1nqxzMgtD2Vy1Q1rSQMhT3naQ5oGY8J5cAuBicPmbinbfbfc6uGrqnaUo3NKzPG0psPN2kQSAcxkOZ4cAskaTjNy8i7E4qNbDOEFbr07j1MMFoqANABpgcJGLFJGWWqzyVm5fmyM9SVSeFhBv8Tdj55fF6sbVe1jWgNtGYDGkvAOZ2jy4tPQQeIyz4MqMXJybb+n58Tq08XKEIxj3s/gefsjsVaebnH1kq2K9oxX9q4/ah8QtU1aJCT1MS2d93X5LNLczz8RyUSBVAiqQiIAZsBzf/tu+SlDxFtLr7hZQKiSgAlSAiALtQSImND93nIpGqia1mums5gc1ktILgcTBLRxgungeCvjh6jV7aEHi6UZZHLUw3iXnTvangJ1UIxbY5tX1PTXJQs1Gq2obXSlsxAqtnLQksgA6Tkt+HjGEtWr+/T8/NQqcm2VSv6ffQ9devaSk5lECtZixpYHtlrzhkSACN3LiM12cLyXKU3LvbX8+GxDETtQy0n117+ltNBeydoaJa/a2ilEnA2HEhsmJ3Mz5q98lNcr11X3J/qqsqKVSaf8A5f59RK1XlZXU2ja0y8OcScDtIEDNmmq1U61pt30t3X3ME3Tk23m28t/sXuytZnO3qlnLGNJLSMJqSCMLWlm86SD0BUp1JTVqd232d7e/UpjUahlsVvmnRNICi0B7iQ0SMt0HCP7lRUU07yL4N6r6mdQpju7SmNJ3jB84U4y8mVtvsJ22iWPg4TMEFplpaeRWynO8br5huhu6rPUOLZNc7KDDMcT5GCiry4pKTt6lkZSjt18rnW2U3UjFR2FxaDh3pgic4GXRVxqKesdfgTnhXBJytqrmXspnCQYEnXLzIWhTKXC97HMjMqzdlJ6ywB2FjGj+G17iT3WtY1xMceAjmRzXKq2Tc2+tvmak1aPm0vixO23q5uzqMbmyrDRPflpjLgTOizSpWbTfS5dJZbW1vdHF3aGoysasNxOlrmmQGAAA5iSYjlxK5uISyWj5/B2NEYSi4xlp7+lt/qK3pWoV6dmLKlKnaKZivhbhDw0yyqIAl8HMccs8lx50/Z0y/FHRjTU5KKmtHf8ANLmBSw06/wCIcYkmWO1nQkweeirnCUJdE/ivkzLlhCrlk83uf9D9sIxbpDgHYZByMclrn2untqttjNVcczte3mYFr77uqyT8TKWclAiVKBFUhEQB3sbwMc8WOA6nROLsyym0r37HBRKyIA6tUhxKu1QNhagBujZ6bv4hxHRuAnPgMUwrFGLXi19zBN3tl+aNSz3aWEtwVHOMRhAOfLIkaDmo56UItyenuaN0cPVzKKi7++L/AJHLN2nFNgYxg3RhlzcRAgiBn1Wh1HKKUXZeVyinKjCTc45ne+qjdMzr3vhtamymKNNppzFVjAx7g4yQ8DJ3gToEpyulGOiX512HVrRnmum27au2lvJJLUxww8k+VLqjLcas1nxOaCQJIE6xJAldDD0MzSvuRbNGz3QXB5Dhua5eMc12qXDv+vrbb+ymdSztY6G6fwm1Mfee5uHDpABmZz1VywGuXMRz+QLHYHCqGyAdc9IALvYKVLDTpVE29ESvfQ3qVPE6noAwlxzA0aznqrcYrRv+dR01JytFXYhDaZw1WuD9YMjI5gx0Wei3NXhJWL5XpezOGvndHWphqgBgcXhoAAk7rc9PNataavJ6EYXqvLGGvk2zYuu76oZBp1O+TmwjIho+SqqYujmvnXxHLDV/9j+A9elAVCDsnYmtghzc4HdjyB9Cs2HnCmm3NO77kXTxF8tpfPYw7xuOtTpuqCNnUcRgad9oxGMdOJAy10zCupYylKWS+q69PRhKlVXR6mWyiRm5pjxkLpQmnomUypzh7Uou3nc2bH2kqUpwgGWlpnIlhjKRnG6PRZq3DoVFu0XQxkY2vTTt5tHOp2leA/DTYNo7G7V0uJkmDzkrnVuFxbTlNuyt0NkOL5Y2hTS9WeftN5NnKjTB4EF+6eYzXAxVGVOa9uTt7vsT/XQmn/pRV/f8RS0W9zqmNm5mCACTDuOZzgkSsUaEFHLLX3kqmOqSqcyDyvyb/NS1iqVg7a0zD2unFIaQ4yZBy8dFCrTgoax0emib+g6VSvVk2mu7zNLf32+R0tzq5YKlTVxxB+NrnOEEZguJy6SqqU4RvCGjVtLW/gdeNacVOdrd8y+9/db1Md+vVSe5iKpARrZ1SuSjFO9yrgEEHl6Hai/RJl9KStqc3lBXLQ5oKiIA6MUhx3OjaJcVFuxfCjKb0R3ZYHHRRdVI0R4fWlshulcdQxkcyB6qmWMpLqbI8FxDtdGjVuWrQpPcGuAEE6GIymMxxUaePpVouF+xZPhVbDNVqdrpPbf6GTaK7nNeC/E0FpBgCc4kZTxW6jTiotpWehy8ZXqTkoylmV9Nl091xelRc6YB+MeZVl0tymlSnUvlV/4Ixms+C6FKHsu/l9SlqzsM2VpLhHAg+S2YWM5zTitmgasbTaJ1pgnFOLMRwkes+i9NTtDWK38ymUZyk7K/oMCzP2bW4Tk9zuByIA5+Csi4p3Y1RqOOkXv2DQsj9qC4Bu6SSSAA2C2TPVKbjuiynQqJ3lF2SbfuO9+WGgKYLaxMGGtcwQ4kAd4PyEA5ws+ecnaat53/AIsc6FbM7KJm3lZKrfxHh5YQ07TvA6DNwy15rJCrSopxWlnqv6OzisPiJWqyu00td/oK2a8MBlj3NMRLcQMHXMIljsLOOWeq80ZaUqlN3i7M9ZZbFeGzFRhrYHgOadqcwc9MWqrnV4dnySjG6/6f6OlShjakbxlf1X8mdfDrTSAdaXVIJiS8uOnKSf8A1SVbBQi3BaLe0X19CrEUsZTSlUe+m6/gx3XwTkajyNIJdEcVBcRwl9F8jDLmNas1KV3uaHGo14wjEZBADQJLieX0XWeIildNCjQcdaia990NVLspOpl1Ko5ziZYC1rWub4HGSTrHOEoYibaula26d/4SMs1eplit3otzHrWR/wCkpVrWLlh6t7ZX8DJtNldObT6LzOLhmbZqjQqr9r+BzdY6gjd72g1nKchxP1XDqVYa67bm6ODrxavDfb/G47Yxsi0klu60vkZtBc4GBOeQHqtEJJw07fz5GOrGVOWqtJPZry8x19nZVJaMVTASd1rQTj3s4kyMgRnBnzVerQhTtN630/H8GX4PDV8TJyS94u65CR3XajjGXHguU8VA6X/KKz2E61zOndBA4TJPqn+pgVPhNfsL1Lvc3UOz1y0+Caqxk9yuWBrU07xe3YUbSz3iQJzIEmOYBifVW5tNDA6bTtLT0C4NDt1xLebm4Seok+6jFya1WvxJRcYy0enwKP4p3JT2ZzTM5EAdWObxnyhMlBpPUes95NYIwz1Qb6WNjTVlEfodoGt/hjzVcqeY20+MKP7Pn/RoDtfT/wBITzy+EtyWKWAb/cbV/wAQU+sH8f6L1O19M/w8uW6QfJzFWuHNbP6/cf8Az2i94v4gZ2ls7v4TaZ/VgY6fCAyPgteH4f8A761vK0nf4Mz1ON0LaUn8tPjcvWvejUy/etk39NOg6fN0CV2sLgsHTV5VLvzTOZjONYmbtRWVfm/4ilJlgnEbZVnidg4z6rqUnh6fgkvj/RxpYjFSk5Pd9bjlO02Bultr+VnC0rHJfuXx/wDyQcq73SNCx3/YmZC32xo8KDI9kPGQluoP3t/YFzUtl8zYsfa2729+2Wt/9TMI9GNHuoSm5+FU16/cV6o3a+112vaQ2oBIIJdSdMHxg+KjTjVi7uS9JISlWXVng7RYrKe7bqWGcsVKri8yBBXXqY9TSUor/uX3IRU10NS13/ZKV2VLFSeatV7g41IfgnG10NBAw5NGWecniufXqxlX5zkklFpLd7W1aubKdWahk6HgmZkDEBJiTMCeJy0XLjUvNIlsj7v2a/aJYbPZ6dKpVDnNAxYWktmBOEkAqeJwkq1RzjJL1/yQVaaWzPG/tY7XWS3GmLKX7oIdLQG94OkQTJyjhonFfp8LOlOSbk01Z327k1KU2sz0R86sbWl4D3BrZzcZybx0BzWbCTiqsc9reYT20Pddu+1ljtdTHQbXBcd4VC0twhrQxrG54AIcY/mK6mGxlPDUuXUkpL/pT9bt2vfT4EfbbbbK9lO09kstoZVqF1SnTaC2mKeF21iDJkgtHDnlorsTi6dei6UJqN/ft8Pd/ZVyfaUm9fX7Hu6/7X7vcM7M49WNK5CwmX/51/8Ab7GqMbO6ml/3fYw7T+0S7Xf/ADO/sA+Ktc4pWlUv6N/U6VHFuH7/APy+x5m/O0Vgr5tpVmvGjg92R8AQRwWWrVoKm4xgn6JfRl6xVKUlKpUena9/S6MOjetOm4upPcCcyTTa4k9XBcmrCNRWlDbbVouhi8NTk3GpLXf2UaA7VUplzTUd+pzWA5CMobloubLBVNoPKuyb+5ujxjBx7t97HKt2rYdKeXkiOAqL95KXH8MtFBiNbtIT+X1hXxwjXUzVOPQe0Di7tA79IT/SLuVPj0v9hwfe5P5WqSwyXUplxqT/AGI4Pt8/kb6Kao26szz4lm3hH4HF9cH8o8slNQa6maeJjPeCOKmZQIEFAETAKAIgZExhUkIKkIkp3AkouAQpxYi4K0RYi8q1SECUOQWASoOQwSq8wyYk+YwsVJVMpXGCVC4ySncQQVJSAJKk5hYqSqnIYJUWwAoDIUgIgLASACQiIERAAQBEASEBY6BmRP3KLosyq2YpCCFggIHYMIuPKEBA0iA8k0wD95J3HYk9FLM7EbFpTUxhDumvDL0U1Uf+AsEO+zyU1VaVhWCH8ePhpKOdLe47dg4zyHXJS50nqkvl9v4FYm0+PPOeUSEnWld67/nVEgA+H1S5j2FaxC+fHqBPtmjmNrXX892o3qHFy1HL6QlKb/wNO2xWeMD79FDN2QrWIXenqPVDkPWwAfL4J5mRRC76Ic2ACq7jsBF7iAVG4bASAhSACGIiAAQkJokJisCEgsWLQi5JxViqBFhPkkSs7ETAISBahj7OSCVrEAlO4kr7BcCPlIiRzSTHJNEY2dPsJ3sEY3dkAp3EwtE/couNK4E7kdgjNO41qQlFwYEXEElO+gbElLQbbZCVK+hECTYBJKRJtgJTFciLgSU7iuTNQHdglFxEQxklILgSEQlMCJAAoEFAwIERAEQBGpDRYeBzQSWmqeoCmIu3065pE42v2+YNmeSLhy2+hZrT4+HER0KmoOWwaosbM6NPr6K9YWp2INBZRdIy+/NVzpSS1LacJNoLrM7iPXJVJ3JToTi7NFRRKuVGTWhTsQ0jyKTpyjuStm2AaRCgN0pJXAWn/wATUWRZGsKeRiSLCmfBLKyapyZNkU7MOWypYUZSDTQNmnkZGxYUzwScSxU5PYJs5QothKk0rsqaZTcWiFiCkSoPQkoORY0CElqSdKSKGmVLKyuzJsyoMaiwGmUrofLkDCncjlBhSFYOFFx2BhQKwQxFx2JgKLhlJgRcVgwkSJCADCYWLNCROKG6TAodTp0oRyjFGiJXZwNNSauZq0UnoaFOzheqjQjkMkV7R1p2QSuDjqaSZ2sJTV7l7XZQuDRXtF+KgmJfu4XosNTi4nCqRsyCgFRiaaSNeGgrnK1UAuTbU34ilHLcTNMLRGByJpEbTVuRFaWo1ToCFnmtTrUaMcpbYBRsW8mNhWrSCujFM5lemosq2mFbkRmUVcaoUQqJwR1MLBNHWpQCdOGpZiKcbCr6IVs4KxynHU6WeiCudV0N2GppjT7OIUae5fVpqwlVoha8qsc2cUmctkFjq6FtKCbI+msyepqqUkkLuarUc6aRXCmV2BhSFYgagdjoxiRJItgCCWVEwIFlFFMpIgREDOjEMtgNUlFbnRp7DVAruYDczVjQplepUvYMkNxmivNcRmd/CrQtXMri0tJFlfVCBK9HhtInCqeILVTiXobMLucLWVxk/aN+J8AkVqTOJMLFbfQjDxDbHLJN6naov2bFsSruX3VhWtqtdJnHxW5QLQZEN2UrJVep2MGdqxVlJksS7CryrZvQ5UtzpZDmuVXepvwo88ZKFJ6mmrsZlYrf0ORN6nFYqxbSepaposa3N9TWIo5aEcie5QplQEgCEhnRqRJF0EwpAIqwzkQIIQMu1DLYDNNRW5uhsNUl28DuUVh6mvSftM0NxmmvNY/c7+H8AKpXLp7jrbMUK9BR8JxJ7kCz4nY24Xc4WlcleI14nwihWpHHkFisewqfiGaayzOtQCVBF7F6i1Uzk4jcqFoZkW4xZlkqnWwh2qqyhsPFi1RTmc6R0sy5lc3YUfqaKuluaq3hM2ouj0OPLc4rHVLKW5Z+iyLc3z8Iq9XxOXU3KFSKQKIBCTGXakSLhBJFlED/2Q=="/>
+          <p:cNvSpPr>
+            <a:spLocks noChangeAspect="1" noChangeArrowheads="1"/>
+          </p:cNvSpPr>
+          <p:nvPr/>
+        </p:nvSpPr>
+        <p:spPr bwMode="auto">
+          <a:xfrm>
+            <a:off x="155575" y="-144463"/>
+            <a:ext cx="304800" cy="304801"/>
+          </a:xfrm>
+          <a:prstGeom prst="rect">
+            <a:avLst/>
+          </a:prstGeom>
+          <a:noFill/>
+          <a:extLst>
+            <a:ext uri="{909E8E84-426E-40DD-AFC4-6F175D3DCCD1}">
+              <a14:hiddenFill xmlns:a14="http://schemas.microsoft.com/office/drawing/2010/main">
+                <a:solidFill>
+                  <a:srgbClr val="FFFFFF"/>
+                </a:solidFill>
+              </a14:hiddenFill>
+            </a:ext>
+          </a:extLst>
+        </p:spPr>
+        <p:txBody>
+          <a:bodyPr vert="horz" wrap="square" lIns="91440" tIns="45720" rIns="91440" bIns="45720" numCol="1" anchor="t" anchorCtr="0" compatLnSpc="1">
+            <a:prstTxWarp prst="textNoShape">
+              <a:avLst/>
+            </a:prstTxWarp>
+          </a:bodyPr>
           <a:lstStyle/>
           <a:p>
             <a:endParaRPr lang="en-US"/>
@@ -3089,6 +3096,1145 @@
   <p:clrMapOvr>
     <a:masterClrMapping/>
   </p:clrMapOvr>
+  <p:timing>
+    <p:tnLst>
+      <p:par>
+        <p:cTn id="1" dur="indefinite" restart="never" nodeType="tmRoot"/>
+      </p:par>
+    </p:tnLst>
+  </p:timing>
+</p:sld>
+</file>
+
+<file path=ppt/slides/slide3.xml><?xml version="1.0" encoding="utf-8"?>
+<p:sld xmlns:a="http://schemas.openxmlformats.org/drawingml/2006/main" xmlns:r="http://schemas.openxmlformats.org/officeDocument/2006/relationships" xmlns:p="http://schemas.openxmlformats.org/presentationml/2006/main">
+  <p:cSld>
+    <p:spTree>
+      <p:nvGrpSpPr>
+        <p:cNvPr id="1" name=""/>
+        <p:cNvGrpSpPr/>
+        <p:nvPr/>
+      </p:nvGrpSpPr>
+      <p:grpSpPr>
+        <a:xfrm>
+          <a:off x="0" y="0"/>
+          <a:ext cx="0" cy="0"/>
+          <a:chOff x="0" y="0"/>
+          <a:chExt cx="0" cy="0"/>
+        </a:xfrm>
+      </p:grpSpPr>
+      <p:sp>
+        <p:nvSpPr>
+          <p:cNvPr id="2" name="Title 1"/>
+          <p:cNvSpPr>
+            <a:spLocks noGrp="1"/>
+          </p:cNvSpPr>
+          <p:nvPr>
+            <p:ph type="title"/>
+          </p:nvPr>
+        </p:nvSpPr>
+        <p:spPr/>
+        <p:txBody>
+          <a:bodyPr/>
+          <a:lstStyle/>
+          <a:p>
+            <a:endParaRPr lang="en-US"/>
+          </a:p>
+        </p:txBody>
+      </p:sp>
+      <p:sp>
+        <p:nvSpPr>
+          <p:cNvPr id="3" name="Content Placeholder 2"/>
+          <p:cNvSpPr>
+            <a:spLocks noGrp="1"/>
+          </p:cNvSpPr>
+          <p:nvPr>
+            <p:ph sz="half" idx="1"/>
+          </p:nvPr>
+        </p:nvSpPr>
+        <p:spPr/>
+        <p:txBody>
+          <a:bodyPr>
+            <a:normAutofit fontScale="92500" lnSpcReduction="10000"/>
+          </a:bodyPr>
+          <a:lstStyle/>
+          <a:p>
+            <a:r>
+              <a:rPr lang="en-US" dirty="0"/>
+              <a:t>https://www.google.co.in/url?sa=i&amp;rct=j&amp;q=&amp;esrc=s&amp;source=images&amp;cd=&amp;docid=V-rr_99PVH02JM&amp;tbnid=V9etOFkEImmAgM:&amp;ved=0CAIQjBw&amp;url=http%3A%2F%2Fimg.alibaba.com%2Fimg%2Fpb%2F053%2F049%2F717%2F717049053_236.jpg&amp;ei=auSfU7jlE4v_8QWlzYKoCA&amp;bvm=bv.68911936,d.dGc&amp;psig=AFQjCNEfxPN5LqiwZkkbRcRA3GORedDfDA&amp;ust=1403074023666399</a:t>
+            </a:r>
+          </a:p>
+        </p:txBody>
+      </p:sp>
+      <p:sp>
+        <p:nvSpPr>
+          <p:cNvPr id="4" name="Content Placeholder 3"/>
+          <p:cNvSpPr>
+            <a:spLocks noGrp="1"/>
+          </p:cNvSpPr>
+          <p:nvPr>
+            <p:ph sz="half" idx="2"/>
+          </p:nvPr>
+        </p:nvSpPr>
+        <p:spPr/>
+        <p:txBody>
+          <a:bodyPr>
+            <a:normAutofit fontScale="92500" lnSpcReduction="10000"/>
+          </a:bodyPr>
+          <a:lstStyle/>
+          <a:p>
+            <a:endParaRPr lang="en-US"/>
+          </a:p>
+        </p:txBody>
+      </p:sp>
+    </p:spTree>
+    <p:extLst>
+      <p:ext uri="{BB962C8B-B14F-4D97-AF65-F5344CB8AC3E}">
+        <p14:creationId xmlns:p14="http://schemas.microsoft.com/office/powerpoint/2010/main" val="1971428115"/>
+      </p:ext>
+    </p:extLst>
+  </p:cSld>
+  <p:clrMapOvr>
+    <a:masterClrMapping/>
+  </p:clrMapOvr>
+  <p:timing>
+    <p:tnLst>
+      <p:par>
+        <p:cTn id="1" dur="indefinite" restart="never" nodeType="tmRoot"/>
+      </p:par>
+    </p:tnLst>
+  </p:timing>
+</p:sld>
+</file>
+
+<file path=ppt/slides/slide4.xml><?xml version="1.0" encoding="utf-8"?>
+<p:sld xmlns:a="http://schemas.openxmlformats.org/drawingml/2006/main" xmlns:r="http://schemas.openxmlformats.org/officeDocument/2006/relationships" xmlns:p="http://schemas.openxmlformats.org/presentationml/2006/main">
+  <p:cSld>
+    <p:spTree>
+      <p:nvGrpSpPr>
+        <p:cNvPr id="1" name=""/>
+        <p:cNvGrpSpPr/>
+        <p:nvPr/>
+      </p:nvGrpSpPr>
+      <p:grpSpPr>
+        <a:xfrm>
+          <a:off x="0" y="0"/>
+          <a:ext cx="0" cy="0"/>
+          <a:chOff x="0" y="0"/>
+          <a:chExt cx="0" cy="0"/>
+        </a:xfrm>
+      </p:grpSpPr>
+      <p:sp>
+        <p:nvSpPr>
+          <p:cNvPr id="5" name="Rectangle 4"/>
+          <p:cNvSpPr/>
+          <p:nvPr/>
+        </p:nvSpPr>
+        <p:spPr>
+          <a:xfrm>
+            <a:off x="1641764" y="1548245"/>
+            <a:ext cx="8447809" cy="4395355"/>
+          </a:xfrm>
+          <a:prstGeom prst="rect">
+            <a:avLst/>
+          </a:prstGeom>
+          <a:solidFill>
+            <a:schemeClr val="tx1">
+              <a:alpha val="75000"/>
+            </a:schemeClr>
+          </a:solidFill>
+          <a:ln w="15875" cap="sq">
+            <a:solidFill>
+              <a:schemeClr val="tx1"/>
+            </a:solidFill>
+          </a:ln>
+        </p:spPr>
+        <p:style>
+          <a:lnRef idx="2">
+            <a:schemeClr val="accent1">
+              <a:shade val="50000"/>
+            </a:schemeClr>
+          </a:lnRef>
+          <a:fillRef idx="1">
+            <a:schemeClr val="accent1"/>
+          </a:fillRef>
+          <a:effectRef idx="0">
+            <a:schemeClr val="accent1"/>
+          </a:effectRef>
+          <a:fontRef idx="minor">
+            <a:schemeClr val="lt1"/>
+          </a:fontRef>
+        </p:style>
+        <p:txBody>
+          <a:bodyPr rtlCol="0" anchor="ctr"/>
+          <a:lstStyle/>
+          <a:p>
+            <a:pPr algn="ctr"/>
+            <a:endParaRPr lang="en-US"/>
+          </a:p>
+        </p:txBody>
+      </p:sp>
+      <p:sp>
+        <p:nvSpPr>
+          <p:cNvPr id="6" name="Rectangle 5"/>
+          <p:cNvSpPr/>
+          <p:nvPr/>
+        </p:nvSpPr>
+        <p:spPr>
+          <a:xfrm>
+            <a:off x="1954530" y="1074420"/>
+            <a:ext cx="1805940" cy="450965"/>
+          </a:xfrm>
+          <a:prstGeom prst="rect">
+            <a:avLst/>
+          </a:prstGeom>
+          <a:solidFill>
+            <a:srgbClr val="FC2222"/>
+          </a:solidFill>
+          <a:ln w="25400">
+            <a:solidFill>
+              <a:schemeClr val="tx1"/>
+            </a:solidFill>
+          </a:ln>
+        </p:spPr>
+        <p:style>
+          <a:lnRef idx="2">
+            <a:schemeClr val="accent2">
+              <a:shade val="50000"/>
+            </a:schemeClr>
+          </a:lnRef>
+          <a:fillRef idx="1">
+            <a:schemeClr val="accent2"/>
+          </a:fillRef>
+          <a:effectRef idx="0">
+            <a:schemeClr val="accent2"/>
+          </a:effectRef>
+          <a:fontRef idx="minor">
+            <a:schemeClr val="lt1"/>
+          </a:fontRef>
+        </p:style>
+        <p:txBody>
+          <a:bodyPr rtlCol="0" anchor="ctr"/>
+          <a:lstStyle/>
+          <a:p>
+            <a:pPr algn="ctr"/>
+            <a:endParaRPr lang="en-US"/>
+          </a:p>
+        </p:txBody>
+      </p:sp>
+      <p:sp>
+        <p:nvSpPr>
+          <p:cNvPr id="7" name="Rectangle 6"/>
+          <p:cNvSpPr/>
+          <p:nvPr/>
+        </p:nvSpPr>
+        <p:spPr>
+          <a:xfrm>
+            <a:off x="4962698" y="1074419"/>
+            <a:ext cx="1805940" cy="450965"/>
+          </a:xfrm>
+          <a:prstGeom prst="rect">
+            <a:avLst/>
+          </a:prstGeom>
+          <a:ln w="25400">
+            <a:solidFill>
+              <a:schemeClr val="tx1"/>
+            </a:solidFill>
+          </a:ln>
+        </p:spPr>
+        <p:style>
+          <a:lnRef idx="2">
+            <a:schemeClr val="accent5">
+              <a:shade val="50000"/>
+            </a:schemeClr>
+          </a:lnRef>
+          <a:fillRef idx="1">
+            <a:schemeClr val="accent5"/>
+          </a:fillRef>
+          <a:effectRef idx="0">
+            <a:schemeClr val="accent5"/>
+          </a:effectRef>
+          <a:fontRef idx="minor">
+            <a:schemeClr val="lt1"/>
+          </a:fontRef>
+        </p:style>
+        <p:txBody>
+          <a:bodyPr rtlCol="0" anchor="ctr"/>
+          <a:lstStyle/>
+          <a:p>
+            <a:pPr algn="ctr"/>
+            <a:endParaRPr lang="en-US"/>
+          </a:p>
+        </p:txBody>
+      </p:sp>
+      <p:sp>
+        <p:nvSpPr>
+          <p:cNvPr id="8" name="Rectangle 7"/>
+          <p:cNvSpPr/>
+          <p:nvPr/>
+        </p:nvSpPr>
+        <p:spPr>
+          <a:xfrm>
+            <a:off x="7913370" y="1074418"/>
+            <a:ext cx="1805940" cy="450965"/>
+          </a:xfrm>
+          <a:prstGeom prst="rect">
+            <a:avLst/>
+          </a:prstGeom>
+          <a:ln w="25400">
+            <a:solidFill>
+              <a:schemeClr val="tx1"/>
+            </a:solidFill>
+          </a:ln>
+        </p:spPr>
+        <p:style>
+          <a:lnRef idx="2">
+            <a:schemeClr val="accent6">
+              <a:shade val="50000"/>
+            </a:schemeClr>
+          </a:lnRef>
+          <a:fillRef idx="1">
+            <a:schemeClr val="accent6"/>
+          </a:fillRef>
+          <a:effectRef idx="0">
+            <a:schemeClr val="accent6"/>
+          </a:effectRef>
+          <a:fontRef idx="minor">
+            <a:schemeClr val="lt1"/>
+          </a:fontRef>
+        </p:style>
+        <p:txBody>
+          <a:bodyPr rtlCol="0" anchor="ctr"/>
+          <a:lstStyle/>
+          <a:p>
+            <a:pPr algn="ctr"/>
+            <a:endParaRPr lang="en-US"/>
+          </a:p>
+        </p:txBody>
+      </p:sp>
+      <p:sp>
+        <p:nvSpPr>
+          <p:cNvPr id="9" name="Oval 8"/>
+          <p:cNvSpPr/>
+          <p:nvPr/>
+        </p:nvSpPr>
+        <p:spPr>
+          <a:xfrm>
+            <a:off x="4962698" y="4960620"/>
+            <a:ext cx="1805940" cy="514350"/>
+          </a:xfrm>
+          <a:prstGeom prst="ellipse">
+            <a:avLst/>
+          </a:prstGeom>
+          <a:solidFill>
+            <a:schemeClr val="accent4">
+              <a:lumMod val="60000"/>
+              <a:lumOff val="40000"/>
+            </a:schemeClr>
+          </a:solidFill>
+          <a:ln>
+            <a:solidFill>
+              <a:schemeClr val="tx1">
+                <a:lumMod val="50000"/>
+                <a:lumOff val="50000"/>
+              </a:schemeClr>
+            </a:solidFill>
+          </a:ln>
+        </p:spPr>
+        <p:style>
+          <a:lnRef idx="2">
+            <a:schemeClr val="accent1">
+              <a:shade val="50000"/>
+            </a:schemeClr>
+          </a:lnRef>
+          <a:fillRef idx="1">
+            <a:schemeClr val="accent1"/>
+          </a:fillRef>
+          <a:effectRef idx="0">
+            <a:schemeClr val="accent1"/>
+          </a:effectRef>
+          <a:fontRef idx="minor">
+            <a:schemeClr val="lt1"/>
+          </a:fontRef>
+        </p:style>
+        <p:txBody>
+          <a:bodyPr rtlCol="0" anchor="ctr"/>
+          <a:lstStyle/>
+          <a:p>
+            <a:pPr algn="ctr"/>
+            <a:endParaRPr lang="en-US"/>
+          </a:p>
+        </p:txBody>
+      </p:sp>
+      <p:cxnSp>
+        <p:nvCxnSpPr>
+          <p:cNvPr id="13" name="Straight Connector 12"/>
+          <p:cNvCxnSpPr>
+            <a:endCxn id="9" idx="2"/>
+          </p:cNvCxnSpPr>
+          <p:nvPr/>
+        </p:nvCxnSpPr>
+        <p:spPr>
+          <a:xfrm>
+            <a:off x="2903220" y="1548245"/>
+            <a:ext cx="2059478" cy="3669550"/>
+          </a:xfrm>
+          <a:prstGeom prst="line">
+            <a:avLst/>
+          </a:prstGeom>
+          <a:ln>
+            <a:solidFill>
+              <a:srgbClr val="FF0000">
+                <a:alpha val="67000"/>
+              </a:srgbClr>
+            </a:solidFill>
+          </a:ln>
+        </p:spPr>
+        <p:style>
+          <a:lnRef idx="1">
+            <a:schemeClr val="accent1"/>
+          </a:lnRef>
+          <a:fillRef idx="0">
+            <a:schemeClr val="accent1"/>
+          </a:fillRef>
+          <a:effectRef idx="0">
+            <a:schemeClr val="accent1"/>
+          </a:effectRef>
+          <a:fontRef idx="minor">
+            <a:schemeClr val="tx1"/>
+          </a:fontRef>
+        </p:style>
+      </p:cxnSp>
+      <p:cxnSp>
+        <p:nvCxnSpPr>
+          <p:cNvPr id="15" name="Straight Connector 14"/>
+          <p:cNvCxnSpPr>
+            <a:endCxn id="9" idx="6"/>
+          </p:cNvCxnSpPr>
+          <p:nvPr/>
+        </p:nvCxnSpPr>
+        <p:spPr>
+          <a:xfrm>
+            <a:off x="2903220" y="1548245"/>
+            <a:ext cx="3865418" cy="3669550"/>
+          </a:xfrm>
+          <a:prstGeom prst="line">
+            <a:avLst/>
+          </a:prstGeom>
+          <a:ln>
+            <a:solidFill>
+              <a:srgbClr val="FF0000">
+                <a:alpha val="67000"/>
+              </a:srgbClr>
+            </a:solidFill>
+          </a:ln>
+        </p:spPr>
+        <p:style>
+          <a:lnRef idx="1">
+            <a:schemeClr val="accent1"/>
+          </a:lnRef>
+          <a:fillRef idx="0">
+            <a:schemeClr val="accent1"/>
+          </a:fillRef>
+          <a:effectRef idx="0">
+            <a:schemeClr val="accent1"/>
+          </a:effectRef>
+          <a:fontRef idx="minor">
+            <a:schemeClr val="tx1"/>
+          </a:fontRef>
+        </p:style>
+      </p:cxnSp>
+      <p:cxnSp>
+        <p:nvCxnSpPr>
+          <p:cNvPr id="17" name="Straight Connector 16"/>
+          <p:cNvCxnSpPr>
+            <a:stCxn id="5" idx="0"/>
+            <a:endCxn id="9" idx="2"/>
+          </p:cNvCxnSpPr>
+          <p:nvPr/>
+        </p:nvCxnSpPr>
+        <p:spPr>
+          <a:xfrm flipH="1">
+            <a:off x="4962698" y="1548245"/>
+            <a:ext cx="902971" cy="3669550"/>
+          </a:xfrm>
+          <a:prstGeom prst="line">
+            <a:avLst/>
+          </a:prstGeom>
+          <a:ln>
+            <a:solidFill>
+              <a:srgbClr val="0070C0"/>
+            </a:solidFill>
+          </a:ln>
+        </p:spPr>
+        <p:style>
+          <a:lnRef idx="1">
+            <a:schemeClr val="accent1"/>
+          </a:lnRef>
+          <a:fillRef idx="0">
+            <a:schemeClr val="accent1"/>
+          </a:fillRef>
+          <a:effectRef idx="0">
+            <a:schemeClr val="accent1"/>
+          </a:effectRef>
+          <a:fontRef idx="minor">
+            <a:schemeClr val="tx1"/>
+          </a:fontRef>
+        </p:style>
+      </p:cxnSp>
+      <p:cxnSp>
+        <p:nvCxnSpPr>
+          <p:cNvPr id="19" name="Straight Connector 18"/>
+          <p:cNvCxnSpPr>
+            <a:stCxn id="7" idx="2"/>
+          </p:cNvCxnSpPr>
+          <p:nvPr/>
+        </p:nvCxnSpPr>
+        <p:spPr>
+          <a:xfrm>
+            <a:off x="5865668" y="1525384"/>
+            <a:ext cx="902970" cy="3692411"/>
+          </a:xfrm>
+          <a:prstGeom prst="line">
+            <a:avLst/>
+          </a:prstGeom>
+          <a:ln>
+            <a:solidFill>
+              <a:srgbClr val="0070C0"/>
+            </a:solidFill>
+          </a:ln>
+        </p:spPr>
+        <p:style>
+          <a:lnRef idx="1">
+            <a:schemeClr val="accent1"/>
+          </a:lnRef>
+          <a:fillRef idx="0">
+            <a:schemeClr val="accent1"/>
+          </a:fillRef>
+          <a:effectRef idx="0">
+            <a:schemeClr val="accent1"/>
+          </a:effectRef>
+          <a:fontRef idx="minor">
+            <a:schemeClr val="tx1"/>
+          </a:fontRef>
+        </p:style>
+      </p:cxnSp>
+      <p:cxnSp>
+        <p:nvCxnSpPr>
+          <p:cNvPr id="25" name="Straight Connector 24"/>
+          <p:cNvCxnSpPr>
+            <a:stCxn id="8" idx="2"/>
+            <a:endCxn id="9" idx="2"/>
+          </p:cNvCxnSpPr>
+          <p:nvPr/>
+        </p:nvCxnSpPr>
+        <p:spPr>
+          <a:xfrm flipH="1">
+            <a:off x="4962698" y="1525383"/>
+            <a:ext cx="3853642" cy="3692412"/>
+          </a:xfrm>
+          <a:prstGeom prst="line">
+            <a:avLst/>
+          </a:prstGeom>
+          <a:ln>
+            <a:solidFill>
+              <a:srgbClr val="00B050"/>
+            </a:solidFill>
+          </a:ln>
+        </p:spPr>
+        <p:style>
+          <a:lnRef idx="1">
+            <a:schemeClr val="accent1"/>
+          </a:lnRef>
+          <a:fillRef idx="0">
+            <a:schemeClr val="accent1"/>
+          </a:fillRef>
+          <a:effectRef idx="0">
+            <a:schemeClr val="accent1"/>
+          </a:effectRef>
+          <a:fontRef idx="minor">
+            <a:schemeClr val="tx1"/>
+          </a:fontRef>
+        </p:style>
+      </p:cxnSp>
+      <p:cxnSp>
+        <p:nvCxnSpPr>
+          <p:cNvPr id="27" name="Straight Connector 26"/>
+          <p:cNvCxnSpPr>
+            <a:endCxn id="9" idx="6"/>
+          </p:cNvCxnSpPr>
+          <p:nvPr/>
+        </p:nvCxnSpPr>
+        <p:spPr>
+          <a:xfrm flipH="1">
+            <a:off x="6768638" y="1548243"/>
+            <a:ext cx="2047702" cy="3669552"/>
+          </a:xfrm>
+          <a:prstGeom prst="line">
+            <a:avLst/>
+          </a:prstGeom>
+          <a:ln>
+            <a:solidFill>
+              <a:srgbClr val="00B050"/>
+            </a:solidFill>
+          </a:ln>
+        </p:spPr>
+        <p:style>
+          <a:lnRef idx="1">
+            <a:schemeClr val="accent1"/>
+          </a:lnRef>
+          <a:fillRef idx="0">
+            <a:schemeClr val="accent1"/>
+          </a:fillRef>
+          <a:effectRef idx="0">
+            <a:schemeClr val="accent1"/>
+          </a:effectRef>
+          <a:fontRef idx="minor">
+            <a:schemeClr val="tx1"/>
+          </a:fontRef>
+        </p:style>
+      </p:cxnSp>
+      <p:sp>
+        <p:nvSpPr>
+          <p:cNvPr id="28" name="Rectangle 27"/>
+          <p:cNvSpPr/>
+          <p:nvPr/>
+        </p:nvSpPr>
+        <p:spPr>
+          <a:xfrm>
+            <a:off x="2114550" y="1277040"/>
+            <a:ext cx="1451610" cy="45719"/>
+          </a:xfrm>
+          <a:prstGeom prst="rect">
+            <a:avLst/>
+          </a:prstGeom>
+          <a:solidFill>
+            <a:schemeClr val="bg1"/>
+          </a:solidFill>
+        </p:spPr>
+        <p:style>
+          <a:lnRef idx="2">
+            <a:schemeClr val="accent1">
+              <a:shade val="50000"/>
+            </a:schemeClr>
+          </a:lnRef>
+          <a:fillRef idx="1">
+            <a:schemeClr val="accent1"/>
+          </a:fillRef>
+          <a:effectRef idx="0">
+            <a:schemeClr val="accent1"/>
+          </a:effectRef>
+          <a:fontRef idx="minor">
+            <a:schemeClr val="lt1"/>
+          </a:fontRef>
+        </p:style>
+        <p:txBody>
+          <a:bodyPr rtlCol="0" anchor="ctr"/>
+          <a:lstStyle/>
+          <a:p>
+            <a:pPr algn="ctr"/>
+            <a:endParaRPr lang="en-US"/>
+          </a:p>
+        </p:txBody>
+      </p:sp>
+      <p:sp>
+        <p:nvSpPr>
+          <p:cNvPr id="29" name="Rectangle 28"/>
+          <p:cNvSpPr/>
+          <p:nvPr/>
+        </p:nvSpPr>
+        <p:spPr>
+          <a:xfrm>
+            <a:off x="5139863" y="1277040"/>
+            <a:ext cx="1451610" cy="45719"/>
+          </a:xfrm>
+          <a:prstGeom prst="rect">
+            <a:avLst/>
+          </a:prstGeom>
+          <a:solidFill>
+            <a:schemeClr val="bg1"/>
+          </a:solidFill>
+        </p:spPr>
+        <p:style>
+          <a:lnRef idx="2">
+            <a:schemeClr val="accent1">
+              <a:shade val="50000"/>
+            </a:schemeClr>
+          </a:lnRef>
+          <a:fillRef idx="1">
+            <a:schemeClr val="accent1"/>
+          </a:fillRef>
+          <a:effectRef idx="0">
+            <a:schemeClr val="accent1"/>
+          </a:effectRef>
+          <a:fontRef idx="minor">
+            <a:schemeClr val="lt1"/>
+          </a:fontRef>
+        </p:style>
+        <p:txBody>
+          <a:bodyPr rtlCol="0" anchor="ctr"/>
+          <a:lstStyle/>
+          <a:p>
+            <a:pPr algn="ctr"/>
+            <a:endParaRPr lang="en-US"/>
+          </a:p>
+        </p:txBody>
+      </p:sp>
+      <p:sp>
+        <p:nvSpPr>
+          <p:cNvPr id="30" name="Rectangle 29"/>
+          <p:cNvSpPr/>
+          <p:nvPr/>
+        </p:nvSpPr>
+        <p:spPr>
+          <a:xfrm>
+            <a:off x="8090535" y="1277040"/>
+            <a:ext cx="1451610" cy="45719"/>
+          </a:xfrm>
+          <a:prstGeom prst="rect">
+            <a:avLst/>
+          </a:prstGeom>
+          <a:solidFill>
+            <a:schemeClr val="bg1"/>
+          </a:solidFill>
+        </p:spPr>
+        <p:style>
+          <a:lnRef idx="2">
+            <a:schemeClr val="accent1">
+              <a:shade val="50000"/>
+            </a:schemeClr>
+          </a:lnRef>
+          <a:fillRef idx="1">
+            <a:schemeClr val="accent1"/>
+          </a:fillRef>
+          <a:effectRef idx="0">
+            <a:schemeClr val="accent1"/>
+          </a:effectRef>
+          <a:fontRef idx="minor">
+            <a:schemeClr val="lt1"/>
+          </a:fontRef>
+        </p:style>
+        <p:txBody>
+          <a:bodyPr rtlCol="0" anchor="ctr"/>
+          <a:lstStyle/>
+          <a:p>
+            <a:pPr algn="ctr"/>
+            <a:endParaRPr lang="en-US"/>
+          </a:p>
+        </p:txBody>
+      </p:sp>
+      <p:sp>
+        <p:nvSpPr>
+          <p:cNvPr id="31" name="Oval 30"/>
+          <p:cNvSpPr/>
+          <p:nvPr/>
+        </p:nvSpPr>
+        <p:spPr>
+          <a:xfrm>
+            <a:off x="3111818" y="1181442"/>
+            <a:ext cx="225742" cy="236915"/>
+          </a:xfrm>
+          <a:prstGeom prst="ellipse">
+            <a:avLst/>
+          </a:prstGeom>
+          <a:solidFill>
+            <a:schemeClr val="bg1"/>
+          </a:solidFill>
+          <a:ln w="25400">
+            <a:solidFill>
+              <a:schemeClr val="tx1"/>
+            </a:solidFill>
+          </a:ln>
+        </p:spPr>
+        <p:style>
+          <a:lnRef idx="2">
+            <a:schemeClr val="accent1">
+              <a:shade val="50000"/>
+            </a:schemeClr>
+          </a:lnRef>
+          <a:fillRef idx="1">
+            <a:schemeClr val="accent1"/>
+          </a:fillRef>
+          <a:effectRef idx="0">
+            <a:schemeClr val="accent1"/>
+          </a:effectRef>
+          <a:fontRef idx="minor">
+            <a:schemeClr val="lt1"/>
+          </a:fontRef>
+        </p:style>
+        <p:txBody>
+          <a:bodyPr rtlCol="0" anchor="ctr"/>
+          <a:lstStyle/>
+          <a:p>
+            <a:pPr algn="ctr"/>
+            <a:endParaRPr lang="en-US"/>
+          </a:p>
+        </p:txBody>
+      </p:sp>
+      <p:sp>
+        <p:nvSpPr>
+          <p:cNvPr id="32" name="Oval 31"/>
+          <p:cNvSpPr/>
+          <p:nvPr/>
+        </p:nvSpPr>
+        <p:spPr>
+          <a:xfrm>
+            <a:off x="5498307" y="1204301"/>
+            <a:ext cx="225742" cy="236915"/>
+          </a:xfrm>
+          <a:prstGeom prst="ellipse">
+            <a:avLst/>
+          </a:prstGeom>
+          <a:solidFill>
+            <a:schemeClr val="bg1"/>
+          </a:solidFill>
+          <a:ln w="25400">
+            <a:solidFill>
+              <a:schemeClr val="tx1"/>
+            </a:solidFill>
+          </a:ln>
+        </p:spPr>
+        <p:style>
+          <a:lnRef idx="2">
+            <a:schemeClr val="accent1">
+              <a:shade val="50000"/>
+            </a:schemeClr>
+          </a:lnRef>
+          <a:fillRef idx="1">
+            <a:schemeClr val="accent1"/>
+          </a:fillRef>
+          <a:effectRef idx="0">
+            <a:schemeClr val="accent1"/>
+          </a:effectRef>
+          <a:fontRef idx="minor">
+            <a:schemeClr val="lt1"/>
+          </a:fontRef>
+        </p:style>
+        <p:txBody>
+          <a:bodyPr rtlCol="0" anchor="ctr"/>
+          <a:lstStyle/>
+          <a:p>
+            <a:pPr algn="ctr"/>
+            <a:endParaRPr lang="en-US"/>
+          </a:p>
+        </p:txBody>
+      </p:sp>
+      <p:sp>
+        <p:nvSpPr>
+          <p:cNvPr id="33" name="Oval 32"/>
+          <p:cNvSpPr/>
+          <p:nvPr/>
+        </p:nvSpPr>
+        <p:spPr>
+          <a:xfrm>
+            <a:off x="8816340" y="1192872"/>
+            <a:ext cx="225742" cy="236915"/>
+          </a:xfrm>
+          <a:prstGeom prst="ellipse">
+            <a:avLst/>
+          </a:prstGeom>
+          <a:solidFill>
+            <a:schemeClr val="bg1"/>
+          </a:solidFill>
+          <a:ln w="25400">
+            <a:solidFill>
+              <a:schemeClr val="tx1"/>
+            </a:solidFill>
+          </a:ln>
+        </p:spPr>
+        <p:style>
+          <a:lnRef idx="2">
+            <a:schemeClr val="accent1">
+              <a:shade val="50000"/>
+            </a:schemeClr>
+          </a:lnRef>
+          <a:fillRef idx="1">
+            <a:schemeClr val="accent1"/>
+          </a:fillRef>
+          <a:effectRef idx="0">
+            <a:schemeClr val="accent1"/>
+          </a:effectRef>
+          <a:fontRef idx="minor">
+            <a:schemeClr val="lt1"/>
+          </a:fontRef>
+        </p:style>
+        <p:txBody>
+          <a:bodyPr rtlCol="0" anchor="ctr"/>
+          <a:lstStyle/>
+          <a:p>
+            <a:pPr algn="ctr"/>
+            <a:endParaRPr lang="en-US"/>
+          </a:p>
+        </p:txBody>
+      </p:sp>
+      <p:cxnSp>
+        <p:nvCxnSpPr>
+          <p:cNvPr id="35" name="Straight Connector 34"/>
+          <p:cNvCxnSpPr/>
+          <p:nvPr/>
+        </p:nvCxnSpPr>
+        <p:spPr>
+          <a:xfrm>
+            <a:off x="2718437" y="1548243"/>
+            <a:ext cx="13333" cy="3000897"/>
+          </a:xfrm>
+          <a:prstGeom prst="line">
+            <a:avLst/>
+          </a:prstGeom>
+          <a:ln w="19050">
+            <a:solidFill>
+              <a:schemeClr val="bg1"/>
+            </a:solidFill>
+          </a:ln>
+        </p:spPr>
+        <p:style>
+          <a:lnRef idx="1">
+            <a:schemeClr val="accent1"/>
+          </a:lnRef>
+          <a:fillRef idx="0">
+            <a:schemeClr val="accent1"/>
+          </a:fillRef>
+          <a:effectRef idx="0">
+            <a:schemeClr val="accent1"/>
+          </a:effectRef>
+          <a:fontRef idx="minor">
+            <a:schemeClr val="tx1"/>
+          </a:fontRef>
+        </p:style>
+      </p:cxnSp>
+      <p:cxnSp>
+        <p:nvCxnSpPr>
+          <p:cNvPr id="36" name="Straight Connector 35"/>
+          <p:cNvCxnSpPr/>
+          <p:nvPr/>
+        </p:nvCxnSpPr>
+        <p:spPr>
+          <a:xfrm flipH="1">
+            <a:off x="1641763" y="4549140"/>
+            <a:ext cx="1088104" cy="1303020"/>
+          </a:xfrm>
+          <a:prstGeom prst="line">
+            <a:avLst/>
+          </a:prstGeom>
+          <a:ln w="19050">
+            <a:solidFill>
+              <a:schemeClr val="bg1"/>
+            </a:solidFill>
+          </a:ln>
+        </p:spPr>
+        <p:style>
+          <a:lnRef idx="1">
+            <a:schemeClr val="accent1"/>
+          </a:lnRef>
+          <a:fillRef idx="0">
+            <a:schemeClr val="accent1"/>
+          </a:fillRef>
+          <a:effectRef idx="0">
+            <a:schemeClr val="accent1"/>
+          </a:effectRef>
+          <a:fontRef idx="minor">
+            <a:schemeClr val="tx1"/>
+          </a:fontRef>
+        </p:style>
+      </p:cxnSp>
+      <p:cxnSp>
+        <p:nvCxnSpPr>
+          <p:cNvPr id="40" name="Straight Connector 39"/>
+          <p:cNvCxnSpPr/>
+          <p:nvPr/>
+        </p:nvCxnSpPr>
+        <p:spPr>
+          <a:xfrm flipV="1">
+            <a:off x="2729867" y="4491990"/>
+            <a:ext cx="6652172" cy="56198"/>
+          </a:xfrm>
+          <a:prstGeom prst="line">
+            <a:avLst/>
+          </a:prstGeom>
+          <a:ln w="19050">
+            <a:solidFill>
+              <a:schemeClr val="bg1"/>
+            </a:solidFill>
+          </a:ln>
+        </p:spPr>
+        <p:style>
+          <a:lnRef idx="1">
+            <a:schemeClr val="accent1"/>
+          </a:lnRef>
+          <a:fillRef idx="0">
+            <a:schemeClr val="accent1"/>
+          </a:fillRef>
+          <a:effectRef idx="0">
+            <a:schemeClr val="accent1"/>
+          </a:effectRef>
+          <a:fontRef idx="minor">
+            <a:schemeClr val="tx1"/>
+          </a:fontRef>
+        </p:style>
+      </p:cxnSp>
+      <p:cxnSp>
+        <p:nvCxnSpPr>
+          <p:cNvPr id="44" name="Straight Connector 43"/>
+          <p:cNvCxnSpPr/>
+          <p:nvPr/>
+        </p:nvCxnSpPr>
+        <p:spPr>
+          <a:xfrm>
+            <a:off x="9368706" y="1525381"/>
+            <a:ext cx="13333" cy="3000897"/>
+          </a:xfrm>
+          <a:prstGeom prst="line">
+            <a:avLst/>
+          </a:prstGeom>
+          <a:ln w="19050">
+            <a:solidFill>
+              <a:schemeClr val="bg1"/>
+            </a:solidFill>
+          </a:ln>
+        </p:spPr>
+        <p:style>
+          <a:lnRef idx="1">
+            <a:schemeClr val="accent1"/>
+          </a:lnRef>
+          <a:fillRef idx="0">
+            <a:schemeClr val="accent1"/>
+          </a:fillRef>
+          <a:effectRef idx="0">
+            <a:schemeClr val="accent1"/>
+          </a:effectRef>
+          <a:fontRef idx="minor">
+            <a:schemeClr val="tx1"/>
+          </a:fontRef>
+        </p:style>
+      </p:cxnSp>
+      <p:cxnSp>
+        <p:nvCxnSpPr>
+          <p:cNvPr id="46" name="Straight Connector 45"/>
+          <p:cNvCxnSpPr/>
+          <p:nvPr/>
+        </p:nvCxnSpPr>
+        <p:spPr>
+          <a:xfrm>
+            <a:off x="9393469" y="4491990"/>
+            <a:ext cx="775162" cy="1474470"/>
+          </a:xfrm>
+          <a:prstGeom prst="line">
+            <a:avLst/>
+          </a:prstGeom>
+          <a:ln w="19050">
+            <a:solidFill>
+              <a:schemeClr val="bg1"/>
+            </a:solidFill>
+          </a:ln>
+        </p:spPr>
+        <p:style>
+          <a:lnRef idx="1">
+            <a:schemeClr val="accent1"/>
+          </a:lnRef>
+          <a:fillRef idx="0">
+            <a:schemeClr val="accent1"/>
+          </a:fillRef>
+          <a:effectRef idx="0">
+            <a:schemeClr val="accent1"/>
+          </a:effectRef>
+          <a:fontRef idx="minor">
+            <a:schemeClr val="tx1"/>
+          </a:fontRef>
+        </p:style>
+      </p:cxnSp>
+      <p:sp>
+        <p:nvSpPr>
+          <p:cNvPr id="49" name="Oval 48"/>
+          <p:cNvSpPr/>
+          <p:nvPr/>
+        </p:nvSpPr>
+        <p:spPr>
+          <a:xfrm>
+            <a:off x="2903220" y="3383019"/>
+            <a:ext cx="857250" cy="906347"/>
+          </a:xfrm>
+          <a:prstGeom prst="ellipse">
+            <a:avLst/>
+          </a:prstGeom>
+        </p:spPr>
+        <p:style>
+          <a:lnRef idx="1">
+            <a:schemeClr val="accent2"/>
+          </a:lnRef>
+          <a:fillRef idx="3">
+            <a:schemeClr val="accent2"/>
+          </a:fillRef>
+          <a:effectRef idx="2">
+            <a:schemeClr val="accent2"/>
+          </a:effectRef>
+          <a:fontRef idx="minor">
+            <a:schemeClr val="lt1"/>
+          </a:fontRef>
+        </p:style>
+        <p:txBody>
+          <a:bodyPr rtlCol="0" anchor="ctr"/>
+          <a:lstStyle/>
+          <a:p>
+            <a:pPr algn="ctr"/>
+            <a:endParaRPr lang="en-US"/>
+          </a:p>
+        </p:txBody>
+      </p:sp>
+      <p:sp>
+        <p:nvSpPr>
+          <p:cNvPr id="50" name="Oval 49"/>
+          <p:cNvSpPr/>
+          <p:nvPr/>
+        </p:nvSpPr>
+        <p:spPr>
+          <a:xfrm>
+            <a:off x="8082831" y="3386094"/>
+            <a:ext cx="857250" cy="906347"/>
+          </a:xfrm>
+          <a:prstGeom prst="ellipse">
+            <a:avLst/>
+          </a:prstGeom>
+        </p:spPr>
+        <p:style>
+          <a:lnRef idx="1">
+            <a:schemeClr val="accent2"/>
+          </a:lnRef>
+          <a:fillRef idx="3">
+            <a:schemeClr val="accent2"/>
+          </a:fillRef>
+          <a:effectRef idx="2">
+            <a:schemeClr val="accent2"/>
+          </a:effectRef>
+          <a:fontRef idx="minor">
+            <a:schemeClr val="lt1"/>
+          </a:fontRef>
+        </p:style>
+        <p:txBody>
+          <a:bodyPr rtlCol="0" anchor="ctr"/>
+          <a:lstStyle/>
+          <a:p>
+            <a:pPr algn="ctr"/>
+            <a:endParaRPr lang="en-US"/>
+          </a:p>
+        </p:txBody>
+      </p:sp>
+    </p:spTree>
+    <p:extLst>
+      <p:ext uri="{BB962C8B-B14F-4D97-AF65-F5344CB8AC3E}">
+        <p14:creationId xmlns:p14="http://schemas.microsoft.com/office/powerpoint/2010/main" val="103594009"/>
+      </p:ext>
+    </p:extLst>
+  </p:cSld>
+  <p:clrMapOvr>
+    <a:masterClrMapping/>
+  </p:clrMapOvr>
+  <p:timing>
+    <p:tnLst>
+      <p:par>
+        <p:cTn id="1" dur="indefinite" restart="never" nodeType="tmRoot"/>
+      </p:par>
+    </p:tnLst>
+  </p:timing>
 </p:sld>
 </file>
 

--- a/requirements/Light mix.pptx
+++ b/requirements/Light mix.pptx
@@ -2,12 +2,12 @@
 <file path=ppt/presentation.xml><?xml version="1.0" encoding="utf-8"?>
 <p:presentation xmlns:a="http://schemas.openxmlformats.org/drawingml/2006/main" xmlns:r="http://schemas.openxmlformats.org/officeDocument/2006/relationships" xmlns:p="http://schemas.openxmlformats.org/presentationml/2006/main" saveSubsetFonts="1">
   <p:sldMasterIdLst>
-    <p:sldMasterId id="2147483648" r:id="rId1"/>
+    <p:sldMasterId id="2147483730" r:id="rId1"/>
   </p:sldMasterIdLst>
   <p:sldIdLst>
     <p:sldId id="256" r:id="rId2"/>
-    <p:sldId id="257" r:id="rId3"/>
-    <p:sldId id="259" r:id="rId4"/>
+    <p:sldId id="259" r:id="rId3"/>
+    <p:sldId id="257" r:id="rId4"/>
     <p:sldId id="258" r:id="rId5"/>
   </p:sldIdLst>
   <p:sldSz cx="12192000" cy="6858000"/>
@@ -116,7 +116,7 @@
 </file>
 
 <file path=ppt/slideLayouts/slideLayout1.xml><?xml version="1.0" encoding="utf-8"?>
-<p:sldLayout xmlns:a="http://schemas.openxmlformats.org/drawingml/2006/main" xmlns:r="http://schemas.openxmlformats.org/officeDocument/2006/relationships" xmlns:p="http://schemas.openxmlformats.org/presentationml/2006/main" type="title" preserve="1">
+<p:sldLayout xmlns:a="http://schemas.openxmlformats.org/drawingml/2006/main" xmlns:r="http://schemas.openxmlformats.org/officeDocument/2006/relationships" xmlns:p="http://schemas.openxmlformats.org/presentationml/2006/main" showMasterSp="0" type="title" preserve="1">
   <p:cSld name="Title Slide">
     <p:spTree>
       <p:nvGrpSpPr>
@@ -132,6 +132,536 @@
           <a:chExt cx="0" cy="0"/>
         </a:xfrm>
       </p:grpSpPr>
+      <p:grpSp>
+        <p:nvGrpSpPr>
+          <p:cNvPr id="7" name="Group 6"/>
+          <p:cNvGrpSpPr/>
+          <p:nvPr/>
+        </p:nvGrpSpPr>
+        <p:grpSpPr>
+          <a:xfrm>
+            <a:off x="0" y="-8467"/>
+            <a:ext cx="12192000" cy="6866467"/>
+            <a:chOff x="0" y="-8467"/>
+            <a:chExt cx="12192000" cy="6866467"/>
+          </a:xfrm>
+        </p:grpSpPr>
+        <p:cxnSp>
+          <p:nvCxnSpPr>
+            <p:cNvPr id="32" name="Straight Connector 31"/>
+            <p:cNvCxnSpPr/>
+            <p:nvPr/>
+          </p:nvCxnSpPr>
+          <p:spPr>
+            <a:xfrm>
+              <a:off x="9371012" y="0"/>
+              <a:ext cx="1219200" cy="6858000"/>
+            </a:xfrm>
+            <a:prstGeom prst="line">
+              <a:avLst/>
+            </a:prstGeom>
+            <a:ln w="9525">
+              <a:solidFill>
+                <a:schemeClr val="bg1">
+                  <a:lumMod val="75000"/>
+                </a:schemeClr>
+              </a:solidFill>
+            </a:ln>
+          </p:spPr>
+          <p:style>
+            <a:lnRef idx="2">
+              <a:schemeClr val="accent1"/>
+            </a:lnRef>
+            <a:fillRef idx="0">
+              <a:schemeClr val="accent1"/>
+            </a:fillRef>
+            <a:effectRef idx="1">
+              <a:schemeClr val="accent1"/>
+            </a:effectRef>
+            <a:fontRef idx="minor">
+              <a:schemeClr val="tx1"/>
+            </a:fontRef>
+          </p:style>
+        </p:cxnSp>
+        <p:cxnSp>
+          <p:nvCxnSpPr>
+            <p:cNvPr id="21" name="Straight Connector 20"/>
+            <p:cNvCxnSpPr/>
+            <p:nvPr/>
+          </p:nvCxnSpPr>
+          <p:spPr>
+            <a:xfrm flipH="1">
+              <a:off x="7425267" y="3681413"/>
+              <a:ext cx="4763558" cy="3176587"/>
+            </a:xfrm>
+            <a:prstGeom prst="line">
+              <a:avLst/>
+            </a:prstGeom>
+            <a:ln w="9525">
+              <a:solidFill>
+                <a:schemeClr val="bg1">
+                  <a:lumMod val="85000"/>
+                </a:schemeClr>
+              </a:solidFill>
+            </a:ln>
+          </p:spPr>
+          <p:style>
+            <a:lnRef idx="2">
+              <a:schemeClr val="accent1"/>
+            </a:lnRef>
+            <a:fillRef idx="0">
+              <a:schemeClr val="accent1"/>
+            </a:fillRef>
+            <a:effectRef idx="1">
+              <a:schemeClr val="accent1"/>
+            </a:effectRef>
+            <a:fontRef idx="minor">
+              <a:schemeClr val="tx1"/>
+            </a:fontRef>
+          </p:style>
+        </p:cxnSp>
+        <p:sp>
+          <p:nvSpPr>
+            <p:cNvPr id="24" name="Rectangle 23"/>
+            <p:cNvSpPr/>
+            <p:nvPr/>
+          </p:nvSpPr>
+          <p:spPr>
+            <a:xfrm>
+              <a:off x="9181476" y="-8467"/>
+              <a:ext cx="3007349" cy="6866467"/>
+            </a:xfrm>
+            <a:custGeom>
+              <a:avLst/>
+              <a:gdLst/>
+              <a:ahLst/>
+              <a:cxnLst/>
+              <a:rect l="l" t="t" r="r" b="b"/>
+              <a:pathLst>
+                <a:path w="3007349" h="6866467">
+                  <a:moveTo>
+                    <a:pt x="2045532" y="0"/>
+                  </a:moveTo>
+                  <a:lnTo>
+                    <a:pt x="3007349" y="0"/>
+                  </a:lnTo>
+                  <a:lnTo>
+                    <a:pt x="3007349" y="6866467"/>
+                  </a:lnTo>
+                  <a:lnTo>
+                    <a:pt x="0" y="6866467"/>
+                  </a:lnTo>
+                  <a:lnTo>
+                    <a:pt x="2045532" y="0"/>
+                  </a:lnTo>
+                  <a:close/>
+                </a:path>
+              </a:pathLst>
+            </a:custGeom>
+            <a:solidFill>
+              <a:schemeClr val="accent1">
+                <a:alpha val="30000"/>
+              </a:schemeClr>
+            </a:solidFill>
+            <a:ln>
+              <a:noFill/>
+            </a:ln>
+            <a:effectLst/>
+          </p:spPr>
+          <p:style>
+            <a:lnRef idx="1">
+              <a:schemeClr val="accent1"/>
+            </a:lnRef>
+            <a:fillRef idx="3">
+              <a:schemeClr val="accent1"/>
+            </a:fillRef>
+            <a:effectRef idx="2">
+              <a:schemeClr val="accent1"/>
+            </a:effectRef>
+            <a:fontRef idx="minor">
+              <a:schemeClr val="lt1"/>
+            </a:fontRef>
+          </p:style>
+        </p:sp>
+        <p:sp>
+          <p:nvSpPr>
+            <p:cNvPr id="26" name="Rectangle 25"/>
+            <p:cNvSpPr/>
+            <p:nvPr/>
+          </p:nvSpPr>
+          <p:spPr>
+            <a:xfrm>
+              <a:off x="9603442" y="-8467"/>
+              <a:ext cx="2588558" cy="6866467"/>
+            </a:xfrm>
+            <a:custGeom>
+              <a:avLst/>
+              <a:gdLst/>
+              <a:ahLst/>
+              <a:cxnLst/>
+              <a:rect l="l" t="t" r="r" b="b"/>
+              <a:pathLst>
+                <a:path w="2573311" h="6866467">
+                  <a:moveTo>
+                    <a:pt x="0" y="0"/>
+                  </a:moveTo>
+                  <a:lnTo>
+                    <a:pt x="2573311" y="0"/>
+                  </a:lnTo>
+                  <a:lnTo>
+                    <a:pt x="2573311" y="6866467"/>
+                  </a:lnTo>
+                  <a:lnTo>
+                    <a:pt x="1202336" y="6866467"/>
+                  </a:lnTo>
+                  <a:lnTo>
+                    <a:pt x="0" y="0"/>
+                  </a:lnTo>
+                  <a:close/>
+                </a:path>
+              </a:pathLst>
+            </a:custGeom>
+            <a:solidFill>
+              <a:schemeClr val="accent1">
+                <a:alpha val="20000"/>
+              </a:schemeClr>
+            </a:solidFill>
+            <a:ln>
+              <a:noFill/>
+            </a:ln>
+            <a:effectLst/>
+          </p:spPr>
+          <p:style>
+            <a:lnRef idx="1">
+              <a:schemeClr val="accent1"/>
+            </a:lnRef>
+            <a:fillRef idx="3">
+              <a:schemeClr val="accent1"/>
+            </a:fillRef>
+            <a:effectRef idx="2">
+              <a:schemeClr val="accent1"/>
+            </a:effectRef>
+            <a:fontRef idx="minor">
+              <a:schemeClr val="lt1"/>
+            </a:fontRef>
+          </p:style>
+        </p:sp>
+        <p:sp>
+          <p:nvSpPr>
+            <p:cNvPr id="27" name="Isosceles Triangle 26"/>
+            <p:cNvSpPr/>
+            <p:nvPr/>
+          </p:nvSpPr>
+          <p:spPr>
+            <a:xfrm>
+              <a:off x="8932333" y="3048000"/>
+              <a:ext cx="3259667" cy="3810000"/>
+            </a:xfrm>
+            <a:prstGeom prst="triangle">
+              <a:avLst>
+                <a:gd name="adj" fmla="val 100000"/>
+              </a:avLst>
+            </a:prstGeom>
+            <a:solidFill>
+              <a:schemeClr val="accent2">
+                <a:alpha val="72000"/>
+              </a:schemeClr>
+            </a:solidFill>
+            <a:ln>
+              <a:noFill/>
+            </a:ln>
+            <a:effectLst/>
+          </p:spPr>
+          <p:style>
+            <a:lnRef idx="1">
+              <a:schemeClr val="accent1"/>
+            </a:lnRef>
+            <a:fillRef idx="3">
+              <a:schemeClr val="accent1"/>
+            </a:fillRef>
+            <a:effectRef idx="2">
+              <a:schemeClr val="accent1"/>
+            </a:effectRef>
+            <a:fontRef idx="minor">
+              <a:schemeClr val="lt1"/>
+            </a:fontRef>
+          </p:style>
+        </p:sp>
+        <p:sp>
+          <p:nvSpPr>
+            <p:cNvPr id="28" name="Rectangle 27"/>
+            <p:cNvSpPr/>
+            <p:nvPr/>
+          </p:nvSpPr>
+          <p:spPr>
+            <a:xfrm>
+              <a:off x="9334500" y="-8467"/>
+              <a:ext cx="2854326" cy="6866467"/>
+            </a:xfrm>
+            <a:custGeom>
+              <a:avLst/>
+              <a:gdLst/>
+              <a:ahLst/>
+              <a:cxnLst/>
+              <a:rect l="l" t="t" r="r" b="b"/>
+              <a:pathLst>
+                <a:path w="2858013" h="6866467">
+                  <a:moveTo>
+                    <a:pt x="0" y="0"/>
+                  </a:moveTo>
+                  <a:lnTo>
+                    <a:pt x="2858013" y="0"/>
+                  </a:lnTo>
+                  <a:lnTo>
+                    <a:pt x="2858013" y="6866467"/>
+                  </a:lnTo>
+                  <a:lnTo>
+                    <a:pt x="2473942" y="6866467"/>
+                  </a:lnTo>
+                  <a:lnTo>
+                    <a:pt x="0" y="0"/>
+                  </a:lnTo>
+                  <a:close/>
+                </a:path>
+              </a:pathLst>
+            </a:custGeom>
+            <a:solidFill>
+              <a:schemeClr val="accent2">
+                <a:lumMod val="75000"/>
+                <a:alpha val="70000"/>
+              </a:schemeClr>
+            </a:solidFill>
+            <a:ln>
+              <a:noFill/>
+            </a:ln>
+            <a:effectLst/>
+          </p:spPr>
+          <p:style>
+            <a:lnRef idx="1">
+              <a:schemeClr val="accent1"/>
+            </a:lnRef>
+            <a:fillRef idx="3">
+              <a:schemeClr val="accent1"/>
+            </a:fillRef>
+            <a:effectRef idx="2">
+              <a:schemeClr val="accent1"/>
+            </a:effectRef>
+            <a:fontRef idx="minor">
+              <a:schemeClr val="lt1"/>
+            </a:fontRef>
+          </p:style>
+        </p:sp>
+        <p:sp>
+          <p:nvSpPr>
+            <p:cNvPr id="29" name="Rectangle 28"/>
+            <p:cNvSpPr/>
+            <p:nvPr/>
+          </p:nvSpPr>
+          <p:spPr>
+            <a:xfrm>
+              <a:off x="10898730" y="-8467"/>
+              <a:ext cx="1290094" cy="6866467"/>
+            </a:xfrm>
+            <a:custGeom>
+              <a:avLst/>
+              <a:gdLst/>
+              <a:ahLst/>
+              <a:cxnLst/>
+              <a:rect l="l" t="t" r="r" b="b"/>
+              <a:pathLst>
+                <a:path w="1290094" h="6858000">
+                  <a:moveTo>
+                    <a:pt x="1019735" y="0"/>
+                  </a:moveTo>
+                  <a:lnTo>
+                    <a:pt x="1290094" y="0"/>
+                  </a:lnTo>
+                  <a:lnTo>
+                    <a:pt x="1290094" y="6858000"/>
+                  </a:lnTo>
+                  <a:lnTo>
+                    <a:pt x="0" y="6858000"/>
+                  </a:lnTo>
+                  <a:lnTo>
+                    <a:pt x="1019735" y="0"/>
+                  </a:lnTo>
+                  <a:close/>
+                </a:path>
+              </a:pathLst>
+            </a:custGeom>
+            <a:solidFill>
+              <a:schemeClr val="accent1">
+                <a:lumMod val="60000"/>
+                <a:lumOff val="40000"/>
+                <a:alpha val="70000"/>
+              </a:schemeClr>
+            </a:solidFill>
+            <a:ln>
+              <a:noFill/>
+            </a:ln>
+            <a:effectLst/>
+          </p:spPr>
+          <p:style>
+            <a:lnRef idx="1">
+              <a:schemeClr val="accent1"/>
+            </a:lnRef>
+            <a:fillRef idx="3">
+              <a:schemeClr val="accent1"/>
+            </a:fillRef>
+            <a:effectRef idx="2">
+              <a:schemeClr val="accent1"/>
+            </a:effectRef>
+            <a:fontRef idx="minor">
+              <a:schemeClr val="lt1"/>
+            </a:fontRef>
+          </p:style>
+        </p:sp>
+        <p:sp>
+          <p:nvSpPr>
+            <p:cNvPr id="30" name="Rectangle 29"/>
+            <p:cNvSpPr/>
+            <p:nvPr/>
+          </p:nvSpPr>
+          <p:spPr>
+            <a:xfrm>
+              <a:off x="10938999" y="-8467"/>
+              <a:ext cx="1249825" cy="6866467"/>
+            </a:xfrm>
+            <a:custGeom>
+              <a:avLst/>
+              <a:gdLst/>
+              <a:ahLst/>
+              <a:cxnLst/>
+              <a:rect l="l" t="t" r="r" b="b"/>
+              <a:pathLst>
+                <a:path w="1249825" h="6858000">
+                  <a:moveTo>
+                    <a:pt x="0" y="0"/>
+                  </a:moveTo>
+                  <a:lnTo>
+                    <a:pt x="1249825" y="0"/>
+                  </a:lnTo>
+                  <a:lnTo>
+                    <a:pt x="1249825" y="6858000"/>
+                  </a:lnTo>
+                  <a:lnTo>
+                    <a:pt x="1109382" y="6858000"/>
+                  </a:lnTo>
+                  <a:lnTo>
+                    <a:pt x="0" y="0"/>
+                  </a:lnTo>
+                  <a:close/>
+                </a:path>
+              </a:pathLst>
+            </a:custGeom>
+            <a:solidFill>
+              <a:schemeClr val="accent1">
+                <a:alpha val="65000"/>
+              </a:schemeClr>
+            </a:solidFill>
+            <a:ln>
+              <a:noFill/>
+            </a:ln>
+            <a:effectLst/>
+          </p:spPr>
+          <p:style>
+            <a:lnRef idx="1">
+              <a:schemeClr val="accent1"/>
+            </a:lnRef>
+            <a:fillRef idx="3">
+              <a:schemeClr val="accent1"/>
+            </a:fillRef>
+            <a:effectRef idx="2">
+              <a:schemeClr val="accent1"/>
+            </a:effectRef>
+            <a:fontRef idx="minor">
+              <a:schemeClr val="lt1"/>
+            </a:fontRef>
+          </p:style>
+        </p:sp>
+        <p:sp>
+          <p:nvSpPr>
+            <p:cNvPr id="31" name="Isosceles Triangle 30"/>
+            <p:cNvSpPr/>
+            <p:nvPr/>
+          </p:nvSpPr>
+          <p:spPr>
+            <a:xfrm>
+              <a:off x="10371666" y="3589867"/>
+              <a:ext cx="1817159" cy="3268133"/>
+            </a:xfrm>
+            <a:prstGeom prst="triangle">
+              <a:avLst>
+                <a:gd name="adj" fmla="val 100000"/>
+              </a:avLst>
+            </a:prstGeom>
+            <a:solidFill>
+              <a:schemeClr val="accent1">
+                <a:alpha val="80000"/>
+              </a:schemeClr>
+            </a:solidFill>
+            <a:ln>
+              <a:noFill/>
+            </a:ln>
+            <a:effectLst/>
+          </p:spPr>
+          <p:style>
+            <a:lnRef idx="1">
+              <a:schemeClr val="accent1"/>
+            </a:lnRef>
+            <a:fillRef idx="3">
+              <a:schemeClr val="accent1"/>
+            </a:fillRef>
+            <a:effectRef idx="2">
+              <a:schemeClr val="accent1"/>
+            </a:effectRef>
+            <a:fontRef idx="minor">
+              <a:schemeClr val="lt1"/>
+            </a:fontRef>
+          </p:style>
+        </p:sp>
+        <p:sp>
+          <p:nvSpPr>
+            <p:cNvPr id="19" name="Isosceles Triangle 18"/>
+            <p:cNvSpPr/>
+            <p:nvPr/>
+          </p:nvSpPr>
+          <p:spPr>
+            <a:xfrm rot="10800000">
+              <a:off x="0" y="0"/>
+              <a:ext cx="842596" cy="5666154"/>
+            </a:xfrm>
+            <a:prstGeom prst="triangle">
+              <a:avLst>
+                <a:gd name="adj" fmla="val 100000"/>
+              </a:avLst>
+            </a:prstGeom>
+            <a:solidFill>
+              <a:schemeClr val="accent1">
+                <a:alpha val="85000"/>
+              </a:schemeClr>
+            </a:solidFill>
+            <a:ln>
+              <a:noFill/>
+            </a:ln>
+            <a:effectLst/>
+          </p:spPr>
+          <p:style>
+            <a:lnRef idx="1">
+              <a:schemeClr val="accent1"/>
+            </a:lnRef>
+            <a:fillRef idx="3">
+              <a:schemeClr val="accent1"/>
+            </a:fillRef>
+            <a:effectRef idx="2">
+              <a:schemeClr val="accent1"/>
+            </a:effectRef>
+            <a:fontRef idx="minor">
+              <a:schemeClr val="lt1"/>
+            </a:fontRef>
+          </p:style>
+        </p:sp>
+      </p:grpSp>
       <p:sp>
         <p:nvSpPr>
           <p:cNvPr id="2" name="Title 1"/>
@@ -144,15 +674,21 @@
         </p:nvSpPr>
         <p:spPr>
           <a:xfrm>
-            <a:off x="1524000" y="1122363"/>
-            <a:ext cx="9144000" cy="2387600"/>
+            <a:off x="1507067" y="2404534"/>
+            <a:ext cx="7766936" cy="1646302"/>
           </a:xfrm>
         </p:spPr>
         <p:txBody>
-          <a:bodyPr anchor="b"/>
+          <a:bodyPr anchor="b">
+            <a:noAutofit/>
+          </a:bodyPr>
           <a:lstStyle>
-            <a:lvl1pPr algn="ctr">
-              <a:defRPr sz="6000"/>
+            <a:lvl1pPr algn="r">
+              <a:defRPr sz="5400">
+                <a:solidFill>
+                  <a:schemeClr val="accent1"/>
+                </a:solidFill>
+              </a:defRPr>
             </a:lvl1pPr>
           </a:lstStyle>
           <a:p>
@@ -160,7 +696,7 @@
               <a:rPr lang="en-US" smtClean="0"/>
               <a:t>Click to edit Master title style</a:t>
             </a:r>
-            <a:endParaRPr lang="en-US"/>
+            <a:endParaRPr lang="en-US" dirty="0"/>
           </a:p>
         </p:txBody>
       </p:sp>
@@ -176,48 +712,103 @@
         </p:nvSpPr>
         <p:spPr>
           <a:xfrm>
-            <a:off x="1524000" y="3602038"/>
-            <a:ext cx="9144000" cy="1655762"/>
+            <a:off x="1507067" y="4050833"/>
+            <a:ext cx="7766936" cy="1096899"/>
           </a:xfrm>
         </p:spPr>
         <p:txBody>
-          <a:bodyPr/>
+          <a:bodyPr anchor="t"/>
           <a:lstStyle>
-            <a:lvl1pPr marL="0" indent="0" algn="ctr">
-              <a:buNone/>
-              <a:defRPr sz="2400"/>
+            <a:lvl1pPr marL="0" indent="0" algn="r">
+              <a:buNone/>
+              <a:defRPr>
+                <a:solidFill>
+                  <a:schemeClr val="tx1">
+                    <a:lumMod val="50000"/>
+                    <a:lumOff val="50000"/>
+                  </a:schemeClr>
+                </a:solidFill>
+              </a:defRPr>
             </a:lvl1pPr>
             <a:lvl2pPr marL="457200" indent="0" algn="ctr">
               <a:buNone/>
-              <a:defRPr sz="2000"/>
+              <a:defRPr>
+                <a:solidFill>
+                  <a:schemeClr val="tx1">
+                    <a:tint val="75000"/>
+                  </a:schemeClr>
+                </a:solidFill>
+              </a:defRPr>
             </a:lvl2pPr>
             <a:lvl3pPr marL="914400" indent="0" algn="ctr">
               <a:buNone/>
-              <a:defRPr sz="1800"/>
+              <a:defRPr>
+                <a:solidFill>
+                  <a:schemeClr val="tx1">
+                    <a:tint val="75000"/>
+                  </a:schemeClr>
+                </a:solidFill>
+              </a:defRPr>
             </a:lvl3pPr>
             <a:lvl4pPr marL="1371600" indent="0" algn="ctr">
               <a:buNone/>
-              <a:defRPr sz="1600"/>
+              <a:defRPr>
+                <a:solidFill>
+                  <a:schemeClr val="tx1">
+                    <a:tint val="75000"/>
+                  </a:schemeClr>
+                </a:solidFill>
+              </a:defRPr>
             </a:lvl4pPr>
             <a:lvl5pPr marL="1828800" indent="0" algn="ctr">
               <a:buNone/>
-              <a:defRPr sz="1600"/>
+              <a:defRPr>
+                <a:solidFill>
+                  <a:schemeClr val="tx1">
+                    <a:tint val="75000"/>
+                  </a:schemeClr>
+                </a:solidFill>
+              </a:defRPr>
             </a:lvl5pPr>
             <a:lvl6pPr marL="2286000" indent="0" algn="ctr">
               <a:buNone/>
-              <a:defRPr sz="1600"/>
+              <a:defRPr>
+                <a:solidFill>
+                  <a:schemeClr val="tx1">
+                    <a:tint val="75000"/>
+                  </a:schemeClr>
+                </a:solidFill>
+              </a:defRPr>
             </a:lvl6pPr>
             <a:lvl7pPr marL="2743200" indent="0" algn="ctr">
               <a:buNone/>
-              <a:defRPr sz="1600"/>
+              <a:defRPr>
+                <a:solidFill>
+                  <a:schemeClr val="tx1">
+                    <a:tint val="75000"/>
+                  </a:schemeClr>
+                </a:solidFill>
+              </a:defRPr>
             </a:lvl7pPr>
             <a:lvl8pPr marL="3200400" indent="0" algn="ctr">
               <a:buNone/>
-              <a:defRPr sz="1600"/>
+              <a:defRPr>
+                <a:solidFill>
+                  <a:schemeClr val="tx1">
+                    <a:tint val="75000"/>
+                  </a:schemeClr>
+                </a:solidFill>
+              </a:defRPr>
             </a:lvl8pPr>
             <a:lvl9pPr marL="3657600" indent="0" algn="ctr">
               <a:buNone/>
-              <a:defRPr sz="1600"/>
+              <a:defRPr>
+                <a:solidFill>
+                  <a:schemeClr val="tx1">
+                    <a:tint val="75000"/>
+                  </a:schemeClr>
+                </a:solidFill>
+              </a:defRPr>
             </a:lvl9pPr>
           </a:lstStyle>
           <a:p>
@@ -225,7 +816,7 @@
               <a:rPr lang="en-US" smtClean="0"/>
               <a:t>Click to edit Master subtitle style</a:t>
             </a:r>
-            <a:endParaRPr lang="en-US"/>
+            <a:endParaRPr lang="en-US" dirty="0"/>
           </a:p>
         </p:txBody>
       </p:sp>
@@ -297,7 +888,7 @@
     </p:spTree>
     <p:extLst>
       <p:ext uri="{BB962C8B-B14F-4D97-AF65-F5344CB8AC3E}">
-        <p14:creationId xmlns:p14="http://schemas.microsoft.com/office/powerpoint/2010/main" val="614107413"/>
+        <p14:creationId xmlns:p14="http://schemas.microsoft.com/office/powerpoint/2010/main" val="4276617320"/>
       </p:ext>
     </p:extLst>
   </p:cSld>
@@ -308,6 +899,1619 @@
 </file>
 
 <file path=ppt/slideLayouts/slideLayout10.xml><?xml version="1.0" encoding="utf-8"?>
+<p:sldLayout xmlns:a="http://schemas.openxmlformats.org/drawingml/2006/main" xmlns:r="http://schemas.openxmlformats.org/officeDocument/2006/relationships" xmlns:p="http://schemas.openxmlformats.org/presentationml/2006/main" preserve="1">
+  <p:cSld name="Title and Caption">
+    <p:spTree>
+      <p:nvGrpSpPr>
+        <p:cNvPr id="1" name=""/>
+        <p:cNvGrpSpPr/>
+        <p:nvPr/>
+      </p:nvGrpSpPr>
+      <p:grpSpPr>
+        <a:xfrm>
+          <a:off x="0" y="0"/>
+          <a:ext cx="0" cy="0"/>
+          <a:chOff x="0" y="0"/>
+          <a:chExt cx="0" cy="0"/>
+        </a:xfrm>
+      </p:grpSpPr>
+      <p:sp>
+        <p:nvSpPr>
+          <p:cNvPr id="2" name="Title 1"/>
+          <p:cNvSpPr>
+            <a:spLocks noGrp="1"/>
+          </p:cNvSpPr>
+          <p:nvPr>
+            <p:ph type="title"/>
+          </p:nvPr>
+        </p:nvSpPr>
+        <p:spPr>
+          <a:xfrm>
+            <a:off x="677335" y="609600"/>
+            <a:ext cx="8596668" cy="3403600"/>
+          </a:xfrm>
+        </p:spPr>
+        <p:txBody>
+          <a:bodyPr anchor="ctr">
+            <a:normAutofit/>
+          </a:bodyPr>
+          <a:lstStyle>
+            <a:lvl1pPr algn="l">
+              <a:defRPr sz="4400" b="0" cap="none"/>
+            </a:lvl1pPr>
+          </a:lstStyle>
+          <a:p>
+            <a:r>
+              <a:rPr lang="en-US" smtClean="0"/>
+              <a:t>Click to edit Master title style</a:t>
+            </a:r>
+            <a:endParaRPr lang="en-US" dirty="0"/>
+          </a:p>
+        </p:txBody>
+      </p:sp>
+      <p:sp>
+        <p:nvSpPr>
+          <p:cNvPr id="3" name="Text Placeholder 2"/>
+          <p:cNvSpPr>
+            <a:spLocks noGrp="1"/>
+          </p:cNvSpPr>
+          <p:nvPr>
+            <p:ph type="body" idx="1"/>
+          </p:nvPr>
+        </p:nvSpPr>
+        <p:spPr>
+          <a:xfrm>
+            <a:off x="677335" y="4470400"/>
+            <a:ext cx="8596668" cy="1570962"/>
+          </a:xfrm>
+        </p:spPr>
+        <p:txBody>
+          <a:bodyPr anchor="ctr">
+            <a:normAutofit/>
+          </a:bodyPr>
+          <a:lstStyle>
+            <a:lvl1pPr marL="0" indent="0" algn="l">
+              <a:buNone/>
+              <a:defRPr sz="1800">
+                <a:solidFill>
+                  <a:schemeClr val="tx1">
+                    <a:lumMod val="75000"/>
+                    <a:lumOff val="25000"/>
+                  </a:schemeClr>
+                </a:solidFill>
+              </a:defRPr>
+            </a:lvl1pPr>
+            <a:lvl2pPr marL="457200" indent="0">
+              <a:buNone/>
+              <a:defRPr sz="1800">
+                <a:solidFill>
+                  <a:schemeClr val="tx1">
+                    <a:tint val="75000"/>
+                  </a:schemeClr>
+                </a:solidFill>
+              </a:defRPr>
+            </a:lvl2pPr>
+            <a:lvl3pPr marL="914400" indent="0">
+              <a:buNone/>
+              <a:defRPr sz="1600">
+                <a:solidFill>
+                  <a:schemeClr val="tx1">
+                    <a:tint val="75000"/>
+                  </a:schemeClr>
+                </a:solidFill>
+              </a:defRPr>
+            </a:lvl3pPr>
+            <a:lvl4pPr marL="1371600" indent="0">
+              <a:buNone/>
+              <a:defRPr sz="1400">
+                <a:solidFill>
+                  <a:schemeClr val="tx1">
+                    <a:tint val="75000"/>
+                  </a:schemeClr>
+                </a:solidFill>
+              </a:defRPr>
+            </a:lvl4pPr>
+            <a:lvl5pPr marL="1828800" indent="0">
+              <a:buNone/>
+              <a:defRPr sz="1400">
+                <a:solidFill>
+                  <a:schemeClr val="tx1">
+                    <a:tint val="75000"/>
+                  </a:schemeClr>
+                </a:solidFill>
+              </a:defRPr>
+            </a:lvl5pPr>
+            <a:lvl6pPr marL="2286000" indent="0">
+              <a:buNone/>
+              <a:defRPr sz="1400">
+                <a:solidFill>
+                  <a:schemeClr val="tx1">
+                    <a:tint val="75000"/>
+                  </a:schemeClr>
+                </a:solidFill>
+              </a:defRPr>
+            </a:lvl6pPr>
+            <a:lvl7pPr marL="2743200" indent="0">
+              <a:buNone/>
+              <a:defRPr sz="1400">
+                <a:solidFill>
+                  <a:schemeClr val="tx1">
+                    <a:tint val="75000"/>
+                  </a:schemeClr>
+                </a:solidFill>
+              </a:defRPr>
+            </a:lvl7pPr>
+            <a:lvl8pPr marL="3200400" indent="0">
+              <a:buNone/>
+              <a:defRPr sz="1400">
+                <a:solidFill>
+                  <a:schemeClr val="tx1">
+                    <a:tint val="75000"/>
+                  </a:schemeClr>
+                </a:solidFill>
+              </a:defRPr>
+            </a:lvl8pPr>
+            <a:lvl9pPr marL="3657600" indent="0">
+              <a:buNone/>
+              <a:defRPr sz="1400">
+                <a:solidFill>
+                  <a:schemeClr val="tx1">
+                    <a:tint val="75000"/>
+                  </a:schemeClr>
+                </a:solidFill>
+              </a:defRPr>
+            </a:lvl9pPr>
+          </a:lstStyle>
+          <a:p>
+            <a:pPr lvl="0"/>
+            <a:r>
+              <a:rPr lang="en-US" smtClean="0"/>
+              <a:t>Click to edit Master text styles</a:t>
+            </a:r>
+          </a:p>
+        </p:txBody>
+      </p:sp>
+      <p:sp>
+        <p:nvSpPr>
+          <p:cNvPr id="4" name="Date Placeholder 3"/>
+          <p:cNvSpPr>
+            <a:spLocks noGrp="1"/>
+          </p:cNvSpPr>
+          <p:nvPr>
+            <p:ph type="dt" sz="half" idx="10"/>
+          </p:nvPr>
+        </p:nvSpPr>
+        <p:spPr/>
+        <p:txBody>
+          <a:bodyPr/>
+          <a:lstStyle/>
+          <a:p>
+            <a:fld id="{CBDAED76-ACB0-4506-8454-694B6B20C145}" type="datetimeFigureOut">
+              <a:rPr lang="en-US" smtClean="0"/>
+              <a:t>6/17/2014</a:t>
+            </a:fld>
+            <a:endParaRPr lang="en-US"/>
+          </a:p>
+        </p:txBody>
+      </p:sp>
+      <p:sp>
+        <p:nvSpPr>
+          <p:cNvPr id="5" name="Footer Placeholder 4"/>
+          <p:cNvSpPr>
+            <a:spLocks noGrp="1"/>
+          </p:cNvSpPr>
+          <p:nvPr>
+            <p:ph type="ftr" sz="quarter" idx="11"/>
+          </p:nvPr>
+        </p:nvSpPr>
+        <p:spPr/>
+        <p:txBody>
+          <a:bodyPr/>
+          <a:lstStyle/>
+          <a:p>
+            <a:endParaRPr lang="en-US"/>
+          </a:p>
+        </p:txBody>
+      </p:sp>
+      <p:sp>
+        <p:nvSpPr>
+          <p:cNvPr id="6" name="Slide Number Placeholder 5"/>
+          <p:cNvSpPr>
+            <a:spLocks noGrp="1"/>
+          </p:cNvSpPr>
+          <p:nvPr>
+            <p:ph type="sldNum" sz="quarter" idx="12"/>
+          </p:nvPr>
+        </p:nvSpPr>
+        <p:spPr/>
+        <p:txBody>
+          <a:bodyPr/>
+          <a:lstStyle/>
+          <a:p>
+            <a:fld id="{0FD8F31D-DBCD-445F-B57A-12CC2C2BF2F9}" type="slidenum">
+              <a:rPr lang="en-US" smtClean="0"/>
+              <a:t>‹#›</a:t>
+            </a:fld>
+            <a:endParaRPr lang="en-US"/>
+          </a:p>
+        </p:txBody>
+      </p:sp>
+    </p:spTree>
+    <p:extLst>
+      <p:ext uri="{BB962C8B-B14F-4D97-AF65-F5344CB8AC3E}">
+        <p14:creationId xmlns:p14="http://schemas.microsoft.com/office/powerpoint/2010/main" val="615957416"/>
+      </p:ext>
+    </p:extLst>
+  </p:cSld>
+  <p:clrMapOvr>
+    <a:masterClrMapping/>
+  </p:clrMapOvr>
+</p:sldLayout>
+</file>
+
+<file path=ppt/slideLayouts/slideLayout11.xml><?xml version="1.0" encoding="utf-8"?>
+<p:sldLayout xmlns:a="http://schemas.openxmlformats.org/drawingml/2006/main" xmlns:r="http://schemas.openxmlformats.org/officeDocument/2006/relationships" xmlns:p="http://schemas.openxmlformats.org/presentationml/2006/main" preserve="1">
+  <p:cSld name="Quote with Caption">
+    <p:spTree>
+      <p:nvGrpSpPr>
+        <p:cNvPr id="1" name=""/>
+        <p:cNvGrpSpPr/>
+        <p:nvPr/>
+      </p:nvGrpSpPr>
+      <p:grpSpPr>
+        <a:xfrm>
+          <a:off x="0" y="0"/>
+          <a:ext cx="0" cy="0"/>
+          <a:chOff x="0" y="0"/>
+          <a:chExt cx="0" cy="0"/>
+        </a:xfrm>
+      </p:grpSpPr>
+      <p:sp>
+        <p:nvSpPr>
+          <p:cNvPr id="2" name="Title 1"/>
+          <p:cNvSpPr>
+            <a:spLocks noGrp="1"/>
+          </p:cNvSpPr>
+          <p:nvPr>
+            <p:ph type="title"/>
+          </p:nvPr>
+        </p:nvSpPr>
+        <p:spPr>
+          <a:xfrm>
+            <a:off x="931334" y="609600"/>
+            <a:ext cx="8094134" cy="3022600"/>
+          </a:xfrm>
+        </p:spPr>
+        <p:txBody>
+          <a:bodyPr anchor="ctr">
+            <a:normAutofit/>
+          </a:bodyPr>
+          <a:lstStyle>
+            <a:lvl1pPr algn="l">
+              <a:defRPr sz="4400" b="0" cap="none"/>
+            </a:lvl1pPr>
+          </a:lstStyle>
+          <a:p>
+            <a:r>
+              <a:rPr lang="en-US" smtClean="0"/>
+              <a:t>Click to edit Master title style</a:t>
+            </a:r>
+            <a:endParaRPr lang="en-US" dirty="0"/>
+          </a:p>
+        </p:txBody>
+      </p:sp>
+      <p:sp>
+        <p:nvSpPr>
+          <p:cNvPr id="23" name="Text Placeholder 9"/>
+          <p:cNvSpPr>
+            <a:spLocks noGrp="1"/>
+          </p:cNvSpPr>
+          <p:nvPr>
+            <p:ph type="body" sz="quarter" idx="13"/>
+          </p:nvPr>
+        </p:nvSpPr>
+        <p:spPr>
+          <a:xfrm>
+            <a:off x="1366139" y="3632200"/>
+            <a:ext cx="7224524" cy="381000"/>
+          </a:xfrm>
+        </p:spPr>
+        <p:txBody>
+          <a:bodyPr anchor="ctr">
+            <a:noAutofit/>
+          </a:bodyPr>
+          <a:lstStyle>
+            <a:lvl1pPr marL="0" indent="0">
+              <a:buFontTx/>
+              <a:buNone/>
+              <a:defRPr sz="1600">
+                <a:solidFill>
+                  <a:schemeClr val="tx1">
+                    <a:lumMod val="50000"/>
+                    <a:lumOff val="50000"/>
+                  </a:schemeClr>
+                </a:solidFill>
+              </a:defRPr>
+            </a:lvl1pPr>
+            <a:lvl2pPr marL="457200" indent="0">
+              <a:buFontTx/>
+              <a:buNone/>
+              <a:defRPr/>
+            </a:lvl2pPr>
+            <a:lvl3pPr marL="914400" indent="0">
+              <a:buFontTx/>
+              <a:buNone/>
+              <a:defRPr/>
+            </a:lvl3pPr>
+            <a:lvl4pPr marL="1371600" indent="0">
+              <a:buFontTx/>
+              <a:buNone/>
+              <a:defRPr/>
+            </a:lvl4pPr>
+            <a:lvl5pPr marL="1828800" indent="0">
+              <a:buFontTx/>
+              <a:buNone/>
+              <a:defRPr/>
+            </a:lvl5pPr>
+          </a:lstStyle>
+          <a:p>
+            <a:pPr lvl="0"/>
+            <a:r>
+              <a:rPr lang="en-US" smtClean="0"/>
+              <a:t>Click to edit Master text styles</a:t>
+            </a:r>
+          </a:p>
+        </p:txBody>
+      </p:sp>
+      <p:sp>
+        <p:nvSpPr>
+          <p:cNvPr id="3" name="Text Placeholder 2"/>
+          <p:cNvSpPr>
+            <a:spLocks noGrp="1"/>
+          </p:cNvSpPr>
+          <p:nvPr>
+            <p:ph type="body" idx="1"/>
+          </p:nvPr>
+        </p:nvSpPr>
+        <p:spPr>
+          <a:xfrm>
+            <a:off x="677335" y="4470400"/>
+            <a:ext cx="8596668" cy="1570962"/>
+          </a:xfrm>
+        </p:spPr>
+        <p:txBody>
+          <a:bodyPr anchor="ctr">
+            <a:normAutofit/>
+          </a:bodyPr>
+          <a:lstStyle>
+            <a:lvl1pPr marL="0" indent="0" algn="l">
+              <a:buNone/>
+              <a:defRPr sz="1800">
+                <a:solidFill>
+                  <a:schemeClr val="tx1">
+                    <a:lumMod val="75000"/>
+                    <a:lumOff val="25000"/>
+                  </a:schemeClr>
+                </a:solidFill>
+              </a:defRPr>
+            </a:lvl1pPr>
+            <a:lvl2pPr marL="457200" indent="0">
+              <a:buNone/>
+              <a:defRPr sz="1800">
+                <a:solidFill>
+                  <a:schemeClr val="tx1">
+                    <a:tint val="75000"/>
+                  </a:schemeClr>
+                </a:solidFill>
+              </a:defRPr>
+            </a:lvl2pPr>
+            <a:lvl3pPr marL="914400" indent="0">
+              <a:buNone/>
+              <a:defRPr sz="1600">
+                <a:solidFill>
+                  <a:schemeClr val="tx1">
+                    <a:tint val="75000"/>
+                  </a:schemeClr>
+                </a:solidFill>
+              </a:defRPr>
+            </a:lvl3pPr>
+            <a:lvl4pPr marL="1371600" indent="0">
+              <a:buNone/>
+              <a:defRPr sz="1400">
+                <a:solidFill>
+                  <a:schemeClr val="tx1">
+                    <a:tint val="75000"/>
+                  </a:schemeClr>
+                </a:solidFill>
+              </a:defRPr>
+            </a:lvl4pPr>
+            <a:lvl5pPr marL="1828800" indent="0">
+              <a:buNone/>
+              <a:defRPr sz="1400">
+                <a:solidFill>
+                  <a:schemeClr val="tx1">
+                    <a:tint val="75000"/>
+                  </a:schemeClr>
+                </a:solidFill>
+              </a:defRPr>
+            </a:lvl5pPr>
+            <a:lvl6pPr marL="2286000" indent="0">
+              <a:buNone/>
+              <a:defRPr sz="1400">
+                <a:solidFill>
+                  <a:schemeClr val="tx1">
+                    <a:tint val="75000"/>
+                  </a:schemeClr>
+                </a:solidFill>
+              </a:defRPr>
+            </a:lvl6pPr>
+            <a:lvl7pPr marL="2743200" indent="0">
+              <a:buNone/>
+              <a:defRPr sz="1400">
+                <a:solidFill>
+                  <a:schemeClr val="tx1">
+                    <a:tint val="75000"/>
+                  </a:schemeClr>
+                </a:solidFill>
+              </a:defRPr>
+            </a:lvl7pPr>
+            <a:lvl8pPr marL="3200400" indent="0">
+              <a:buNone/>
+              <a:defRPr sz="1400">
+                <a:solidFill>
+                  <a:schemeClr val="tx1">
+                    <a:tint val="75000"/>
+                  </a:schemeClr>
+                </a:solidFill>
+              </a:defRPr>
+            </a:lvl8pPr>
+            <a:lvl9pPr marL="3657600" indent="0">
+              <a:buNone/>
+              <a:defRPr sz="1400">
+                <a:solidFill>
+                  <a:schemeClr val="tx1">
+                    <a:tint val="75000"/>
+                  </a:schemeClr>
+                </a:solidFill>
+              </a:defRPr>
+            </a:lvl9pPr>
+          </a:lstStyle>
+          <a:p>
+            <a:pPr lvl="0"/>
+            <a:r>
+              <a:rPr lang="en-US" smtClean="0"/>
+              <a:t>Click to edit Master text styles</a:t>
+            </a:r>
+          </a:p>
+        </p:txBody>
+      </p:sp>
+      <p:sp>
+        <p:nvSpPr>
+          <p:cNvPr id="4" name="Date Placeholder 3"/>
+          <p:cNvSpPr>
+            <a:spLocks noGrp="1"/>
+          </p:cNvSpPr>
+          <p:nvPr>
+            <p:ph type="dt" sz="half" idx="10"/>
+          </p:nvPr>
+        </p:nvSpPr>
+        <p:spPr/>
+        <p:txBody>
+          <a:bodyPr/>
+          <a:lstStyle/>
+          <a:p>
+            <a:fld id="{CBDAED76-ACB0-4506-8454-694B6B20C145}" type="datetimeFigureOut">
+              <a:rPr lang="en-US" smtClean="0"/>
+              <a:t>6/17/2014</a:t>
+            </a:fld>
+            <a:endParaRPr lang="en-US"/>
+          </a:p>
+        </p:txBody>
+      </p:sp>
+      <p:sp>
+        <p:nvSpPr>
+          <p:cNvPr id="5" name="Footer Placeholder 4"/>
+          <p:cNvSpPr>
+            <a:spLocks noGrp="1"/>
+          </p:cNvSpPr>
+          <p:nvPr>
+            <p:ph type="ftr" sz="quarter" idx="11"/>
+          </p:nvPr>
+        </p:nvSpPr>
+        <p:spPr/>
+        <p:txBody>
+          <a:bodyPr/>
+          <a:lstStyle/>
+          <a:p>
+            <a:endParaRPr lang="en-US"/>
+          </a:p>
+        </p:txBody>
+      </p:sp>
+      <p:sp>
+        <p:nvSpPr>
+          <p:cNvPr id="6" name="Slide Number Placeholder 5"/>
+          <p:cNvSpPr>
+            <a:spLocks noGrp="1"/>
+          </p:cNvSpPr>
+          <p:nvPr>
+            <p:ph type="sldNum" sz="quarter" idx="12"/>
+          </p:nvPr>
+        </p:nvSpPr>
+        <p:spPr/>
+        <p:txBody>
+          <a:bodyPr/>
+          <a:lstStyle/>
+          <a:p>
+            <a:fld id="{0FD8F31D-DBCD-445F-B57A-12CC2C2BF2F9}" type="slidenum">
+              <a:rPr lang="en-US" smtClean="0"/>
+              <a:t>‹#›</a:t>
+            </a:fld>
+            <a:endParaRPr lang="en-US"/>
+          </a:p>
+        </p:txBody>
+      </p:sp>
+      <p:sp>
+        <p:nvSpPr>
+          <p:cNvPr id="20" name="TextBox 19"/>
+          <p:cNvSpPr txBox="1"/>
+          <p:nvPr/>
+        </p:nvSpPr>
+        <p:spPr>
+          <a:xfrm>
+            <a:off x="541870" y="790378"/>
+            <a:ext cx="609600" cy="584776"/>
+          </a:xfrm>
+          <a:prstGeom prst="rect">
+            <a:avLst/>
+          </a:prstGeom>
+        </p:spPr>
+        <p:txBody>
+          <a:bodyPr vert="horz" lIns="91440" tIns="45720" rIns="91440" bIns="45720" rtlCol="0" anchor="ctr">
+            <a:noAutofit/>
+          </a:bodyPr>
+          <a:lstStyle/>
+          <a:p>
+            <a:pPr lvl="0"/>
+            <a:r>
+              <a:rPr lang="en-US" sz="8000" baseline="0" dirty="0">
+                <a:ln w="3175" cmpd="sng">
+                  <a:noFill/>
+                </a:ln>
+                <a:solidFill>
+                  <a:schemeClr val="accent1">
+                    <a:lumMod val="60000"/>
+                    <a:lumOff val="40000"/>
+                  </a:schemeClr>
+                </a:solidFill>
+                <a:effectLst/>
+                <a:latin typeface="Arial"/>
+              </a:rPr>
+              <a:t>“</a:t>
+            </a:r>
+          </a:p>
+        </p:txBody>
+      </p:sp>
+      <p:sp>
+        <p:nvSpPr>
+          <p:cNvPr id="22" name="TextBox 21"/>
+          <p:cNvSpPr txBox="1"/>
+          <p:nvPr/>
+        </p:nvSpPr>
+        <p:spPr>
+          <a:xfrm>
+            <a:off x="8893011" y="2886556"/>
+            <a:ext cx="609600" cy="584776"/>
+          </a:xfrm>
+          <a:prstGeom prst="rect">
+            <a:avLst/>
+          </a:prstGeom>
+        </p:spPr>
+        <p:txBody>
+          <a:bodyPr vert="horz" lIns="91440" tIns="45720" rIns="91440" bIns="45720" rtlCol="0" anchor="ctr">
+            <a:noAutofit/>
+          </a:bodyPr>
+          <a:lstStyle/>
+          <a:p>
+            <a:pPr lvl="0"/>
+            <a:r>
+              <a:rPr lang="en-US" sz="8000" baseline="0" dirty="0">
+                <a:ln w="3175" cmpd="sng">
+                  <a:noFill/>
+                </a:ln>
+                <a:solidFill>
+                  <a:schemeClr val="accent1">
+                    <a:lumMod val="60000"/>
+                    <a:lumOff val="40000"/>
+                  </a:schemeClr>
+                </a:solidFill>
+                <a:latin typeface="Arial"/>
+              </a:rPr>
+              <a:t>”</a:t>
+            </a:r>
+            <a:endParaRPr lang="en-US" dirty="0">
+              <a:solidFill>
+                <a:schemeClr val="accent1">
+                  <a:lumMod val="60000"/>
+                  <a:lumOff val="40000"/>
+                </a:schemeClr>
+              </a:solidFill>
+              <a:latin typeface="Arial"/>
+            </a:endParaRPr>
+          </a:p>
+        </p:txBody>
+      </p:sp>
+    </p:spTree>
+    <p:extLst>
+      <p:ext uri="{BB962C8B-B14F-4D97-AF65-F5344CB8AC3E}">
+        <p14:creationId xmlns:p14="http://schemas.microsoft.com/office/powerpoint/2010/main" val="4149986813"/>
+      </p:ext>
+    </p:extLst>
+  </p:cSld>
+  <p:clrMapOvr>
+    <a:masterClrMapping/>
+  </p:clrMapOvr>
+</p:sldLayout>
+</file>
+
+<file path=ppt/slideLayouts/slideLayout12.xml><?xml version="1.0" encoding="utf-8"?>
+<p:sldLayout xmlns:a="http://schemas.openxmlformats.org/drawingml/2006/main" xmlns:r="http://schemas.openxmlformats.org/officeDocument/2006/relationships" xmlns:p="http://schemas.openxmlformats.org/presentationml/2006/main" preserve="1">
+  <p:cSld name="Name Card">
+    <p:spTree>
+      <p:nvGrpSpPr>
+        <p:cNvPr id="1" name=""/>
+        <p:cNvGrpSpPr/>
+        <p:nvPr/>
+      </p:nvGrpSpPr>
+      <p:grpSpPr>
+        <a:xfrm>
+          <a:off x="0" y="0"/>
+          <a:ext cx="0" cy="0"/>
+          <a:chOff x="0" y="0"/>
+          <a:chExt cx="0" cy="0"/>
+        </a:xfrm>
+      </p:grpSpPr>
+      <p:sp>
+        <p:nvSpPr>
+          <p:cNvPr id="2" name="Title 1"/>
+          <p:cNvSpPr>
+            <a:spLocks noGrp="1"/>
+          </p:cNvSpPr>
+          <p:nvPr>
+            <p:ph type="title"/>
+          </p:nvPr>
+        </p:nvSpPr>
+        <p:spPr>
+          <a:xfrm>
+            <a:off x="677335" y="1931988"/>
+            <a:ext cx="8596668" cy="2595460"/>
+          </a:xfrm>
+        </p:spPr>
+        <p:txBody>
+          <a:bodyPr anchor="b">
+            <a:normAutofit/>
+          </a:bodyPr>
+          <a:lstStyle>
+            <a:lvl1pPr algn="l">
+              <a:defRPr sz="4400" b="0" cap="none"/>
+            </a:lvl1pPr>
+          </a:lstStyle>
+          <a:p>
+            <a:r>
+              <a:rPr lang="en-US" smtClean="0"/>
+              <a:t>Click to edit Master title style</a:t>
+            </a:r>
+            <a:endParaRPr lang="en-US" dirty="0"/>
+          </a:p>
+        </p:txBody>
+      </p:sp>
+      <p:sp>
+        <p:nvSpPr>
+          <p:cNvPr id="3" name="Text Placeholder 2"/>
+          <p:cNvSpPr>
+            <a:spLocks noGrp="1"/>
+          </p:cNvSpPr>
+          <p:nvPr>
+            <p:ph type="body" idx="1"/>
+          </p:nvPr>
+        </p:nvSpPr>
+        <p:spPr>
+          <a:xfrm>
+            <a:off x="677335" y="4527448"/>
+            <a:ext cx="8596668" cy="1513914"/>
+          </a:xfrm>
+        </p:spPr>
+        <p:txBody>
+          <a:bodyPr anchor="t">
+            <a:normAutofit/>
+          </a:bodyPr>
+          <a:lstStyle>
+            <a:lvl1pPr marL="0" indent="0" algn="l">
+              <a:buNone/>
+              <a:defRPr sz="1800">
+                <a:solidFill>
+                  <a:schemeClr val="tx1">
+                    <a:lumMod val="75000"/>
+                    <a:lumOff val="25000"/>
+                  </a:schemeClr>
+                </a:solidFill>
+              </a:defRPr>
+            </a:lvl1pPr>
+            <a:lvl2pPr marL="457200" indent="0">
+              <a:buNone/>
+              <a:defRPr sz="1800">
+                <a:solidFill>
+                  <a:schemeClr val="tx1">
+                    <a:tint val="75000"/>
+                  </a:schemeClr>
+                </a:solidFill>
+              </a:defRPr>
+            </a:lvl2pPr>
+            <a:lvl3pPr marL="914400" indent="0">
+              <a:buNone/>
+              <a:defRPr sz="1600">
+                <a:solidFill>
+                  <a:schemeClr val="tx1">
+                    <a:tint val="75000"/>
+                  </a:schemeClr>
+                </a:solidFill>
+              </a:defRPr>
+            </a:lvl3pPr>
+            <a:lvl4pPr marL="1371600" indent="0">
+              <a:buNone/>
+              <a:defRPr sz="1400">
+                <a:solidFill>
+                  <a:schemeClr val="tx1">
+                    <a:tint val="75000"/>
+                  </a:schemeClr>
+                </a:solidFill>
+              </a:defRPr>
+            </a:lvl4pPr>
+            <a:lvl5pPr marL="1828800" indent="0">
+              <a:buNone/>
+              <a:defRPr sz="1400">
+                <a:solidFill>
+                  <a:schemeClr val="tx1">
+                    <a:tint val="75000"/>
+                  </a:schemeClr>
+                </a:solidFill>
+              </a:defRPr>
+            </a:lvl5pPr>
+            <a:lvl6pPr marL="2286000" indent="0">
+              <a:buNone/>
+              <a:defRPr sz="1400">
+                <a:solidFill>
+                  <a:schemeClr val="tx1">
+                    <a:tint val="75000"/>
+                  </a:schemeClr>
+                </a:solidFill>
+              </a:defRPr>
+            </a:lvl6pPr>
+            <a:lvl7pPr marL="2743200" indent="0">
+              <a:buNone/>
+              <a:defRPr sz="1400">
+                <a:solidFill>
+                  <a:schemeClr val="tx1">
+                    <a:tint val="75000"/>
+                  </a:schemeClr>
+                </a:solidFill>
+              </a:defRPr>
+            </a:lvl7pPr>
+            <a:lvl8pPr marL="3200400" indent="0">
+              <a:buNone/>
+              <a:defRPr sz="1400">
+                <a:solidFill>
+                  <a:schemeClr val="tx1">
+                    <a:tint val="75000"/>
+                  </a:schemeClr>
+                </a:solidFill>
+              </a:defRPr>
+            </a:lvl8pPr>
+            <a:lvl9pPr marL="3657600" indent="0">
+              <a:buNone/>
+              <a:defRPr sz="1400">
+                <a:solidFill>
+                  <a:schemeClr val="tx1">
+                    <a:tint val="75000"/>
+                  </a:schemeClr>
+                </a:solidFill>
+              </a:defRPr>
+            </a:lvl9pPr>
+          </a:lstStyle>
+          <a:p>
+            <a:pPr lvl="0"/>
+            <a:r>
+              <a:rPr lang="en-US" smtClean="0"/>
+              <a:t>Click to edit Master text styles</a:t>
+            </a:r>
+          </a:p>
+        </p:txBody>
+      </p:sp>
+      <p:sp>
+        <p:nvSpPr>
+          <p:cNvPr id="4" name="Date Placeholder 3"/>
+          <p:cNvSpPr>
+            <a:spLocks noGrp="1"/>
+          </p:cNvSpPr>
+          <p:nvPr>
+            <p:ph type="dt" sz="half" idx="10"/>
+          </p:nvPr>
+        </p:nvSpPr>
+        <p:spPr/>
+        <p:txBody>
+          <a:bodyPr/>
+          <a:lstStyle/>
+          <a:p>
+            <a:fld id="{CBDAED76-ACB0-4506-8454-694B6B20C145}" type="datetimeFigureOut">
+              <a:rPr lang="en-US" smtClean="0"/>
+              <a:t>6/17/2014</a:t>
+            </a:fld>
+            <a:endParaRPr lang="en-US"/>
+          </a:p>
+        </p:txBody>
+      </p:sp>
+      <p:sp>
+        <p:nvSpPr>
+          <p:cNvPr id="5" name="Footer Placeholder 4"/>
+          <p:cNvSpPr>
+            <a:spLocks noGrp="1"/>
+          </p:cNvSpPr>
+          <p:nvPr>
+            <p:ph type="ftr" sz="quarter" idx="11"/>
+          </p:nvPr>
+        </p:nvSpPr>
+        <p:spPr/>
+        <p:txBody>
+          <a:bodyPr/>
+          <a:lstStyle/>
+          <a:p>
+            <a:endParaRPr lang="en-US"/>
+          </a:p>
+        </p:txBody>
+      </p:sp>
+      <p:sp>
+        <p:nvSpPr>
+          <p:cNvPr id="6" name="Slide Number Placeholder 5"/>
+          <p:cNvSpPr>
+            <a:spLocks noGrp="1"/>
+          </p:cNvSpPr>
+          <p:nvPr>
+            <p:ph type="sldNum" sz="quarter" idx="12"/>
+          </p:nvPr>
+        </p:nvSpPr>
+        <p:spPr/>
+        <p:txBody>
+          <a:bodyPr/>
+          <a:lstStyle/>
+          <a:p>
+            <a:fld id="{0FD8F31D-DBCD-445F-B57A-12CC2C2BF2F9}" type="slidenum">
+              <a:rPr lang="en-US" smtClean="0"/>
+              <a:t>‹#›</a:t>
+            </a:fld>
+            <a:endParaRPr lang="en-US"/>
+          </a:p>
+        </p:txBody>
+      </p:sp>
+    </p:spTree>
+    <p:extLst>
+      <p:ext uri="{BB962C8B-B14F-4D97-AF65-F5344CB8AC3E}">
+        <p14:creationId xmlns:p14="http://schemas.microsoft.com/office/powerpoint/2010/main" val="2760543740"/>
+      </p:ext>
+    </p:extLst>
+  </p:cSld>
+  <p:clrMapOvr>
+    <a:masterClrMapping/>
+  </p:clrMapOvr>
+</p:sldLayout>
+</file>
+
+<file path=ppt/slideLayouts/slideLayout13.xml><?xml version="1.0" encoding="utf-8"?>
+<p:sldLayout xmlns:a="http://schemas.openxmlformats.org/drawingml/2006/main" xmlns:r="http://schemas.openxmlformats.org/officeDocument/2006/relationships" xmlns:p="http://schemas.openxmlformats.org/presentationml/2006/main" preserve="1">
+  <p:cSld name="Quote Name Card">
+    <p:spTree>
+      <p:nvGrpSpPr>
+        <p:cNvPr id="1" name=""/>
+        <p:cNvGrpSpPr/>
+        <p:nvPr/>
+      </p:nvGrpSpPr>
+      <p:grpSpPr>
+        <a:xfrm>
+          <a:off x="0" y="0"/>
+          <a:ext cx="0" cy="0"/>
+          <a:chOff x="0" y="0"/>
+          <a:chExt cx="0" cy="0"/>
+        </a:xfrm>
+      </p:grpSpPr>
+      <p:sp>
+        <p:nvSpPr>
+          <p:cNvPr id="2" name="Title 1"/>
+          <p:cNvSpPr>
+            <a:spLocks noGrp="1"/>
+          </p:cNvSpPr>
+          <p:nvPr>
+            <p:ph type="title"/>
+          </p:nvPr>
+        </p:nvSpPr>
+        <p:spPr>
+          <a:xfrm>
+            <a:off x="931334" y="609600"/>
+            <a:ext cx="8094134" cy="3022600"/>
+          </a:xfrm>
+        </p:spPr>
+        <p:txBody>
+          <a:bodyPr anchor="ctr">
+            <a:normAutofit/>
+          </a:bodyPr>
+          <a:lstStyle>
+            <a:lvl1pPr algn="l">
+              <a:defRPr sz="4400" b="0" cap="none"/>
+            </a:lvl1pPr>
+          </a:lstStyle>
+          <a:p>
+            <a:r>
+              <a:rPr lang="en-US" smtClean="0"/>
+              <a:t>Click to edit Master title style</a:t>
+            </a:r>
+            <a:endParaRPr lang="en-US" dirty="0"/>
+          </a:p>
+        </p:txBody>
+      </p:sp>
+      <p:sp>
+        <p:nvSpPr>
+          <p:cNvPr id="23" name="Text Placeholder 9"/>
+          <p:cNvSpPr>
+            <a:spLocks noGrp="1"/>
+          </p:cNvSpPr>
+          <p:nvPr>
+            <p:ph type="body" sz="quarter" idx="13"/>
+          </p:nvPr>
+        </p:nvSpPr>
+        <p:spPr>
+          <a:xfrm>
+            <a:off x="677332" y="4013200"/>
+            <a:ext cx="8596669" cy="514248"/>
+          </a:xfrm>
+        </p:spPr>
+        <p:txBody>
+          <a:bodyPr anchor="b">
+            <a:noAutofit/>
+          </a:bodyPr>
+          <a:lstStyle>
+            <a:lvl1pPr marL="0" indent="0">
+              <a:buFontTx/>
+              <a:buNone/>
+              <a:defRPr sz="2400">
+                <a:solidFill>
+                  <a:schemeClr val="tx1">
+                    <a:lumMod val="75000"/>
+                    <a:lumOff val="25000"/>
+                  </a:schemeClr>
+                </a:solidFill>
+              </a:defRPr>
+            </a:lvl1pPr>
+            <a:lvl2pPr marL="457200" indent="0">
+              <a:buFontTx/>
+              <a:buNone/>
+              <a:defRPr/>
+            </a:lvl2pPr>
+            <a:lvl3pPr marL="914400" indent="0">
+              <a:buFontTx/>
+              <a:buNone/>
+              <a:defRPr/>
+            </a:lvl3pPr>
+            <a:lvl4pPr marL="1371600" indent="0">
+              <a:buFontTx/>
+              <a:buNone/>
+              <a:defRPr/>
+            </a:lvl4pPr>
+            <a:lvl5pPr marL="1828800" indent="0">
+              <a:buFontTx/>
+              <a:buNone/>
+              <a:defRPr/>
+            </a:lvl5pPr>
+          </a:lstStyle>
+          <a:p>
+            <a:pPr lvl="0"/>
+            <a:r>
+              <a:rPr lang="en-US" smtClean="0"/>
+              <a:t>Click to edit Master text styles</a:t>
+            </a:r>
+          </a:p>
+        </p:txBody>
+      </p:sp>
+      <p:sp>
+        <p:nvSpPr>
+          <p:cNvPr id="3" name="Text Placeholder 2"/>
+          <p:cNvSpPr>
+            <a:spLocks noGrp="1"/>
+          </p:cNvSpPr>
+          <p:nvPr>
+            <p:ph type="body" idx="1"/>
+          </p:nvPr>
+        </p:nvSpPr>
+        <p:spPr>
+          <a:xfrm>
+            <a:off x="677335" y="4527448"/>
+            <a:ext cx="8596668" cy="1513914"/>
+          </a:xfrm>
+        </p:spPr>
+        <p:txBody>
+          <a:bodyPr anchor="t">
+            <a:normAutofit/>
+          </a:bodyPr>
+          <a:lstStyle>
+            <a:lvl1pPr marL="0" indent="0" algn="l">
+              <a:buNone/>
+              <a:defRPr sz="1800">
+                <a:solidFill>
+                  <a:schemeClr val="tx1">
+                    <a:lumMod val="50000"/>
+                    <a:lumOff val="50000"/>
+                  </a:schemeClr>
+                </a:solidFill>
+              </a:defRPr>
+            </a:lvl1pPr>
+            <a:lvl2pPr marL="457200" indent="0">
+              <a:buNone/>
+              <a:defRPr sz="1800">
+                <a:solidFill>
+                  <a:schemeClr val="tx1">
+                    <a:tint val="75000"/>
+                  </a:schemeClr>
+                </a:solidFill>
+              </a:defRPr>
+            </a:lvl2pPr>
+            <a:lvl3pPr marL="914400" indent="0">
+              <a:buNone/>
+              <a:defRPr sz="1600">
+                <a:solidFill>
+                  <a:schemeClr val="tx1">
+                    <a:tint val="75000"/>
+                  </a:schemeClr>
+                </a:solidFill>
+              </a:defRPr>
+            </a:lvl3pPr>
+            <a:lvl4pPr marL="1371600" indent="0">
+              <a:buNone/>
+              <a:defRPr sz="1400">
+                <a:solidFill>
+                  <a:schemeClr val="tx1">
+                    <a:tint val="75000"/>
+                  </a:schemeClr>
+                </a:solidFill>
+              </a:defRPr>
+            </a:lvl4pPr>
+            <a:lvl5pPr marL="1828800" indent="0">
+              <a:buNone/>
+              <a:defRPr sz="1400">
+                <a:solidFill>
+                  <a:schemeClr val="tx1">
+                    <a:tint val="75000"/>
+                  </a:schemeClr>
+                </a:solidFill>
+              </a:defRPr>
+            </a:lvl5pPr>
+            <a:lvl6pPr marL="2286000" indent="0">
+              <a:buNone/>
+              <a:defRPr sz="1400">
+                <a:solidFill>
+                  <a:schemeClr val="tx1">
+                    <a:tint val="75000"/>
+                  </a:schemeClr>
+                </a:solidFill>
+              </a:defRPr>
+            </a:lvl6pPr>
+            <a:lvl7pPr marL="2743200" indent="0">
+              <a:buNone/>
+              <a:defRPr sz="1400">
+                <a:solidFill>
+                  <a:schemeClr val="tx1">
+                    <a:tint val="75000"/>
+                  </a:schemeClr>
+                </a:solidFill>
+              </a:defRPr>
+            </a:lvl7pPr>
+            <a:lvl8pPr marL="3200400" indent="0">
+              <a:buNone/>
+              <a:defRPr sz="1400">
+                <a:solidFill>
+                  <a:schemeClr val="tx1">
+                    <a:tint val="75000"/>
+                  </a:schemeClr>
+                </a:solidFill>
+              </a:defRPr>
+            </a:lvl8pPr>
+            <a:lvl9pPr marL="3657600" indent="0">
+              <a:buNone/>
+              <a:defRPr sz="1400">
+                <a:solidFill>
+                  <a:schemeClr val="tx1">
+                    <a:tint val="75000"/>
+                  </a:schemeClr>
+                </a:solidFill>
+              </a:defRPr>
+            </a:lvl9pPr>
+          </a:lstStyle>
+          <a:p>
+            <a:pPr lvl="0"/>
+            <a:r>
+              <a:rPr lang="en-US" smtClean="0"/>
+              <a:t>Click to edit Master text styles</a:t>
+            </a:r>
+          </a:p>
+        </p:txBody>
+      </p:sp>
+      <p:sp>
+        <p:nvSpPr>
+          <p:cNvPr id="4" name="Date Placeholder 3"/>
+          <p:cNvSpPr>
+            <a:spLocks noGrp="1"/>
+          </p:cNvSpPr>
+          <p:nvPr>
+            <p:ph type="dt" sz="half" idx="10"/>
+          </p:nvPr>
+        </p:nvSpPr>
+        <p:spPr/>
+        <p:txBody>
+          <a:bodyPr/>
+          <a:lstStyle/>
+          <a:p>
+            <a:fld id="{CBDAED76-ACB0-4506-8454-694B6B20C145}" type="datetimeFigureOut">
+              <a:rPr lang="en-US" smtClean="0"/>
+              <a:t>6/17/2014</a:t>
+            </a:fld>
+            <a:endParaRPr lang="en-US"/>
+          </a:p>
+        </p:txBody>
+      </p:sp>
+      <p:sp>
+        <p:nvSpPr>
+          <p:cNvPr id="5" name="Footer Placeholder 4"/>
+          <p:cNvSpPr>
+            <a:spLocks noGrp="1"/>
+          </p:cNvSpPr>
+          <p:nvPr>
+            <p:ph type="ftr" sz="quarter" idx="11"/>
+          </p:nvPr>
+        </p:nvSpPr>
+        <p:spPr/>
+        <p:txBody>
+          <a:bodyPr/>
+          <a:lstStyle/>
+          <a:p>
+            <a:endParaRPr lang="en-US"/>
+          </a:p>
+        </p:txBody>
+      </p:sp>
+      <p:sp>
+        <p:nvSpPr>
+          <p:cNvPr id="6" name="Slide Number Placeholder 5"/>
+          <p:cNvSpPr>
+            <a:spLocks noGrp="1"/>
+          </p:cNvSpPr>
+          <p:nvPr>
+            <p:ph type="sldNum" sz="quarter" idx="12"/>
+          </p:nvPr>
+        </p:nvSpPr>
+        <p:spPr/>
+        <p:txBody>
+          <a:bodyPr/>
+          <a:lstStyle/>
+          <a:p>
+            <a:fld id="{0FD8F31D-DBCD-445F-B57A-12CC2C2BF2F9}" type="slidenum">
+              <a:rPr lang="en-US" smtClean="0"/>
+              <a:t>‹#›</a:t>
+            </a:fld>
+            <a:endParaRPr lang="en-US"/>
+          </a:p>
+        </p:txBody>
+      </p:sp>
+      <p:sp>
+        <p:nvSpPr>
+          <p:cNvPr id="24" name="TextBox 23"/>
+          <p:cNvSpPr txBox="1"/>
+          <p:nvPr/>
+        </p:nvSpPr>
+        <p:spPr>
+          <a:xfrm>
+            <a:off x="541870" y="790378"/>
+            <a:ext cx="609600" cy="584776"/>
+          </a:xfrm>
+          <a:prstGeom prst="rect">
+            <a:avLst/>
+          </a:prstGeom>
+        </p:spPr>
+        <p:txBody>
+          <a:bodyPr vert="horz" lIns="91440" tIns="45720" rIns="91440" bIns="45720" rtlCol="0" anchor="ctr">
+            <a:noAutofit/>
+          </a:bodyPr>
+          <a:lstStyle/>
+          <a:p>
+            <a:pPr lvl="0"/>
+            <a:r>
+              <a:rPr lang="en-US" sz="8000" baseline="0" dirty="0">
+                <a:ln w="3175" cmpd="sng">
+                  <a:noFill/>
+                </a:ln>
+                <a:solidFill>
+                  <a:schemeClr val="accent1">
+                    <a:lumMod val="60000"/>
+                    <a:lumOff val="40000"/>
+                  </a:schemeClr>
+                </a:solidFill>
+                <a:effectLst/>
+                <a:latin typeface="Arial"/>
+              </a:rPr>
+              <a:t>“</a:t>
+            </a:r>
+          </a:p>
+        </p:txBody>
+      </p:sp>
+      <p:sp>
+        <p:nvSpPr>
+          <p:cNvPr id="25" name="TextBox 24"/>
+          <p:cNvSpPr txBox="1"/>
+          <p:nvPr/>
+        </p:nvSpPr>
+        <p:spPr>
+          <a:xfrm>
+            <a:off x="8893011" y="2886556"/>
+            <a:ext cx="609600" cy="584776"/>
+          </a:xfrm>
+          <a:prstGeom prst="rect">
+            <a:avLst/>
+          </a:prstGeom>
+        </p:spPr>
+        <p:txBody>
+          <a:bodyPr vert="horz" lIns="91440" tIns="45720" rIns="91440" bIns="45720" rtlCol="0" anchor="ctr">
+            <a:noAutofit/>
+          </a:bodyPr>
+          <a:lstStyle/>
+          <a:p>
+            <a:pPr lvl="0"/>
+            <a:r>
+              <a:rPr lang="en-US" sz="8000" baseline="0" dirty="0">
+                <a:ln w="3175" cmpd="sng">
+                  <a:noFill/>
+                </a:ln>
+                <a:solidFill>
+                  <a:schemeClr val="accent1">
+                    <a:lumMod val="60000"/>
+                    <a:lumOff val="40000"/>
+                  </a:schemeClr>
+                </a:solidFill>
+                <a:effectLst/>
+                <a:latin typeface="Arial"/>
+              </a:rPr>
+              <a:t>”</a:t>
+            </a:r>
+          </a:p>
+        </p:txBody>
+      </p:sp>
+    </p:spTree>
+    <p:extLst>
+      <p:ext uri="{BB962C8B-B14F-4D97-AF65-F5344CB8AC3E}">
+        <p14:creationId xmlns:p14="http://schemas.microsoft.com/office/powerpoint/2010/main" val="1012558901"/>
+      </p:ext>
+    </p:extLst>
+  </p:cSld>
+  <p:clrMapOvr>
+    <a:masterClrMapping/>
+  </p:clrMapOvr>
+</p:sldLayout>
+</file>
+
+<file path=ppt/slideLayouts/slideLayout14.xml><?xml version="1.0" encoding="utf-8"?>
+<p:sldLayout xmlns:a="http://schemas.openxmlformats.org/drawingml/2006/main" xmlns:r="http://schemas.openxmlformats.org/officeDocument/2006/relationships" xmlns:p="http://schemas.openxmlformats.org/presentationml/2006/main" preserve="1">
+  <p:cSld name="True or False">
+    <p:spTree>
+      <p:nvGrpSpPr>
+        <p:cNvPr id="1" name=""/>
+        <p:cNvGrpSpPr/>
+        <p:nvPr/>
+      </p:nvGrpSpPr>
+      <p:grpSpPr>
+        <a:xfrm>
+          <a:off x="0" y="0"/>
+          <a:ext cx="0" cy="0"/>
+          <a:chOff x="0" y="0"/>
+          <a:chExt cx="0" cy="0"/>
+        </a:xfrm>
+      </p:grpSpPr>
+      <p:sp>
+        <p:nvSpPr>
+          <p:cNvPr id="2" name="Title 1"/>
+          <p:cNvSpPr>
+            <a:spLocks noGrp="1"/>
+          </p:cNvSpPr>
+          <p:nvPr>
+            <p:ph type="title"/>
+          </p:nvPr>
+        </p:nvSpPr>
+        <p:spPr>
+          <a:xfrm>
+            <a:off x="685799" y="609600"/>
+            <a:ext cx="8588203" cy="3022600"/>
+          </a:xfrm>
+        </p:spPr>
+        <p:txBody>
+          <a:bodyPr anchor="ctr">
+            <a:normAutofit/>
+          </a:bodyPr>
+          <a:lstStyle>
+            <a:lvl1pPr algn="l">
+              <a:defRPr sz="4400" b="0" cap="none"/>
+            </a:lvl1pPr>
+          </a:lstStyle>
+          <a:p>
+            <a:r>
+              <a:rPr lang="en-US" smtClean="0"/>
+              <a:t>Click to edit Master title style</a:t>
+            </a:r>
+            <a:endParaRPr lang="en-US" dirty="0"/>
+          </a:p>
+        </p:txBody>
+      </p:sp>
+      <p:sp>
+        <p:nvSpPr>
+          <p:cNvPr id="23" name="Text Placeholder 9"/>
+          <p:cNvSpPr>
+            <a:spLocks noGrp="1"/>
+          </p:cNvSpPr>
+          <p:nvPr>
+            <p:ph type="body" sz="quarter" idx="13"/>
+          </p:nvPr>
+        </p:nvSpPr>
+        <p:spPr>
+          <a:xfrm>
+            <a:off x="677332" y="4013200"/>
+            <a:ext cx="8596669" cy="514248"/>
+          </a:xfrm>
+        </p:spPr>
+        <p:txBody>
+          <a:bodyPr anchor="b">
+            <a:noAutofit/>
+          </a:bodyPr>
+          <a:lstStyle>
+            <a:lvl1pPr marL="0" indent="0">
+              <a:buFontTx/>
+              <a:buNone/>
+              <a:defRPr sz="2400">
+                <a:solidFill>
+                  <a:schemeClr val="accent1"/>
+                </a:solidFill>
+              </a:defRPr>
+            </a:lvl1pPr>
+            <a:lvl2pPr marL="457200" indent="0">
+              <a:buFontTx/>
+              <a:buNone/>
+              <a:defRPr/>
+            </a:lvl2pPr>
+            <a:lvl3pPr marL="914400" indent="0">
+              <a:buFontTx/>
+              <a:buNone/>
+              <a:defRPr/>
+            </a:lvl3pPr>
+            <a:lvl4pPr marL="1371600" indent="0">
+              <a:buFontTx/>
+              <a:buNone/>
+              <a:defRPr/>
+            </a:lvl4pPr>
+            <a:lvl5pPr marL="1828800" indent="0">
+              <a:buFontTx/>
+              <a:buNone/>
+              <a:defRPr/>
+            </a:lvl5pPr>
+          </a:lstStyle>
+          <a:p>
+            <a:pPr lvl="0"/>
+            <a:r>
+              <a:rPr lang="en-US" smtClean="0"/>
+              <a:t>Click to edit Master text styles</a:t>
+            </a:r>
+          </a:p>
+        </p:txBody>
+      </p:sp>
+      <p:sp>
+        <p:nvSpPr>
+          <p:cNvPr id="3" name="Text Placeholder 2"/>
+          <p:cNvSpPr>
+            <a:spLocks noGrp="1"/>
+          </p:cNvSpPr>
+          <p:nvPr>
+            <p:ph type="body" idx="1"/>
+          </p:nvPr>
+        </p:nvSpPr>
+        <p:spPr>
+          <a:xfrm>
+            <a:off x="677335" y="4527448"/>
+            <a:ext cx="8596668" cy="1513914"/>
+          </a:xfrm>
+        </p:spPr>
+        <p:txBody>
+          <a:bodyPr anchor="t">
+            <a:normAutofit/>
+          </a:bodyPr>
+          <a:lstStyle>
+            <a:lvl1pPr marL="0" indent="0" algn="l">
+              <a:buNone/>
+              <a:defRPr sz="1800">
+                <a:solidFill>
+                  <a:schemeClr val="tx1">
+                    <a:lumMod val="50000"/>
+                    <a:lumOff val="50000"/>
+                  </a:schemeClr>
+                </a:solidFill>
+              </a:defRPr>
+            </a:lvl1pPr>
+            <a:lvl2pPr marL="457200" indent="0">
+              <a:buNone/>
+              <a:defRPr sz="1800">
+                <a:solidFill>
+                  <a:schemeClr val="tx1">
+                    <a:tint val="75000"/>
+                  </a:schemeClr>
+                </a:solidFill>
+              </a:defRPr>
+            </a:lvl2pPr>
+            <a:lvl3pPr marL="914400" indent="0">
+              <a:buNone/>
+              <a:defRPr sz="1600">
+                <a:solidFill>
+                  <a:schemeClr val="tx1">
+                    <a:tint val="75000"/>
+                  </a:schemeClr>
+                </a:solidFill>
+              </a:defRPr>
+            </a:lvl3pPr>
+            <a:lvl4pPr marL="1371600" indent="0">
+              <a:buNone/>
+              <a:defRPr sz="1400">
+                <a:solidFill>
+                  <a:schemeClr val="tx1">
+                    <a:tint val="75000"/>
+                  </a:schemeClr>
+                </a:solidFill>
+              </a:defRPr>
+            </a:lvl4pPr>
+            <a:lvl5pPr marL="1828800" indent="0">
+              <a:buNone/>
+              <a:defRPr sz="1400">
+                <a:solidFill>
+                  <a:schemeClr val="tx1">
+                    <a:tint val="75000"/>
+                  </a:schemeClr>
+                </a:solidFill>
+              </a:defRPr>
+            </a:lvl5pPr>
+            <a:lvl6pPr marL="2286000" indent="0">
+              <a:buNone/>
+              <a:defRPr sz="1400">
+                <a:solidFill>
+                  <a:schemeClr val="tx1">
+                    <a:tint val="75000"/>
+                  </a:schemeClr>
+                </a:solidFill>
+              </a:defRPr>
+            </a:lvl6pPr>
+            <a:lvl7pPr marL="2743200" indent="0">
+              <a:buNone/>
+              <a:defRPr sz="1400">
+                <a:solidFill>
+                  <a:schemeClr val="tx1">
+                    <a:tint val="75000"/>
+                  </a:schemeClr>
+                </a:solidFill>
+              </a:defRPr>
+            </a:lvl7pPr>
+            <a:lvl8pPr marL="3200400" indent="0">
+              <a:buNone/>
+              <a:defRPr sz="1400">
+                <a:solidFill>
+                  <a:schemeClr val="tx1">
+                    <a:tint val="75000"/>
+                  </a:schemeClr>
+                </a:solidFill>
+              </a:defRPr>
+            </a:lvl8pPr>
+            <a:lvl9pPr marL="3657600" indent="0">
+              <a:buNone/>
+              <a:defRPr sz="1400">
+                <a:solidFill>
+                  <a:schemeClr val="tx1">
+                    <a:tint val="75000"/>
+                  </a:schemeClr>
+                </a:solidFill>
+              </a:defRPr>
+            </a:lvl9pPr>
+          </a:lstStyle>
+          <a:p>
+            <a:pPr lvl="0"/>
+            <a:r>
+              <a:rPr lang="en-US" smtClean="0"/>
+              <a:t>Click to edit Master text styles</a:t>
+            </a:r>
+          </a:p>
+        </p:txBody>
+      </p:sp>
+      <p:sp>
+        <p:nvSpPr>
+          <p:cNvPr id="4" name="Date Placeholder 3"/>
+          <p:cNvSpPr>
+            <a:spLocks noGrp="1"/>
+          </p:cNvSpPr>
+          <p:nvPr>
+            <p:ph type="dt" sz="half" idx="10"/>
+          </p:nvPr>
+        </p:nvSpPr>
+        <p:spPr/>
+        <p:txBody>
+          <a:bodyPr/>
+          <a:lstStyle/>
+          <a:p>
+            <a:fld id="{CBDAED76-ACB0-4506-8454-694B6B20C145}" type="datetimeFigureOut">
+              <a:rPr lang="en-US" smtClean="0"/>
+              <a:t>6/17/2014</a:t>
+            </a:fld>
+            <a:endParaRPr lang="en-US"/>
+          </a:p>
+        </p:txBody>
+      </p:sp>
+      <p:sp>
+        <p:nvSpPr>
+          <p:cNvPr id="5" name="Footer Placeholder 4"/>
+          <p:cNvSpPr>
+            <a:spLocks noGrp="1"/>
+          </p:cNvSpPr>
+          <p:nvPr>
+            <p:ph type="ftr" sz="quarter" idx="11"/>
+          </p:nvPr>
+        </p:nvSpPr>
+        <p:spPr/>
+        <p:txBody>
+          <a:bodyPr/>
+          <a:lstStyle/>
+          <a:p>
+            <a:endParaRPr lang="en-US"/>
+          </a:p>
+        </p:txBody>
+      </p:sp>
+      <p:sp>
+        <p:nvSpPr>
+          <p:cNvPr id="6" name="Slide Number Placeholder 5"/>
+          <p:cNvSpPr>
+            <a:spLocks noGrp="1"/>
+          </p:cNvSpPr>
+          <p:nvPr>
+            <p:ph type="sldNum" sz="quarter" idx="12"/>
+          </p:nvPr>
+        </p:nvSpPr>
+        <p:spPr/>
+        <p:txBody>
+          <a:bodyPr/>
+          <a:lstStyle/>
+          <a:p>
+            <a:fld id="{0FD8F31D-DBCD-445F-B57A-12CC2C2BF2F9}" type="slidenum">
+              <a:rPr lang="en-US" smtClean="0"/>
+              <a:t>‹#›</a:t>
+            </a:fld>
+            <a:endParaRPr lang="en-US"/>
+          </a:p>
+        </p:txBody>
+      </p:sp>
+    </p:spTree>
+    <p:extLst>
+      <p:ext uri="{BB962C8B-B14F-4D97-AF65-F5344CB8AC3E}">
+        <p14:creationId xmlns:p14="http://schemas.microsoft.com/office/powerpoint/2010/main" val="3699824009"/>
+      </p:ext>
+    </p:extLst>
+  </p:cSld>
+  <p:clrMapOvr>
+    <a:masterClrMapping/>
+  </p:clrMapOvr>
+</p:sldLayout>
+</file>
+
+<file path=ppt/slideLayouts/slideLayout15.xml><?xml version="1.0" encoding="utf-8"?>
 <p:sldLayout xmlns:a="http://schemas.openxmlformats.org/drawingml/2006/main" xmlns:r="http://schemas.openxmlformats.org/officeDocument/2006/relationships" xmlns:p="http://schemas.openxmlformats.org/presentationml/2006/main" type="vertTx" preserve="1">
   <p:cSld name="Title and Vertical Text">
     <p:spTree>
@@ -343,7 +2547,7 @@
               <a:rPr lang="en-US" smtClean="0"/>
               <a:t>Click to edit Master title style</a:t>
             </a:r>
-            <a:endParaRPr lang="en-US"/>
+            <a:endParaRPr lang="en-US" dirty="0"/>
           </a:p>
         </p:txBody>
       </p:sp>
@@ -395,7 +2599,7 @@
               <a:rPr lang="en-US" smtClean="0"/>
               <a:t>Fifth level</a:t>
             </a:r>
-            <a:endParaRPr lang="en-US"/>
+            <a:endParaRPr lang="en-US" dirty="0"/>
           </a:p>
         </p:txBody>
       </p:sp>
@@ -467,7 +2671,7 @@
     </p:spTree>
     <p:extLst>
       <p:ext uri="{BB962C8B-B14F-4D97-AF65-F5344CB8AC3E}">
-        <p14:creationId xmlns:p14="http://schemas.microsoft.com/office/powerpoint/2010/main" val="4165982366"/>
+        <p14:creationId xmlns:p14="http://schemas.microsoft.com/office/powerpoint/2010/main" val="3406188739"/>
       </p:ext>
     </p:extLst>
   </p:cSld>
@@ -477,7 +2681,7 @@
 </p:sldLayout>
 </file>
 
-<file path=ppt/slideLayouts/slideLayout11.xml><?xml version="1.0" encoding="utf-8"?>
+<file path=ppt/slideLayouts/slideLayout16.xml><?xml version="1.0" encoding="utf-8"?>
 <p:sldLayout xmlns:a="http://schemas.openxmlformats.org/drawingml/2006/main" xmlns:r="http://schemas.openxmlformats.org/officeDocument/2006/relationships" xmlns:p="http://schemas.openxmlformats.org/presentationml/2006/main" type="vertTitleAndTx" preserve="1">
   <p:cSld name="Vertical Title and Text">
     <p:spTree>
@@ -506,19 +2710,19 @@
         </p:nvSpPr>
         <p:spPr>
           <a:xfrm>
-            <a:off x="8724900" y="365125"/>
-            <a:ext cx="2628900" cy="5811838"/>
+            <a:off x="7967673" y="609599"/>
+            <a:ext cx="1304743" cy="5251451"/>
           </a:xfrm>
         </p:spPr>
         <p:txBody>
-          <a:bodyPr vert="eaVert"/>
+          <a:bodyPr vert="eaVert" anchor="ctr"/>
           <a:lstStyle/>
           <a:p>
             <a:r>
               <a:rPr lang="en-US" smtClean="0"/>
               <a:t>Click to edit Master title style</a:t>
             </a:r>
-            <a:endParaRPr lang="en-US"/>
+            <a:endParaRPr lang="en-US" dirty="0"/>
           </a:p>
         </p:txBody>
       </p:sp>
@@ -534,8 +2738,8 @@
         </p:nvSpPr>
         <p:spPr>
           <a:xfrm>
-            <a:off x="838200" y="365125"/>
-            <a:ext cx="7734300" cy="5811838"/>
+            <a:off x="677335" y="609600"/>
+            <a:ext cx="7060150" cy="5251450"/>
           </a:xfrm>
         </p:spPr>
         <p:txBody>
@@ -575,7 +2779,7 @@
               <a:rPr lang="en-US" smtClean="0"/>
               <a:t>Fifth level</a:t>
             </a:r>
-            <a:endParaRPr lang="en-US"/>
+            <a:endParaRPr lang="en-US" dirty="0"/>
           </a:p>
         </p:txBody>
       </p:sp>
@@ -647,7 +2851,7 @@
     </p:spTree>
     <p:extLst>
       <p:ext uri="{BB962C8B-B14F-4D97-AF65-F5344CB8AC3E}">
-        <p14:creationId xmlns:p14="http://schemas.microsoft.com/office/powerpoint/2010/main" val="3277760590"/>
+        <p14:creationId xmlns:p14="http://schemas.microsoft.com/office/powerpoint/2010/main" val="3873953961"/>
       </p:ext>
     </p:extLst>
   </p:cSld>
@@ -686,32 +2890,38 @@
         </p:nvSpPr>
         <p:spPr/>
         <p:txBody>
+          <a:bodyPr>
+            <a:normAutofit/>
+          </a:bodyPr>
+          <a:lstStyle>
+            <a:lvl1pPr>
+              <a:defRPr sz="3600"/>
+            </a:lvl1pPr>
+          </a:lstStyle>
+          <a:p>
+            <a:r>
+              <a:rPr lang="en-US" smtClean="0"/>
+              <a:t>Click to edit Master title style</a:t>
+            </a:r>
+            <a:endParaRPr lang="en-US" dirty="0"/>
+          </a:p>
+        </p:txBody>
+      </p:sp>
+      <p:sp>
+        <p:nvSpPr>
+          <p:cNvPr id="3" name="Content Placeholder 2"/>
+          <p:cNvSpPr>
+            <a:spLocks noGrp="1"/>
+          </p:cNvSpPr>
+          <p:nvPr>
+            <p:ph idx="1"/>
+          </p:nvPr>
+        </p:nvSpPr>
+        <p:spPr/>
+        <p:txBody>
           <a:bodyPr/>
           <a:lstStyle/>
           <a:p>
-            <a:r>
-              <a:rPr lang="en-US" smtClean="0"/>
-              <a:t>Click to edit Master title style</a:t>
-            </a:r>
-            <a:endParaRPr lang="en-US"/>
-          </a:p>
-        </p:txBody>
-      </p:sp>
-      <p:sp>
-        <p:nvSpPr>
-          <p:cNvPr id="3" name="Content Placeholder 2"/>
-          <p:cNvSpPr>
-            <a:spLocks noGrp="1"/>
-          </p:cNvSpPr>
-          <p:nvPr>
-            <p:ph idx="1"/>
-          </p:nvPr>
-        </p:nvSpPr>
-        <p:spPr/>
-        <p:txBody>
-          <a:bodyPr/>
-          <a:lstStyle/>
-          <a:p>
             <a:pPr lvl="0"/>
             <a:r>
               <a:rPr lang="en-US" smtClean="0"/>
@@ -745,7 +2955,7 @@
               <a:rPr lang="en-US" smtClean="0"/>
               <a:t>Fifth level</a:t>
             </a:r>
-            <a:endParaRPr lang="en-US"/>
+            <a:endParaRPr lang="en-US" dirty="0"/>
           </a:p>
         </p:txBody>
       </p:sp>
@@ -817,7 +3027,7 @@
     </p:spTree>
     <p:extLst>
       <p:ext uri="{BB962C8B-B14F-4D97-AF65-F5344CB8AC3E}">
-        <p14:creationId xmlns:p14="http://schemas.microsoft.com/office/powerpoint/2010/main" val="1011653982"/>
+        <p14:creationId xmlns:p14="http://schemas.microsoft.com/office/powerpoint/2010/main" val="1014792183"/>
       </p:ext>
     </p:extLst>
   </p:cSld>
@@ -856,15 +3066,15 @@
         </p:nvSpPr>
         <p:spPr>
           <a:xfrm>
-            <a:off x="831850" y="1709738"/>
-            <a:ext cx="10515600" cy="2852737"/>
+            <a:off x="677335" y="2700867"/>
+            <a:ext cx="8596668" cy="1826581"/>
           </a:xfrm>
         </p:spPr>
         <p:txBody>
           <a:bodyPr anchor="b"/>
           <a:lstStyle>
-            <a:lvl1pPr>
-              <a:defRPr sz="6000"/>
+            <a:lvl1pPr algn="l">
+              <a:defRPr sz="4000" b="0" cap="none"/>
             </a:lvl1pPr>
           </a:lstStyle>
           <a:p>
@@ -872,7 +3082,7 @@
               <a:rPr lang="en-US" smtClean="0"/>
               <a:t>Click to edit Master title style</a:t>
             </a:r>
-            <a:endParaRPr lang="en-US"/>
+            <a:endParaRPr lang="en-US" dirty="0"/>
           </a:p>
         </p:txBody>
       </p:sp>
@@ -888,102 +3098,103 @@
         </p:nvSpPr>
         <p:spPr>
           <a:xfrm>
-            <a:off x="831850" y="4589463"/>
-            <a:ext cx="10515600" cy="1500187"/>
+            <a:off x="677335" y="4527448"/>
+            <a:ext cx="8596668" cy="860400"/>
           </a:xfrm>
         </p:spPr>
         <p:txBody>
-          <a:bodyPr/>
+          <a:bodyPr anchor="t"/>
           <a:lstStyle>
-            <a:lvl1pPr marL="0" indent="0">
-              <a:buNone/>
-              <a:defRPr sz="2400">
+            <a:lvl1pPr marL="0" indent="0" algn="l">
+              <a:buNone/>
+              <a:defRPr sz="2000">
+                <a:solidFill>
+                  <a:schemeClr val="tx1">
+                    <a:lumMod val="50000"/>
+                    <a:lumOff val="50000"/>
+                  </a:schemeClr>
+                </a:solidFill>
+              </a:defRPr>
+            </a:lvl1pPr>
+            <a:lvl2pPr marL="457200" indent="0">
+              <a:buNone/>
+              <a:defRPr sz="1800">
                 <a:solidFill>
                   <a:schemeClr val="tx1">
                     <a:tint val="75000"/>
                   </a:schemeClr>
                 </a:solidFill>
               </a:defRPr>
-            </a:lvl1pPr>
-            <a:lvl2pPr marL="457200" indent="0">
-              <a:buNone/>
-              <a:defRPr sz="2000">
+            </a:lvl2pPr>
+            <a:lvl3pPr marL="914400" indent="0">
+              <a:buNone/>
+              <a:defRPr sz="1600">
                 <a:solidFill>
                   <a:schemeClr val="tx1">
                     <a:tint val="75000"/>
                   </a:schemeClr>
                 </a:solidFill>
               </a:defRPr>
-            </a:lvl2pPr>
-            <a:lvl3pPr marL="914400" indent="0">
-              <a:buNone/>
-              <a:defRPr sz="1800">
+            </a:lvl3pPr>
+            <a:lvl4pPr marL="1371600" indent="0">
+              <a:buNone/>
+              <a:defRPr sz="1400">
                 <a:solidFill>
                   <a:schemeClr val="tx1">
                     <a:tint val="75000"/>
                   </a:schemeClr>
                 </a:solidFill>
               </a:defRPr>
-            </a:lvl3pPr>
-            <a:lvl4pPr marL="1371600" indent="0">
-              <a:buNone/>
-              <a:defRPr sz="1600">
+            </a:lvl4pPr>
+            <a:lvl5pPr marL="1828800" indent="0">
+              <a:buNone/>
+              <a:defRPr sz="1400">
                 <a:solidFill>
                   <a:schemeClr val="tx1">
                     <a:tint val="75000"/>
                   </a:schemeClr>
                 </a:solidFill>
               </a:defRPr>
-            </a:lvl4pPr>
-            <a:lvl5pPr marL="1828800" indent="0">
-              <a:buNone/>
-              <a:defRPr sz="1600">
+            </a:lvl5pPr>
+            <a:lvl6pPr marL="2286000" indent="0">
+              <a:buNone/>
+              <a:defRPr sz="1400">
                 <a:solidFill>
                   <a:schemeClr val="tx1">
                     <a:tint val="75000"/>
                   </a:schemeClr>
                 </a:solidFill>
               </a:defRPr>
-            </a:lvl5pPr>
-            <a:lvl6pPr marL="2286000" indent="0">
-              <a:buNone/>
-              <a:defRPr sz="1600">
+            </a:lvl6pPr>
+            <a:lvl7pPr marL="2743200" indent="0">
+              <a:buNone/>
+              <a:defRPr sz="1400">
                 <a:solidFill>
                   <a:schemeClr val="tx1">
                     <a:tint val="75000"/>
                   </a:schemeClr>
                 </a:solidFill>
               </a:defRPr>
-            </a:lvl6pPr>
-            <a:lvl7pPr marL="2743200" indent="0">
-              <a:buNone/>
-              <a:defRPr sz="1600">
+            </a:lvl7pPr>
+            <a:lvl8pPr marL="3200400" indent="0">
+              <a:buNone/>
+              <a:defRPr sz="1400">
                 <a:solidFill>
                   <a:schemeClr val="tx1">
                     <a:tint val="75000"/>
                   </a:schemeClr>
                 </a:solidFill>
               </a:defRPr>
-            </a:lvl7pPr>
-            <a:lvl8pPr marL="3200400" indent="0">
-              <a:buNone/>
-              <a:defRPr sz="1600">
+            </a:lvl8pPr>
+            <a:lvl9pPr marL="3657600" indent="0">
+              <a:buNone/>
+              <a:defRPr sz="1400">
                 <a:solidFill>
                   <a:schemeClr val="tx1">
                     <a:tint val="75000"/>
                   </a:schemeClr>
                 </a:solidFill>
               </a:defRPr>
-            </a:lvl8pPr>
-            <a:lvl9pPr marL="3657600" indent="0">
-              <a:buNone/>
-              <a:defRPr sz="1600">
-                <a:solidFill>
-                  <a:schemeClr val="tx1">
-                    <a:tint val="75000"/>
-                  </a:schemeClr>
-                </a:solidFill>
-              </a:defRPr>
             </a:lvl9pPr>
           </a:lstStyle>
           <a:p>
@@ -1063,7 +3274,7 @@
     </p:spTree>
     <p:extLst>
       <p:ext uri="{BB962C8B-B14F-4D97-AF65-F5344CB8AC3E}">
-        <p14:creationId xmlns:p14="http://schemas.microsoft.com/office/powerpoint/2010/main" val="3155245962"/>
+        <p14:creationId xmlns:p14="http://schemas.microsoft.com/office/powerpoint/2010/main" val="1033936775"/>
       </p:ext>
     </p:extLst>
   </p:cSld>
@@ -1109,7 +3320,7 @@
               <a:rPr lang="en-US" smtClean="0"/>
               <a:t>Click to edit Master title style</a:t>
             </a:r>
-            <a:endParaRPr lang="en-US"/>
+            <a:endParaRPr lang="en-US" dirty="0"/>
           </a:p>
         </p:txBody>
       </p:sp>
@@ -1125,8 +3336,8 @@
         </p:nvSpPr>
         <p:spPr>
           <a:xfrm>
-            <a:off x="838200" y="1825625"/>
-            <a:ext cx="5181600" cy="4351338"/>
+            <a:off x="677334" y="2160589"/>
+            <a:ext cx="4184035" cy="3880772"/>
           </a:xfrm>
         </p:spPr>
         <p:txBody>
@@ -1166,7 +3377,7 @@
               <a:rPr lang="en-US" smtClean="0"/>
               <a:t>Fifth level</a:t>
             </a:r>
-            <a:endParaRPr lang="en-US"/>
+            <a:endParaRPr lang="en-US" dirty="0"/>
           </a:p>
         </p:txBody>
       </p:sp>
@@ -1182,8 +3393,8 @@
         </p:nvSpPr>
         <p:spPr>
           <a:xfrm>
-            <a:off x="6172200" y="1825625"/>
-            <a:ext cx="5181600" cy="4351338"/>
+            <a:off x="5089970" y="2160589"/>
+            <a:ext cx="4184034" cy="3880773"/>
           </a:xfrm>
         </p:spPr>
         <p:txBody>
@@ -1223,7 +3434,7 @@
               <a:rPr lang="en-US" smtClean="0"/>
               <a:t>Fifth level</a:t>
             </a:r>
-            <a:endParaRPr lang="en-US"/>
+            <a:endParaRPr lang="en-US" dirty="0"/>
           </a:p>
         </p:txBody>
       </p:sp>
@@ -1295,7 +3506,7 @@
     </p:spTree>
     <p:extLst>
       <p:ext uri="{BB962C8B-B14F-4D97-AF65-F5344CB8AC3E}">
-        <p14:creationId xmlns:p14="http://schemas.microsoft.com/office/powerpoint/2010/main" val="2719845931"/>
+        <p14:creationId xmlns:p14="http://schemas.microsoft.com/office/powerpoint/2010/main" val="2259350795"/>
       </p:ext>
     </p:extLst>
   </p:cSld>
@@ -1332,46 +3543,47 @@
             <p:ph type="title"/>
           </p:nvPr>
         </p:nvSpPr>
+        <p:spPr/>
+        <p:txBody>
+          <a:bodyPr/>
+          <a:lstStyle>
+            <a:lvl1pPr>
+              <a:defRPr/>
+            </a:lvl1pPr>
+          </a:lstStyle>
+          <a:p>
+            <a:r>
+              <a:rPr lang="en-US" smtClean="0"/>
+              <a:t>Click to edit Master title style</a:t>
+            </a:r>
+            <a:endParaRPr lang="en-US" dirty="0"/>
+          </a:p>
+        </p:txBody>
+      </p:sp>
+      <p:sp>
+        <p:nvSpPr>
+          <p:cNvPr id="3" name="Text Placeholder 2"/>
+          <p:cNvSpPr>
+            <a:spLocks noGrp="1"/>
+          </p:cNvSpPr>
+          <p:nvPr>
+            <p:ph type="body" idx="1"/>
+          </p:nvPr>
+        </p:nvSpPr>
         <p:spPr>
           <a:xfrm>
-            <a:off x="839788" y="365125"/>
-            <a:ext cx="10515600" cy="1325563"/>
+            <a:off x="675745" y="2160983"/>
+            <a:ext cx="4185623" cy="576262"/>
           </a:xfrm>
         </p:spPr>
         <p:txBody>
-          <a:bodyPr/>
-          <a:lstStyle/>
-          <a:p>
-            <a:r>
-              <a:rPr lang="en-US" smtClean="0"/>
-              <a:t>Click to edit Master title style</a:t>
-            </a:r>
-            <a:endParaRPr lang="en-US"/>
-          </a:p>
-        </p:txBody>
-      </p:sp>
-      <p:sp>
-        <p:nvSpPr>
-          <p:cNvPr id="3" name="Text Placeholder 2"/>
-          <p:cNvSpPr>
-            <a:spLocks noGrp="1"/>
-          </p:cNvSpPr>
-          <p:nvPr>
-            <p:ph type="body" idx="1"/>
-          </p:nvPr>
-        </p:nvSpPr>
-        <p:spPr>
-          <a:xfrm>
-            <a:off x="839788" y="1681163"/>
-            <a:ext cx="5157787" cy="823912"/>
-          </a:xfrm>
-        </p:spPr>
-        <p:txBody>
-          <a:bodyPr anchor="b"/>
+          <a:bodyPr anchor="b">
+            <a:noAutofit/>
+          </a:bodyPr>
           <a:lstStyle>
             <a:lvl1pPr marL="0" indent="0">
               <a:buNone/>
-              <a:defRPr sz="2400" b="1"/>
+              <a:defRPr sz="2400" b="0"/>
             </a:lvl1pPr>
             <a:lvl2pPr marL="457200" indent="0">
               <a:buNone/>
@@ -1427,12 +3639,14 @@
         </p:nvSpPr>
         <p:spPr>
           <a:xfrm>
-            <a:off x="839788" y="2505075"/>
-            <a:ext cx="5157787" cy="3684588"/>
+            <a:off x="675745" y="2737245"/>
+            <a:ext cx="4185623" cy="3304117"/>
           </a:xfrm>
         </p:spPr>
         <p:txBody>
-          <a:bodyPr/>
+          <a:bodyPr>
+            <a:normAutofit/>
+          </a:bodyPr>
           <a:lstStyle/>
           <a:p>
             <a:pPr lvl="0"/>
@@ -1468,7 +3682,7 @@
               <a:rPr lang="en-US" smtClean="0"/>
               <a:t>Fifth level</a:t>
             </a:r>
-            <a:endParaRPr lang="en-US"/>
+            <a:endParaRPr lang="en-US" dirty="0"/>
           </a:p>
         </p:txBody>
       </p:sp>
@@ -1484,16 +3698,18 @@
         </p:nvSpPr>
         <p:spPr>
           <a:xfrm>
-            <a:off x="6172200" y="1681163"/>
-            <a:ext cx="5183188" cy="823912"/>
+            <a:off x="5088383" y="2160983"/>
+            <a:ext cx="4185618" cy="576262"/>
           </a:xfrm>
         </p:spPr>
         <p:txBody>
-          <a:bodyPr anchor="b"/>
+          <a:bodyPr anchor="b">
+            <a:noAutofit/>
+          </a:bodyPr>
           <a:lstStyle>
             <a:lvl1pPr marL="0" indent="0">
               <a:buNone/>
-              <a:defRPr sz="2400" b="1"/>
+              <a:defRPr sz="2400" b="0"/>
             </a:lvl1pPr>
             <a:lvl2pPr marL="457200" indent="0">
               <a:buNone/>
@@ -1549,12 +3765,14 @@
         </p:nvSpPr>
         <p:spPr>
           <a:xfrm>
-            <a:off x="6172200" y="2505075"/>
-            <a:ext cx="5183188" cy="3684588"/>
+            <a:off x="5088384" y="2737245"/>
+            <a:ext cx="4185617" cy="3304117"/>
           </a:xfrm>
         </p:spPr>
         <p:txBody>
-          <a:bodyPr/>
+          <a:bodyPr>
+            <a:normAutofit/>
+          </a:bodyPr>
           <a:lstStyle/>
           <a:p>
             <a:pPr lvl="0"/>
@@ -1590,7 +3808,7 @@
               <a:rPr lang="en-US" smtClean="0"/>
               <a:t>Fifth level</a:t>
             </a:r>
-            <a:endParaRPr lang="en-US"/>
+            <a:endParaRPr lang="en-US" dirty="0"/>
           </a:p>
         </p:txBody>
       </p:sp>
@@ -1662,7 +3880,7 @@
     </p:spTree>
     <p:extLst>
       <p:ext uri="{BB962C8B-B14F-4D97-AF65-F5344CB8AC3E}">
-        <p14:creationId xmlns:p14="http://schemas.microsoft.com/office/powerpoint/2010/main" val="101278281"/>
+        <p14:creationId xmlns:p14="http://schemas.microsoft.com/office/powerpoint/2010/main" val="3139104496"/>
       </p:ext>
     </p:extLst>
   </p:cSld>
@@ -1699,7 +3917,12 @@
             <p:ph type="title"/>
           </p:nvPr>
         </p:nvSpPr>
-        <p:spPr/>
+        <p:spPr>
+          <a:xfrm>
+            <a:off x="677334" y="609600"/>
+            <a:ext cx="8596668" cy="1320800"/>
+          </a:xfrm>
+        </p:spPr>
         <p:txBody>
           <a:bodyPr/>
           <a:lstStyle/>
@@ -1708,7 +3931,7 @@
               <a:rPr lang="en-US" smtClean="0"/>
               <a:t>Click to edit Master title style</a:t>
             </a:r>
-            <a:endParaRPr lang="en-US"/>
+            <a:endParaRPr lang="en-US" dirty="0"/>
           </a:p>
         </p:txBody>
       </p:sp>
@@ -1780,7 +4003,7 @@
     </p:spTree>
     <p:extLst>
       <p:ext uri="{BB962C8B-B14F-4D97-AF65-F5344CB8AC3E}">
-        <p14:creationId xmlns:p14="http://schemas.microsoft.com/office/powerpoint/2010/main" val="4255062087"/>
+        <p14:creationId xmlns:p14="http://schemas.microsoft.com/office/powerpoint/2010/main" val="930690235"/>
       </p:ext>
     </p:extLst>
   </p:cSld>
@@ -1875,7 +4098,7 @@
     </p:spTree>
     <p:extLst>
       <p:ext uri="{BB962C8B-B14F-4D97-AF65-F5344CB8AC3E}">
-        <p14:creationId xmlns:p14="http://schemas.microsoft.com/office/powerpoint/2010/main" val="816643433"/>
+        <p14:creationId xmlns:p14="http://schemas.microsoft.com/office/powerpoint/2010/main" val="1257607431"/>
       </p:ext>
     </p:extLst>
   </p:cSld>
@@ -1914,15 +4137,17 @@
         </p:nvSpPr>
         <p:spPr>
           <a:xfrm>
-            <a:off x="839788" y="457200"/>
-            <a:ext cx="3932237" cy="1600200"/>
+            <a:off x="677334" y="1498604"/>
+            <a:ext cx="3854528" cy="1278466"/>
           </a:xfrm>
         </p:spPr>
         <p:txBody>
-          <a:bodyPr anchor="b"/>
+          <a:bodyPr anchor="b">
+            <a:normAutofit/>
+          </a:bodyPr>
           <a:lstStyle>
             <a:lvl1pPr>
-              <a:defRPr sz="3200"/>
+              <a:defRPr sz="2000"/>
             </a:lvl1pPr>
           </a:lstStyle>
           <a:p>
@@ -1930,7 +4155,7 @@
               <a:rPr lang="en-US" smtClean="0"/>
               <a:t>Click to edit Master title style</a:t>
             </a:r>
-            <a:endParaRPr lang="en-US"/>
+            <a:endParaRPr lang="en-US" dirty="0"/>
           </a:p>
         </p:txBody>
       </p:sp>
@@ -1946,41 +4171,15 @@
         </p:nvSpPr>
         <p:spPr>
           <a:xfrm>
-            <a:off x="5183188" y="987425"/>
-            <a:ext cx="6172200" cy="4873625"/>
+            <a:off x="4760461" y="514924"/>
+            <a:ext cx="4513541" cy="5526437"/>
           </a:xfrm>
         </p:spPr>
         <p:txBody>
-          <a:bodyPr/>
-          <a:lstStyle>
-            <a:lvl1pPr>
-              <a:defRPr sz="3200"/>
-            </a:lvl1pPr>
-            <a:lvl2pPr>
-              <a:defRPr sz="2800"/>
-            </a:lvl2pPr>
-            <a:lvl3pPr>
-              <a:defRPr sz="2400"/>
-            </a:lvl3pPr>
-            <a:lvl4pPr>
-              <a:defRPr sz="2000"/>
-            </a:lvl4pPr>
-            <a:lvl5pPr>
-              <a:defRPr sz="2000"/>
-            </a:lvl5pPr>
-            <a:lvl6pPr>
-              <a:defRPr sz="2000"/>
-            </a:lvl6pPr>
-            <a:lvl7pPr>
-              <a:defRPr sz="2000"/>
-            </a:lvl7pPr>
-            <a:lvl8pPr>
-              <a:defRPr sz="2000"/>
-            </a:lvl8pPr>
-            <a:lvl9pPr>
-              <a:defRPr sz="2000"/>
-            </a:lvl9pPr>
-          </a:lstStyle>
+          <a:bodyPr>
+            <a:normAutofit/>
+          </a:bodyPr>
+          <a:lstStyle/>
           <a:p>
             <a:pPr lvl="0"/>
             <a:r>
@@ -2015,7 +4214,7 @@
               <a:rPr lang="en-US" smtClean="0"/>
               <a:t>Fifth level</a:t>
             </a:r>
-            <a:endParaRPr lang="en-US"/>
+            <a:endParaRPr lang="en-US" dirty="0"/>
           </a:p>
         </p:txBody>
       </p:sp>
@@ -2031,46 +4230,48 @@
         </p:nvSpPr>
         <p:spPr>
           <a:xfrm>
-            <a:off x="839788" y="2057400"/>
-            <a:ext cx="3932237" cy="3811588"/>
+            <a:off x="677334" y="2777069"/>
+            <a:ext cx="3854528" cy="2584449"/>
           </a:xfrm>
         </p:spPr>
         <p:txBody>
-          <a:bodyPr/>
+          <a:bodyPr>
+            <a:normAutofit/>
+          </a:bodyPr>
           <a:lstStyle>
             <a:lvl1pPr marL="0" indent="0">
               <a:buNone/>
-              <a:defRPr sz="1600"/>
+              <a:defRPr sz="1400"/>
             </a:lvl1pPr>
-            <a:lvl2pPr marL="457200" indent="0">
+            <a:lvl2pPr marL="457063" indent="0">
               <a:buNone/>
               <a:defRPr sz="1400"/>
             </a:lvl2pPr>
-            <a:lvl3pPr marL="914400" indent="0">
+            <a:lvl3pPr marL="914126" indent="0">
               <a:buNone/>
               <a:defRPr sz="1200"/>
             </a:lvl3pPr>
-            <a:lvl4pPr marL="1371600" indent="0">
+            <a:lvl4pPr marL="1371189" indent="0">
               <a:buNone/>
               <a:defRPr sz="1000"/>
             </a:lvl4pPr>
-            <a:lvl5pPr marL="1828800" indent="0">
+            <a:lvl5pPr marL="1828251" indent="0">
               <a:buNone/>
               <a:defRPr sz="1000"/>
             </a:lvl5pPr>
-            <a:lvl6pPr marL="2286000" indent="0">
+            <a:lvl6pPr marL="2285314" indent="0">
               <a:buNone/>
               <a:defRPr sz="1000"/>
             </a:lvl6pPr>
-            <a:lvl7pPr marL="2743200" indent="0">
+            <a:lvl7pPr marL="2742377" indent="0">
               <a:buNone/>
               <a:defRPr sz="1000"/>
             </a:lvl7pPr>
-            <a:lvl8pPr marL="3200400" indent="0">
+            <a:lvl8pPr marL="3199440" indent="0">
               <a:buNone/>
               <a:defRPr sz="1000"/>
             </a:lvl8pPr>
-            <a:lvl9pPr marL="3657600" indent="0">
+            <a:lvl9pPr marL="3656503" indent="0">
               <a:buNone/>
               <a:defRPr sz="1000"/>
             </a:lvl9pPr>
@@ -2152,7 +4353,7 @@
     </p:spTree>
     <p:extLst>
       <p:ext uri="{BB962C8B-B14F-4D97-AF65-F5344CB8AC3E}">
-        <p14:creationId xmlns:p14="http://schemas.microsoft.com/office/powerpoint/2010/main" val="1326690374"/>
+        <p14:creationId xmlns:p14="http://schemas.microsoft.com/office/powerpoint/2010/main" val="3060499006"/>
       </p:ext>
     </p:extLst>
   </p:cSld>
@@ -2191,15 +4392,17 @@
         </p:nvSpPr>
         <p:spPr>
           <a:xfrm>
-            <a:off x="839788" y="457200"/>
-            <a:ext cx="3932237" cy="1600200"/>
+            <a:off x="677334" y="4800600"/>
+            <a:ext cx="8596667" cy="566738"/>
           </a:xfrm>
         </p:spPr>
         <p:txBody>
-          <a:bodyPr anchor="b"/>
+          <a:bodyPr anchor="b">
+            <a:normAutofit/>
+          </a:bodyPr>
           <a:lstStyle>
-            <a:lvl1pPr>
-              <a:defRPr sz="3200"/>
+            <a:lvl1pPr algn="l">
+              <a:defRPr sz="2400" b="0"/>
             </a:lvl1pPr>
           </a:lstStyle>
           <a:p>
@@ -2207,7 +4410,7 @@
               <a:rPr lang="en-US" smtClean="0"/>
               <a:t>Click to edit Master title style</a:t>
             </a:r>
-            <a:endParaRPr lang="en-US"/>
+            <a:endParaRPr lang="en-US" dirty="0"/>
           </a:p>
         </p:txBody>
       </p:sp>
@@ -2215,7 +4418,7 @@
         <p:nvSpPr>
           <p:cNvPr id="3" name="Picture Placeholder 2"/>
           <p:cNvSpPr>
-            <a:spLocks noGrp="1"/>
+            <a:spLocks noGrp="1" noChangeAspect="1"/>
           </p:cNvSpPr>
           <p:nvPr>
             <p:ph type="pic" idx="1"/>
@@ -2223,109 +4426,117 @@
         </p:nvSpPr>
         <p:spPr>
           <a:xfrm>
-            <a:off x="5183188" y="987425"/>
-            <a:ext cx="6172200" cy="4873625"/>
+            <a:off x="677334" y="609600"/>
+            <a:ext cx="8596668" cy="3845718"/>
           </a:xfrm>
         </p:spPr>
         <p:txBody>
-          <a:bodyPr/>
+          <a:bodyPr anchor="t">
+            <a:normAutofit/>
+          </a:bodyPr>
           <a:lstStyle>
-            <a:lvl1pPr marL="0" indent="0">
-              <a:buNone/>
-              <a:defRPr sz="3200"/>
-            </a:lvl1pPr>
-            <a:lvl2pPr marL="457200" indent="0">
-              <a:buNone/>
-              <a:defRPr sz="2800"/>
-            </a:lvl2pPr>
-            <a:lvl3pPr marL="914400" indent="0">
-              <a:buNone/>
-              <a:defRPr sz="2400"/>
-            </a:lvl3pPr>
-            <a:lvl4pPr marL="1371600" indent="0">
-              <a:buNone/>
-              <a:defRPr sz="2000"/>
-            </a:lvl4pPr>
-            <a:lvl5pPr marL="1828800" indent="0">
-              <a:buNone/>
-              <a:defRPr sz="2000"/>
-            </a:lvl5pPr>
-            <a:lvl6pPr marL="2286000" indent="0">
-              <a:buNone/>
-              <a:defRPr sz="2000"/>
-            </a:lvl6pPr>
-            <a:lvl7pPr marL="2743200" indent="0">
-              <a:buNone/>
-              <a:defRPr sz="2000"/>
-            </a:lvl7pPr>
-            <a:lvl8pPr marL="3200400" indent="0">
-              <a:buNone/>
-              <a:defRPr sz="2000"/>
-            </a:lvl8pPr>
-            <a:lvl9pPr marL="3657600" indent="0">
-              <a:buNone/>
-              <a:defRPr sz="2000"/>
-            </a:lvl9pPr>
-          </a:lstStyle>
-          <a:p>
-            <a:endParaRPr lang="en-US"/>
-          </a:p>
-        </p:txBody>
-      </p:sp>
-      <p:sp>
-        <p:nvSpPr>
-          <p:cNvPr id="4" name="Text Placeholder 3"/>
-          <p:cNvSpPr>
-            <a:spLocks noGrp="1"/>
-          </p:cNvSpPr>
-          <p:nvPr>
-            <p:ph type="body" sz="half" idx="2"/>
-          </p:nvPr>
-        </p:nvSpPr>
-        <p:spPr>
-          <a:xfrm>
-            <a:off x="839788" y="2057400"/>
-            <a:ext cx="3932237" cy="3811588"/>
-          </a:xfrm>
-        </p:spPr>
-        <p:txBody>
-          <a:bodyPr/>
-          <a:lstStyle>
-            <a:lvl1pPr marL="0" indent="0">
+            <a:lvl1pPr marL="0" indent="0" algn="ctr">
               <a:buNone/>
               <a:defRPr sz="1600"/>
             </a:lvl1pPr>
             <a:lvl2pPr marL="457200" indent="0">
               <a:buNone/>
-              <a:defRPr sz="1400"/>
+              <a:defRPr sz="1600"/>
             </a:lvl2pPr>
             <a:lvl3pPr marL="914400" indent="0">
               <a:buNone/>
-              <a:defRPr sz="1200"/>
+              <a:defRPr sz="1600"/>
             </a:lvl3pPr>
             <a:lvl4pPr marL="1371600" indent="0">
               <a:buNone/>
-              <a:defRPr sz="1000"/>
+              <a:defRPr sz="1600"/>
             </a:lvl4pPr>
             <a:lvl5pPr marL="1828800" indent="0">
               <a:buNone/>
-              <a:defRPr sz="1000"/>
+              <a:defRPr sz="1600"/>
             </a:lvl5pPr>
             <a:lvl6pPr marL="2286000" indent="0">
               <a:buNone/>
-              <a:defRPr sz="1000"/>
+              <a:defRPr sz="1600"/>
             </a:lvl6pPr>
             <a:lvl7pPr marL="2743200" indent="0">
               <a:buNone/>
-              <a:defRPr sz="1000"/>
+              <a:defRPr sz="1600"/>
             </a:lvl7pPr>
             <a:lvl8pPr marL="3200400" indent="0">
               <a:buNone/>
-              <a:defRPr sz="1000"/>
+              <a:defRPr sz="1600"/>
             </a:lvl8pPr>
             <a:lvl9pPr marL="3657600" indent="0">
               <a:buNone/>
+              <a:defRPr sz="1600"/>
+            </a:lvl9pPr>
+          </a:lstStyle>
+          <a:p>
+            <a:r>
+              <a:rPr lang="en-US" smtClean="0"/>
+              <a:t>Click icon to add picture</a:t>
+            </a:r>
+            <a:endParaRPr lang="en-US" dirty="0"/>
+          </a:p>
+        </p:txBody>
+      </p:sp>
+      <p:sp>
+        <p:nvSpPr>
+          <p:cNvPr id="4" name="Text Placeholder 3"/>
+          <p:cNvSpPr>
+            <a:spLocks noGrp="1"/>
+          </p:cNvSpPr>
+          <p:nvPr>
+            <p:ph type="body" sz="half" idx="2"/>
+          </p:nvPr>
+        </p:nvSpPr>
+        <p:spPr>
+          <a:xfrm>
+            <a:off x="677334" y="5367338"/>
+            <a:ext cx="8596667" cy="674024"/>
+          </a:xfrm>
+        </p:spPr>
+        <p:txBody>
+          <a:bodyPr>
+            <a:normAutofit/>
+          </a:bodyPr>
+          <a:lstStyle>
+            <a:lvl1pPr marL="0" indent="0">
+              <a:buNone/>
+              <a:defRPr sz="1200"/>
+            </a:lvl1pPr>
+            <a:lvl2pPr marL="457200" indent="0">
+              <a:buNone/>
+              <a:defRPr sz="1200"/>
+            </a:lvl2pPr>
+            <a:lvl3pPr marL="914400" indent="0">
+              <a:buNone/>
               <a:defRPr sz="1000"/>
+            </a:lvl3pPr>
+            <a:lvl4pPr marL="1371600" indent="0">
+              <a:buNone/>
+              <a:defRPr sz="900"/>
+            </a:lvl4pPr>
+            <a:lvl5pPr marL="1828800" indent="0">
+              <a:buNone/>
+              <a:defRPr sz="900"/>
+            </a:lvl5pPr>
+            <a:lvl6pPr marL="2286000" indent="0">
+              <a:buNone/>
+              <a:defRPr sz="900"/>
+            </a:lvl6pPr>
+            <a:lvl7pPr marL="2743200" indent="0">
+              <a:buNone/>
+              <a:defRPr sz="900"/>
+            </a:lvl7pPr>
+            <a:lvl8pPr marL="3200400" indent="0">
+              <a:buNone/>
+              <a:defRPr sz="900"/>
+            </a:lvl8pPr>
+            <a:lvl9pPr marL="3657600" indent="0">
+              <a:buNone/>
+              <a:defRPr sz="900"/>
             </a:lvl9pPr>
           </a:lstStyle>
           <a:p>
@@ -2405,7 +4616,7 @@
     </p:spTree>
     <p:extLst>
       <p:ext uri="{BB962C8B-B14F-4D97-AF65-F5344CB8AC3E}">
-        <p14:creationId xmlns:p14="http://schemas.microsoft.com/office/powerpoint/2010/main" val="1462189260"/>
+        <p14:creationId xmlns:p14="http://schemas.microsoft.com/office/powerpoint/2010/main" val="2001860354"/>
       </p:ext>
     </p:extLst>
   </p:cSld>
@@ -2437,6 +4648,536 @@
           <a:chExt cx="0" cy="0"/>
         </a:xfrm>
       </p:grpSpPr>
+      <p:grpSp>
+        <p:nvGrpSpPr>
+          <p:cNvPr id="7" name="Group 6"/>
+          <p:cNvGrpSpPr/>
+          <p:nvPr/>
+        </p:nvGrpSpPr>
+        <p:grpSpPr>
+          <a:xfrm>
+            <a:off x="0" y="-8467"/>
+            <a:ext cx="12192000" cy="6866467"/>
+            <a:chOff x="0" y="-8467"/>
+            <a:chExt cx="12192000" cy="6866467"/>
+          </a:xfrm>
+        </p:grpSpPr>
+        <p:cxnSp>
+          <p:nvCxnSpPr>
+            <p:cNvPr id="20" name="Straight Connector 19"/>
+            <p:cNvCxnSpPr/>
+            <p:nvPr/>
+          </p:nvCxnSpPr>
+          <p:spPr>
+            <a:xfrm>
+              <a:off x="9371012" y="0"/>
+              <a:ext cx="1219200" cy="6858000"/>
+            </a:xfrm>
+            <a:prstGeom prst="line">
+              <a:avLst/>
+            </a:prstGeom>
+            <a:ln w="9525">
+              <a:solidFill>
+                <a:schemeClr val="bg1">
+                  <a:lumMod val="75000"/>
+                </a:schemeClr>
+              </a:solidFill>
+            </a:ln>
+          </p:spPr>
+          <p:style>
+            <a:lnRef idx="2">
+              <a:schemeClr val="accent1"/>
+            </a:lnRef>
+            <a:fillRef idx="0">
+              <a:schemeClr val="accent1"/>
+            </a:fillRef>
+            <a:effectRef idx="1">
+              <a:schemeClr val="accent1"/>
+            </a:effectRef>
+            <a:fontRef idx="minor">
+              <a:schemeClr val="tx1"/>
+            </a:fontRef>
+          </p:style>
+        </p:cxnSp>
+        <p:cxnSp>
+          <p:nvCxnSpPr>
+            <p:cNvPr id="21" name="Straight Connector 20"/>
+            <p:cNvCxnSpPr/>
+            <p:nvPr/>
+          </p:nvCxnSpPr>
+          <p:spPr>
+            <a:xfrm flipH="1">
+              <a:off x="7425267" y="3681413"/>
+              <a:ext cx="4763558" cy="3176587"/>
+            </a:xfrm>
+            <a:prstGeom prst="line">
+              <a:avLst/>
+            </a:prstGeom>
+            <a:ln w="9525">
+              <a:solidFill>
+                <a:schemeClr val="bg1">
+                  <a:lumMod val="85000"/>
+                </a:schemeClr>
+              </a:solidFill>
+            </a:ln>
+          </p:spPr>
+          <p:style>
+            <a:lnRef idx="2">
+              <a:schemeClr val="accent1"/>
+            </a:lnRef>
+            <a:fillRef idx="0">
+              <a:schemeClr val="accent1"/>
+            </a:fillRef>
+            <a:effectRef idx="1">
+              <a:schemeClr val="accent1"/>
+            </a:effectRef>
+            <a:fontRef idx="minor">
+              <a:schemeClr val="tx1"/>
+            </a:fontRef>
+          </p:style>
+        </p:cxnSp>
+        <p:sp>
+          <p:nvSpPr>
+            <p:cNvPr id="22" name="Rectangle 23"/>
+            <p:cNvSpPr/>
+            <p:nvPr/>
+          </p:nvSpPr>
+          <p:spPr>
+            <a:xfrm>
+              <a:off x="9181476" y="-8467"/>
+              <a:ext cx="3007349" cy="6866467"/>
+            </a:xfrm>
+            <a:custGeom>
+              <a:avLst/>
+              <a:gdLst/>
+              <a:ahLst/>
+              <a:cxnLst/>
+              <a:rect l="l" t="t" r="r" b="b"/>
+              <a:pathLst>
+                <a:path w="3007349" h="6866467">
+                  <a:moveTo>
+                    <a:pt x="2045532" y="0"/>
+                  </a:moveTo>
+                  <a:lnTo>
+                    <a:pt x="3007349" y="0"/>
+                  </a:lnTo>
+                  <a:lnTo>
+                    <a:pt x="3007349" y="6866467"/>
+                  </a:lnTo>
+                  <a:lnTo>
+                    <a:pt x="0" y="6866467"/>
+                  </a:lnTo>
+                  <a:lnTo>
+                    <a:pt x="2045532" y="0"/>
+                  </a:lnTo>
+                  <a:close/>
+                </a:path>
+              </a:pathLst>
+            </a:custGeom>
+            <a:solidFill>
+              <a:schemeClr val="accent1">
+                <a:alpha val="30000"/>
+              </a:schemeClr>
+            </a:solidFill>
+            <a:ln>
+              <a:noFill/>
+            </a:ln>
+            <a:effectLst/>
+          </p:spPr>
+          <p:style>
+            <a:lnRef idx="1">
+              <a:schemeClr val="accent1"/>
+            </a:lnRef>
+            <a:fillRef idx="3">
+              <a:schemeClr val="accent1"/>
+            </a:fillRef>
+            <a:effectRef idx="2">
+              <a:schemeClr val="accent1"/>
+            </a:effectRef>
+            <a:fontRef idx="minor">
+              <a:schemeClr val="lt1"/>
+            </a:fontRef>
+          </p:style>
+        </p:sp>
+        <p:sp>
+          <p:nvSpPr>
+            <p:cNvPr id="23" name="Rectangle 25"/>
+            <p:cNvSpPr/>
+            <p:nvPr/>
+          </p:nvSpPr>
+          <p:spPr>
+            <a:xfrm>
+              <a:off x="9603442" y="-8467"/>
+              <a:ext cx="2588558" cy="6866467"/>
+            </a:xfrm>
+            <a:custGeom>
+              <a:avLst/>
+              <a:gdLst/>
+              <a:ahLst/>
+              <a:cxnLst/>
+              <a:rect l="l" t="t" r="r" b="b"/>
+              <a:pathLst>
+                <a:path w="2573311" h="6866467">
+                  <a:moveTo>
+                    <a:pt x="0" y="0"/>
+                  </a:moveTo>
+                  <a:lnTo>
+                    <a:pt x="2573311" y="0"/>
+                  </a:lnTo>
+                  <a:lnTo>
+                    <a:pt x="2573311" y="6866467"/>
+                  </a:lnTo>
+                  <a:lnTo>
+                    <a:pt x="1202336" y="6866467"/>
+                  </a:lnTo>
+                  <a:lnTo>
+                    <a:pt x="0" y="0"/>
+                  </a:lnTo>
+                  <a:close/>
+                </a:path>
+              </a:pathLst>
+            </a:custGeom>
+            <a:solidFill>
+              <a:schemeClr val="accent1">
+                <a:alpha val="20000"/>
+              </a:schemeClr>
+            </a:solidFill>
+            <a:ln>
+              <a:noFill/>
+            </a:ln>
+            <a:effectLst/>
+          </p:spPr>
+          <p:style>
+            <a:lnRef idx="1">
+              <a:schemeClr val="accent1"/>
+            </a:lnRef>
+            <a:fillRef idx="3">
+              <a:schemeClr val="accent1"/>
+            </a:fillRef>
+            <a:effectRef idx="2">
+              <a:schemeClr val="accent1"/>
+            </a:effectRef>
+            <a:fontRef idx="minor">
+              <a:schemeClr val="lt1"/>
+            </a:fontRef>
+          </p:style>
+        </p:sp>
+        <p:sp>
+          <p:nvSpPr>
+            <p:cNvPr id="24" name="Isosceles Triangle 23"/>
+            <p:cNvSpPr/>
+            <p:nvPr/>
+          </p:nvSpPr>
+          <p:spPr>
+            <a:xfrm>
+              <a:off x="8932333" y="3048000"/>
+              <a:ext cx="3259667" cy="3810000"/>
+            </a:xfrm>
+            <a:prstGeom prst="triangle">
+              <a:avLst>
+                <a:gd name="adj" fmla="val 100000"/>
+              </a:avLst>
+            </a:prstGeom>
+            <a:solidFill>
+              <a:schemeClr val="accent2">
+                <a:alpha val="72000"/>
+              </a:schemeClr>
+            </a:solidFill>
+            <a:ln>
+              <a:noFill/>
+            </a:ln>
+            <a:effectLst/>
+          </p:spPr>
+          <p:style>
+            <a:lnRef idx="1">
+              <a:schemeClr val="accent1"/>
+            </a:lnRef>
+            <a:fillRef idx="3">
+              <a:schemeClr val="accent1"/>
+            </a:fillRef>
+            <a:effectRef idx="2">
+              <a:schemeClr val="accent1"/>
+            </a:effectRef>
+            <a:fontRef idx="minor">
+              <a:schemeClr val="lt1"/>
+            </a:fontRef>
+          </p:style>
+        </p:sp>
+        <p:sp>
+          <p:nvSpPr>
+            <p:cNvPr id="25" name="Rectangle 27"/>
+            <p:cNvSpPr/>
+            <p:nvPr/>
+          </p:nvSpPr>
+          <p:spPr>
+            <a:xfrm>
+              <a:off x="9334500" y="-8467"/>
+              <a:ext cx="2854326" cy="6866467"/>
+            </a:xfrm>
+            <a:custGeom>
+              <a:avLst/>
+              <a:gdLst/>
+              <a:ahLst/>
+              <a:cxnLst/>
+              <a:rect l="l" t="t" r="r" b="b"/>
+              <a:pathLst>
+                <a:path w="2858013" h="6866467">
+                  <a:moveTo>
+                    <a:pt x="0" y="0"/>
+                  </a:moveTo>
+                  <a:lnTo>
+                    <a:pt x="2858013" y="0"/>
+                  </a:lnTo>
+                  <a:lnTo>
+                    <a:pt x="2858013" y="6866467"/>
+                  </a:lnTo>
+                  <a:lnTo>
+                    <a:pt x="2473942" y="6866467"/>
+                  </a:lnTo>
+                  <a:lnTo>
+                    <a:pt x="0" y="0"/>
+                  </a:lnTo>
+                  <a:close/>
+                </a:path>
+              </a:pathLst>
+            </a:custGeom>
+            <a:solidFill>
+              <a:schemeClr val="accent2">
+                <a:lumMod val="75000"/>
+                <a:alpha val="70000"/>
+              </a:schemeClr>
+            </a:solidFill>
+            <a:ln>
+              <a:noFill/>
+            </a:ln>
+            <a:effectLst/>
+          </p:spPr>
+          <p:style>
+            <a:lnRef idx="1">
+              <a:schemeClr val="accent1"/>
+            </a:lnRef>
+            <a:fillRef idx="3">
+              <a:schemeClr val="accent1"/>
+            </a:fillRef>
+            <a:effectRef idx="2">
+              <a:schemeClr val="accent1"/>
+            </a:effectRef>
+            <a:fontRef idx="minor">
+              <a:schemeClr val="lt1"/>
+            </a:fontRef>
+          </p:style>
+        </p:sp>
+        <p:sp>
+          <p:nvSpPr>
+            <p:cNvPr id="26" name="Rectangle 28"/>
+            <p:cNvSpPr/>
+            <p:nvPr/>
+          </p:nvSpPr>
+          <p:spPr>
+            <a:xfrm>
+              <a:off x="10898730" y="-8467"/>
+              <a:ext cx="1290094" cy="6866467"/>
+            </a:xfrm>
+            <a:custGeom>
+              <a:avLst/>
+              <a:gdLst/>
+              <a:ahLst/>
+              <a:cxnLst/>
+              <a:rect l="l" t="t" r="r" b="b"/>
+              <a:pathLst>
+                <a:path w="1290094" h="6858000">
+                  <a:moveTo>
+                    <a:pt x="1019735" y="0"/>
+                  </a:moveTo>
+                  <a:lnTo>
+                    <a:pt x="1290094" y="0"/>
+                  </a:lnTo>
+                  <a:lnTo>
+                    <a:pt x="1290094" y="6858000"/>
+                  </a:lnTo>
+                  <a:lnTo>
+                    <a:pt x="0" y="6858000"/>
+                  </a:lnTo>
+                  <a:lnTo>
+                    <a:pt x="1019735" y="0"/>
+                  </a:lnTo>
+                  <a:close/>
+                </a:path>
+              </a:pathLst>
+            </a:custGeom>
+            <a:solidFill>
+              <a:schemeClr val="accent1">
+                <a:lumMod val="60000"/>
+                <a:lumOff val="40000"/>
+                <a:alpha val="70000"/>
+              </a:schemeClr>
+            </a:solidFill>
+            <a:ln>
+              <a:noFill/>
+            </a:ln>
+            <a:effectLst/>
+          </p:spPr>
+          <p:style>
+            <a:lnRef idx="1">
+              <a:schemeClr val="accent1"/>
+            </a:lnRef>
+            <a:fillRef idx="3">
+              <a:schemeClr val="accent1"/>
+            </a:fillRef>
+            <a:effectRef idx="2">
+              <a:schemeClr val="accent1"/>
+            </a:effectRef>
+            <a:fontRef idx="minor">
+              <a:schemeClr val="lt1"/>
+            </a:fontRef>
+          </p:style>
+        </p:sp>
+        <p:sp>
+          <p:nvSpPr>
+            <p:cNvPr id="27" name="Rectangle 29"/>
+            <p:cNvSpPr/>
+            <p:nvPr/>
+          </p:nvSpPr>
+          <p:spPr>
+            <a:xfrm>
+              <a:off x="10938999" y="-8467"/>
+              <a:ext cx="1249825" cy="6866467"/>
+            </a:xfrm>
+            <a:custGeom>
+              <a:avLst/>
+              <a:gdLst/>
+              <a:ahLst/>
+              <a:cxnLst/>
+              <a:rect l="l" t="t" r="r" b="b"/>
+              <a:pathLst>
+                <a:path w="1249825" h="6858000">
+                  <a:moveTo>
+                    <a:pt x="0" y="0"/>
+                  </a:moveTo>
+                  <a:lnTo>
+                    <a:pt x="1249825" y="0"/>
+                  </a:lnTo>
+                  <a:lnTo>
+                    <a:pt x="1249825" y="6858000"/>
+                  </a:lnTo>
+                  <a:lnTo>
+                    <a:pt x="1109382" y="6858000"/>
+                  </a:lnTo>
+                  <a:lnTo>
+                    <a:pt x="0" y="0"/>
+                  </a:lnTo>
+                  <a:close/>
+                </a:path>
+              </a:pathLst>
+            </a:custGeom>
+            <a:solidFill>
+              <a:schemeClr val="accent1">
+                <a:alpha val="65000"/>
+              </a:schemeClr>
+            </a:solidFill>
+            <a:ln>
+              <a:noFill/>
+            </a:ln>
+            <a:effectLst/>
+          </p:spPr>
+          <p:style>
+            <a:lnRef idx="1">
+              <a:schemeClr val="accent1"/>
+            </a:lnRef>
+            <a:fillRef idx="3">
+              <a:schemeClr val="accent1"/>
+            </a:fillRef>
+            <a:effectRef idx="2">
+              <a:schemeClr val="accent1"/>
+            </a:effectRef>
+            <a:fontRef idx="minor">
+              <a:schemeClr val="lt1"/>
+            </a:fontRef>
+          </p:style>
+        </p:sp>
+        <p:sp>
+          <p:nvSpPr>
+            <p:cNvPr id="28" name="Isosceles Triangle 27"/>
+            <p:cNvSpPr/>
+            <p:nvPr/>
+          </p:nvSpPr>
+          <p:spPr>
+            <a:xfrm>
+              <a:off x="10371666" y="3589867"/>
+              <a:ext cx="1817159" cy="3268133"/>
+            </a:xfrm>
+            <a:prstGeom prst="triangle">
+              <a:avLst>
+                <a:gd name="adj" fmla="val 100000"/>
+              </a:avLst>
+            </a:prstGeom>
+            <a:solidFill>
+              <a:schemeClr val="accent1">
+                <a:alpha val="80000"/>
+              </a:schemeClr>
+            </a:solidFill>
+            <a:ln>
+              <a:noFill/>
+            </a:ln>
+            <a:effectLst/>
+          </p:spPr>
+          <p:style>
+            <a:lnRef idx="1">
+              <a:schemeClr val="accent1"/>
+            </a:lnRef>
+            <a:fillRef idx="3">
+              <a:schemeClr val="accent1"/>
+            </a:fillRef>
+            <a:effectRef idx="2">
+              <a:schemeClr val="accent1"/>
+            </a:effectRef>
+            <a:fontRef idx="minor">
+              <a:schemeClr val="lt1"/>
+            </a:fontRef>
+          </p:style>
+        </p:sp>
+        <p:sp>
+          <p:nvSpPr>
+            <p:cNvPr id="29" name="Isosceles Triangle 28"/>
+            <p:cNvSpPr/>
+            <p:nvPr/>
+          </p:nvSpPr>
+          <p:spPr>
+            <a:xfrm>
+              <a:off x="0" y="4013200"/>
+              <a:ext cx="448733" cy="2844800"/>
+            </a:xfrm>
+            <a:prstGeom prst="triangle">
+              <a:avLst>
+                <a:gd name="adj" fmla="val 0"/>
+              </a:avLst>
+            </a:prstGeom>
+            <a:solidFill>
+              <a:schemeClr val="accent1">
+                <a:alpha val="85000"/>
+              </a:schemeClr>
+            </a:solidFill>
+            <a:ln>
+              <a:noFill/>
+            </a:ln>
+            <a:effectLst/>
+          </p:spPr>
+          <p:style>
+            <a:lnRef idx="1">
+              <a:schemeClr val="accent1"/>
+            </a:lnRef>
+            <a:fillRef idx="3">
+              <a:schemeClr val="accent1"/>
+            </a:fillRef>
+            <a:effectRef idx="2">
+              <a:schemeClr val="accent1"/>
+            </a:effectRef>
+            <a:fontRef idx="minor">
+              <a:schemeClr val="lt1"/>
+            </a:fontRef>
+          </p:style>
+        </p:sp>
+      </p:grpSp>
       <p:sp>
         <p:nvSpPr>
           <p:cNvPr id="2" name="Title Placeholder 1"/>
@@ -2449,15 +5190,15 @@
         </p:nvSpPr>
         <p:spPr>
           <a:xfrm>
-            <a:off x="838200" y="365125"/>
-            <a:ext cx="10515600" cy="1325563"/>
+            <a:off x="677334" y="609600"/>
+            <a:ext cx="8596668" cy="1320800"/>
           </a:xfrm>
           <a:prstGeom prst="rect">
             <a:avLst/>
           </a:prstGeom>
         </p:spPr>
         <p:txBody>
-          <a:bodyPr vert="horz" lIns="91440" tIns="45720" rIns="91440" bIns="45720" rtlCol="0" anchor="ctr">
+          <a:bodyPr vert="horz" lIns="91440" tIns="45720" rIns="91440" bIns="45720" rtlCol="0" anchor="t">
             <a:normAutofit/>
           </a:bodyPr>
           <a:lstStyle/>
@@ -2466,7 +5207,7 @@
               <a:rPr lang="en-US" smtClean="0"/>
               <a:t>Click to edit Master title style</a:t>
             </a:r>
-            <a:endParaRPr lang="en-US"/>
+            <a:endParaRPr lang="en-US" dirty="0"/>
           </a:p>
         </p:txBody>
       </p:sp>
@@ -2482,8 +5223,8 @@
         </p:nvSpPr>
         <p:spPr>
           <a:xfrm>
-            <a:off x="838200" y="1825625"/>
-            <a:ext cx="10515600" cy="4351338"/>
+            <a:off x="677334" y="2160589"/>
+            <a:ext cx="8596668" cy="3880773"/>
           </a:xfrm>
           <a:prstGeom prst="rect">
             <a:avLst/>
@@ -2528,7 +5269,7 @@
               <a:rPr lang="en-US" smtClean="0"/>
               <a:t>Fifth level</a:t>
             </a:r>
-            <a:endParaRPr lang="en-US"/>
+            <a:endParaRPr lang="en-US" dirty="0"/>
           </a:p>
         </p:txBody>
       </p:sp>
@@ -2544,8 +5285,8 @@
         </p:nvSpPr>
         <p:spPr>
           <a:xfrm>
-            <a:off x="838200" y="6356350"/>
-            <a:ext cx="2743200" cy="365125"/>
+            <a:off x="7205133" y="6041362"/>
+            <a:ext cx="911939" cy="365125"/>
           </a:xfrm>
           <a:prstGeom prst="rect">
             <a:avLst/>
@@ -2554,8 +5295,8 @@
         <p:txBody>
           <a:bodyPr vert="horz" lIns="91440" tIns="45720" rIns="91440" bIns="45720" rtlCol="0" anchor="ctr"/>
           <a:lstStyle>
-            <a:lvl1pPr algn="l">
-              <a:defRPr sz="1200">
+            <a:lvl1pPr algn="r">
+              <a:defRPr sz="900">
                 <a:solidFill>
                   <a:schemeClr val="tx1">
                     <a:tint val="75000"/>
@@ -2585,8 +5326,8 @@
         </p:nvSpPr>
         <p:spPr>
           <a:xfrm>
-            <a:off x="4038600" y="6356350"/>
-            <a:ext cx="4114800" cy="365125"/>
+            <a:off x="677334" y="6041362"/>
+            <a:ext cx="6297612" cy="365125"/>
           </a:xfrm>
           <a:prstGeom prst="rect">
             <a:avLst/>
@@ -2595,8 +5336,8 @@
         <p:txBody>
           <a:bodyPr vert="horz" lIns="91440" tIns="45720" rIns="91440" bIns="45720" rtlCol="0" anchor="ctr"/>
           <a:lstStyle>
-            <a:lvl1pPr algn="ctr">
-              <a:defRPr sz="1200">
+            <a:lvl1pPr algn="l">
+              <a:defRPr sz="900">
                 <a:solidFill>
                   <a:schemeClr val="tx1">
                     <a:tint val="75000"/>
@@ -2622,8 +5363,8 @@
         </p:nvSpPr>
         <p:spPr>
           <a:xfrm>
-            <a:off x="8610600" y="6356350"/>
-            <a:ext cx="2743200" cy="365125"/>
+            <a:off x="8590663" y="6041362"/>
+            <a:ext cx="683339" cy="365125"/>
           </a:xfrm>
           <a:prstGeom prst="rect">
             <a:avLst/>
@@ -2633,11 +5374,9 @@
           <a:bodyPr vert="horz" lIns="91440" tIns="45720" rIns="91440" bIns="45720" rtlCol="0" anchor="ctr"/>
           <a:lstStyle>
             <a:lvl1pPr algn="r">
-              <a:defRPr sz="1200">
-                <a:solidFill>
-                  <a:schemeClr val="tx1">
-                    <a:tint val="75000"/>
-                  </a:schemeClr>
+              <a:defRPr sz="900">
+                <a:solidFill>
+                  <a:schemeClr val="accent1"/>
                 </a:solidFill>
               </a:defRPr>
             </a:lvl1pPr>
@@ -2654,201 +5393,322 @@
     </p:spTree>
     <p:extLst>
       <p:ext uri="{BB962C8B-B14F-4D97-AF65-F5344CB8AC3E}">
-        <p14:creationId xmlns:p14="http://schemas.microsoft.com/office/powerpoint/2010/main" val="295777208"/>
+        <p14:creationId xmlns:p14="http://schemas.microsoft.com/office/powerpoint/2010/main" val="3779686526"/>
       </p:ext>
     </p:extLst>
   </p:cSld>
   <p:clrMap bg1="lt1" tx1="dk1" bg2="lt2" tx2="dk2" accent1="accent1" accent2="accent2" accent3="accent3" accent4="accent4" accent5="accent5" accent6="accent6" hlink="hlink" folHlink="folHlink"/>
   <p:sldLayoutIdLst>
-    <p:sldLayoutId id="2147483649" r:id="rId1"/>
-    <p:sldLayoutId id="2147483650" r:id="rId2"/>
-    <p:sldLayoutId id="2147483651" r:id="rId3"/>
-    <p:sldLayoutId id="2147483652" r:id="rId4"/>
-    <p:sldLayoutId id="2147483653" r:id="rId5"/>
-    <p:sldLayoutId id="2147483654" r:id="rId6"/>
-    <p:sldLayoutId id="2147483655" r:id="rId7"/>
-    <p:sldLayoutId id="2147483656" r:id="rId8"/>
-    <p:sldLayoutId id="2147483657" r:id="rId9"/>
-    <p:sldLayoutId id="2147483658" r:id="rId10"/>
-    <p:sldLayoutId id="2147483659" r:id="rId11"/>
+    <p:sldLayoutId id="2147483731" r:id="rId1"/>
+    <p:sldLayoutId id="2147483732" r:id="rId2"/>
+    <p:sldLayoutId id="2147483733" r:id="rId3"/>
+    <p:sldLayoutId id="2147483734" r:id="rId4"/>
+    <p:sldLayoutId id="2147483735" r:id="rId5"/>
+    <p:sldLayoutId id="2147483736" r:id="rId6"/>
+    <p:sldLayoutId id="2147483737" r:id="rId7"/>
+    <p:sldLayoutId id="2147483738" r:id="rId8"/>
+    <p:sldLayoutId id="2147483739" r:id="rId9"/>
+    <p:sldLayoutId id="2147483740" r:id="rId10"/>
+    <p:sldLayoutId id="2147483741" r:id="rId11"/>
+    <p:sldLayoutId id="2147483742" r:id="rId12"/>
+    <p:sldLayoutId id="2147483743" r:id="rId13"/>
+    <p:sldLayoutId id="2147483744" r:id="rId14"/>
+    <p:sldLayoutId id="2147483745" r:id="rId15"/>
+    <p:sldLayoutId id="2147483746" r:id="rId16"/>
   </p:sldLayoutIdLst>
   <p:txStyles>
     <p:titleStyle>
-      <a:lvl1pPr algn="l" defTabSz="914400" rtl="0" eaLnBrk="1" latinLnBrk="0" hangingPunct="1">
-        <a:lnSpc>
-          <a:spcPct val="90000"/>
-        </a:lnSpc>
+      <a:lvl1pPr algn="l" defTabSz="457200" rtl="0" eaLnBrk="1" latinLnBrk="0" hangingPunct="1">
         <a:spcBef>
           <a:spcPct val="0"/>
         </a:spcBef>
         <a:buNone/>
-        <a:defRPr sz="4400" kern="1200">
+        <a:defRPr sz="3600" kern="1200">
           <a:solidFill>
-            <a:schemeClr val="tx1"/>
+            <a:schemeClr val="accent1"/>
           </a:solidFill>
           <a:latin typeface="+mj-lt"/>
           <a:ea typeface="+mj-ea"/>
           <a:cs typeface="+mj-cs"/>
         </a:defRPr>
       </a:lvl1pPr>
+      <a:lvl2pPr eaLnBrk="1" hangingPunct="1">
+        <a:defRPr>
+          <a:solidFill>
+            <a:schemeClr val="tx2"/>
+          </a:solidFill>
+        </a:defRPr>
+      </a:lvl2pPr>
+      <a:lvl3pPr eaLnBrk="1" hangingPunct="1">
+        <a:defRPr>
+          <a:solidFill>
+            <a:schemeClr val="tx2"/>
+          </a:solidFill>
+        </a:defRPr>
+      </a:lvl3pPr>
+      <a:lvl4pPr eaLnBrk="1" hangingPunct="1">
+        <a:defRPr>
+          <a:solidFill>
+            <a:schemeClr val="tx2"/>
+          </a:solidFill>
+        </a:defRPr>
+      </a:lvl4pPr>
+      <a:lvl5pPr eaLnBrk="1" hangingPunct="1">
+        <a:defRPr>
+          <a:solidFill>
+            <a:schemeClr val="tx2"/>
+          </a:solidFill>
+        </a:defRPr>
+      </a:lvl5pPr>
+      <a:lvl6pPr eaLnBrk="1" hangingPunct="1">
+        <a:defRPr>
+          <a:solidFill>
+            <a:schemeClr val="tx2"/>
+          </a:solidFill>
+        </a:defRPr>
+      </a:lvl6pPr>
+      <a:lvl7pPr eaLnBrk="1" hangingPunct="1">
+        <a:defRPr>
+          <a:solidFill>
+            <a:schemeClr val="tx2"/>
+          </a:solidFill>
+        </a:defRPr>
+      </a:lvl7pPr>
+      <a:lvl8pPr eaLnBrk="1" hangingPunct="1">
+        <a:defRPr>
+          <a:solidFill>
+            <a:schemeClr val="tx2"/>
+          </a:solidFill>
+        </a:defRPr>
+      </a:lvl8pPr>
+      <a:lvl9pPr eaLnBrk="1" hangingPunct="1">
+        <a:defRPr>
+          <a:solidFill>
+            <a:schemeClr val="tx2"/>
+          </a:solidFill>
+        </a:defRPr>
+      </a:lvl9pPr>
     </p:titleStyle>
     <p:bodyStyle>
-      <a:lvl1pPr marL="228600" indent="-228600" algn="l" defTabSz="914400" rtl="0" eaLnBrk="1" latinLnBrk="0" hangingPunct="1">
-        <a:lnSpc>
-          <a:spcPct val="90000"/>
-        </a:lnSpc>
+      <a:lvl1pPr marL="342900" indent="-342900" algn="l" defTabSz="457200" rtl="0" eaLnBrk="1" latinLnBrk="0" hangingPunct="1">
         <a:spcBef>
           <a:spcPts val="1000"/>
         </a:spcBef>
-        <a:buFont typeface="Arial" panose="020B0604020202020204" pitchFamily="34" charset="0"/>
-        <a:buChar char="•"/>
-        <a:defRPr sz="2800" kern="1200">
+        <a:spcAft>
+          <a:spcPts val="0"/>
+        </a:spcAft>
+        <a:buClr>
+          <a:schemeClr val="accent1"/>
+        </a:buClr>
+        <a:buSzPct val="80000"/>
+        <a:buFont typeface="Wingdings 3" charset="2"/>
+        <a:buChar char=""/>
+        <a:defRPr sz="1800" kern="1200">
           <a:solidFill>
-            <a:schemeClr val="tx1"/>
+            <a:schemeClr val="tx1">
+              <a:lumMod val="75000"/>
+              <a:lumOff val="25000"/>
+            </a:schemeClr>
           </a:solidFill>
           <a:latin typeface="+mn-lt"/>
           <a:ea typeface="+mn-ea"/>
           <a:cs typeface="+mn-cs"/>
         </a:defRPr>
       </a:lvl1pPr>
-      <a:lvl2pPr marL="685800" indent="-228600" algn="l" defTabSz="914400" rtl="0" eaLnBrk="1" latinLnBrk="0" hangingPunct="1">
-        <a:lnSpc>
-          <a:spcPct val="90000"/>
-        </a:lnSpc>
+      <a:lvl2pPr marL="742950" indent="-285750" algn="l" defTabSz="457200" rtl="0" eaLnBrk="1" latinLnBrk="0" hangingPunct="1">
         <a:spcBef>
-          <a:spcPts val="500"/>
+          <a:spcPts val="1000"/>
         </a:spcBef>
-        <a:buFont typeface="Arial" panose="020B0604020202020204" pitchFamily="34" charset="0"/>
-        <a:buChar char="•"/>
-        <a:defRPr sz="2400" kern="1200">
+        <a:spcAft>
+          <a:spcPts val="0"/>
+        </a:spcAft>
+        <a:buClr>
+          <a:schemeClr val="accent1"/>
+        </a:buClr>
+        <a:buSzPct val="80000"/>
+        <a:buFont typeface="Wingdings 3" charset="2"/>
+        <a:buChar char=""/>
+        <a:defRPr sz="1600" kern="1200">
           <a:solidFill>
-            <a:schemeClr val="tx1"/>
+            <a:schemeClr val="tx1">
+              <a:lumMod val="75000"/>
+              <a:lumOff val="25000"/>
+            </a:schemeClr>
           </a:solidFill>
           <a:latin typeface="+mn-lt"/>
           <a:ea typeface="+mn-ea"/>
           <a:cs typeface="+mn-cs"/>
         </a:defRPr>
       </a:lvl2pPr>
-      <a:lvl3pPr marL="1143000" indent="-228600" algn="l" defTabSz="914400" rtl="0" eaLnBrk="1" latinLnBrk="0" hangingPunct="1">
-        <a:lnSpc>
-          <a:spcPct val="90000"/>
-        </a:lnSpc>
+      <a:lvl3pPr marL="1143000" indent="-228600" algn="l" defTabSz="457200" rtl="0" eaLnBrk="1" latinLnBrk="0" hangingPunct="1">
         <a:spcBef>
-          <a:spcPts val="500"/>
+          <a:spcPts val="1000"/>
         </a:spcBef>
-        <a:buFont typeface="Arial" panose="020B0604020202020204" pitchFamily="34" charset="0"/>
-        <a:buChar char="•"/>
-        <a:defRPr sz="2000" kern="1200">
+        <a:spcAft>
+          <a:spcPts val="0"/>
+        </a:spcAft>
+        <a:buClr>
+          <a:schemeClr val="accent1"/>
+        </a:buClr>
+        <a:buSzPct val="80000"/>
+        <a:buFont typeface="Wingdings 3" charset="2"/>
+        <a:buChar char=""/>
+        <a:defRPr sz="1400" kern="1200">
           <a:solidFill>
-            <a:schemeClr val="tx1"/>
+            <a:schemeClr val="tx1">
+              <a:lumMod val="75000"/>
+              <a:lumOff val="25000"/>
+            </a:schemeClr>
           </a:solidFill>
           <a:latin typeface="+mn-lt"/>
           <a:ea typeface="+mn-ea"/>
           <a:cs typeface="+mn-cs"/>
         </a:defRPr>
       </a:lvl3pPr>
-      <a:lvl4pPr marL="1600200" indent="-228600" algn="l" defTabSz="914400" rtl="0" eaLnBrk="1" latinLnBrk="0" hangingPunct="1">
-        <a:lnSpc>
-          <a:spcPct val="90000"/>
-        </a:lnSpc>
+      <a:lvl4pPr marL="1600200" indent="-228600" algn="l" defTabSz="457200" rtl="0" eaLnBrk="1" latinLnBrk="0" hangingPunct="1">
         <a:spcBef>
-          <a:spcPts val="500"/>
+          <a:spcPts val="1000"/>
         </a:spcBef>
-        <a:buFont typeface="Arial" panose="020B0604020202020204" pitchFamily="34" charset="0"/>
-        <a:buChar char="•"/>
-        <a:defRPr sz="1800" kern="1200">
+        <a:spcAft>
+          <a:spcPts val="0"/>
+        </a:spcAft>
+        <a:buClr>
+          <a:schemeClr val="accent1"/>
+        </a:buClr>
+        <a:buSzPct val="80000"/>
+        <a:buFont typeface="Wingdings 3" charset="2"/>
+        <a:buChar char=""/>
+        <a:defRPr sz="1200" kern="1200">
           <a:solidFill>
-            <a:schemeClr val="tx1"/>
+            <a:schemeClr val="tx1">
+              <a:lumMod val="75000"/>
+              <a:lumOff val="25000"/>
+            </a:schemeClr>
           </a:solidFill>
           <a:latin typeface="+mn-lt"/>
           <a:ea typeface="+mn-ea"/>
           <a:cs typeface="+mn-cs"/>
         </a:defRPr>
       </a:lvl4pPr>
-      <a:lvl5pPr marL="2057400" indent="-228600" algn="l" defTabSz="914400" rtl="0" eaLnBrk="1" latinLnBrk="0" hangingPunct="1">
-        <a:lnSpc>
-          <a:spcPct val="90000"/>
-        </a:lnSpc>
+      <a:lvl5pPr marL="2057400" indent="-228600" algn="l" defTabSz="457200" rtl="0" eaLnBrk="1" latinLnBrk="0" hangingPunct="1">
         <a:spcBef>
-          <a:spcPts val="500"/>
+          <a:spcPts val="1000"/>
         </a:spcBef>
-        <a:buFont typeface="Arial" panose="020B0604020202020204" pitchFamily="34" charset="0"/>
-        <a:buChar char="•"/>
-        <a:defRPr sz="1800" kern="1200">
+        <a:spcAft>
+          <a:spcPts val="0"/>
+        </a:spcAft>
+        <a:buClr>
+          <a:schemeClr val="accent1"/>
+        </a:buClr>
+        <a:buSzPct val="80000"/>
+        <a:buFont typeface="Wingdings 3" charset="2"/>
+        <a:buChar char=""/>
+        <a:defRPr sz="1200" kern="1200">
           <a:solidFill>
-            <a:schemeClr val="tx1"/>
+            <a:schemeClr val="tx1">
+              <a:lumMod val="75000"/>
+              <a:lumOff val="25000"/>
+            </a:schemeClr>
           </a:solidFill>
           <a:latin typeface="+mn-lt"/>
           <a:ea typeface="+mn-ea"/>
           <a:cs typeface="+mn-cs"/>
         </a:defRPr>
       </a:lvl5pPr>
-      <a:lvl6pPr marL="2514600" indent="-228600" algn="l" defTabSz="914400" rtl="0" eaLnBrk="1" latinLnBrk="0" hangingPunct="1">
-        <a:lnSpc>
-          <a:spcPct val="90000"/>
-        </a:lnSpc>
+      <a:lvl6pPr marL="2514600" indent="-228600" algn="l" defTabSz="457200" rtl="0" eaLnBrk="1" latinLnBrk="0" hangingPunct="1">
         <a:spcBef>
-          <a:spcPts val="500"/>
+          <a:spcPts val="1000"/>
         </a:spcBef>
-        <a:buFont typeface="Arial" panose="020B0604020202020204" pitchFamily="34" charset="0"/>
-        <a:buChar char="•"/>
-        <a:defRPr sz="1800" kern="1200">
+        <a:spcAft>
+          <a:spcPts val="0"/>
+        </a:spcAft>
+        <a:buClr>
+          <a:schemeClr val="accent1"/>
+        </a:buClr>
+        <a:buSzPct val="80000"/>
+        <a:buFont typeface="Wingdings 3" charset="2"/>
+        <a:buChar char=""/>
+        <a:defRPr sz="1200" kern="1200">
           <a:solidFill>
-            <a:schemeClr val="tx1"/>
+            <a:schemeClr val="tx1">
+              <a:lumMod val="75000"/>
+              <a:lumOff val="25000"/>
+            </a:schemeClr>
           </a:solidFill>
           <a:latin typeface="+mn-lt"/>
           <a:ea typeface="+mn-ea"/>
           <a:cs typeface="+mn-cs"/>
         </a:defRPr>
       </a:lvl6pPr>
-      <a:lvl7pPr marL="2971800" indent="-228600" algn="l" defTabSz="914400" rtl="0" eaLnBrk="1" latinLnBrk="0" hangingPunct="1">
-        <a:lnSpc>
-          <a:spcPct val="90000"/>
-        </a:lnSpc>
+      <a:lvl7pPr marL="2971800" indent="-228600" algn="l" defTabSz="457200" rtl="0" eaLnBrk="1" latinLnBrk="0" hangingPunct="1">
         <a:spcBef>
-          <a:spcPts val="500"/>
+          <a:spcPts val="1000"/>
         </a:spcBef>
-        <a:buFont typeface="Arial" panose="020B0604020202020204" pitchFamily="34" charset="0"/>
-        <a:buChar char="•"/>
-        <a:defRPr sz="1800" kern="1200">
+        <a:spcAft>
+          <a:spcPts val="0"/>
+        </a:spcAft>
+        <a:buClr>
+          <a:schemeClr val="accent1"/>
+        </a:buClr>
+        <a:buSzPct val="80000"/>
+        <a:buFont typeface="Wingdings 3" charset="2"/>
+        <a:buChar char=""/>
+        <a:defRPr sz="1200" kern="1200">
           <a:solidFill>
-            <a:schemeClr val="tx1"/>
+            <a:schemeClr val="tx1">
+              <a:lumMod val="75000"/>
+              <a:lumOff val="25000"/>
+            </a:schemeClr>
           </a:solidFill>
           <a:latin typeface="+mn-lt"/>
           <a:ea typeface="+mn-ea"/>
           <a:cs typeface="+mn-cs"/>
         </a:defRPr>
       </a:lvl7pPr>
-      <a:lvl8pPr marL="3429000" indent="-228600" algn="l" defTabSz="914400" rtl="0" eaLnBrk="1" latinLnBrk="0" hangingPunct="1">
-        <a:lnSpc>
-          <a:spcPct val="90000"/>
-        </a:lnSpc>
+      <a:lvl8pPr marL="3429000" indent="-228600" algn="l" defTabSz="457200" rtl="0" eaLnBrk="1" latinLnBrk="0" hangingPunct="1">
         <a:spcBef>
-          <a:spcPts val="500"/>
+          <a:spcPts val="1000"/>
         </a:spcBef>
-        <a:buFont typeface="Arial" panose="020B0604020202020204" pitchFamily="34" charset="0"/>
-        <a:buChar char="•"/>
-        <a:defRPr sz="1800" kern="1200">
+        <a:spcAft>
+          <a:spcPts val="0"/>
+        </a:spcAft>
+        <a:buClr>
+          <a:schemeClr val="accent1"/>
+        </a:buClr>
+        <a:buSzPct val="80000"/>
+        <a:buFont typeface="Wingdings 3" charset="2"/>
+        <a:buChar char=""/>
+        <a:defRPr sz="1200" kern="1200">
           <a:solidFill>
-            <a:schemeClr val="tx1"/>
+            <a:schemeClr val="tx1">
+              <a:lumMod val="75000"/>
+              <a:lumOff val="25000"/>
+            </a:schemeClr>
           </a:solidFill>
           <a:latin typeface="+mn-lt"/>
           <a:ea typeface="+mn-ea"/>
           <a:cs typeface="+mn-cs"/>
         </a:defRPr>
       </a:lvl8pPr>
-      <a:lvl9pPr marL="3886200" indent="-228600" algn="l" defTabSz="914400" rtl="0" eaLnBrk="1" latinLnBrk="0" hangingPunct="1">
-        <a:lnSpc>
-          <a:spcPct val="90000"/>
-        </a:lnSpc>
+      <a:lvl9pPr marL="3886200" indent="-228600" algn="l" defTabSz="457200" rtl="0" eaLnBrk="1" latinLnBrk="0" hangingPunct="1">
         <a:spcBef>
-          <a:spcPts val="500"/>
+          <a:spcPts val="1000"/>
         </a:spcBef>
-        <a:buFont typeface="Arial" panose="020B0604020202020204" pitchFamily="34" charset="0"/>
-        <a:buChar char="•"/>
-        <a:defRPr sz="1800" kern="1200">
+        <a:spcAft>
+          <a:spcPts val="0"/>
+        </a:spcAft>
+        <a:buClr>
+          <a:schemeClr val="accent1"/>
+        </a:buClr>
+        <a:buSzPct val="80000"/>
+        <a:buFont typeface="Wingdings 3" charset="2"/>
+        <a:buChar char=""/>
+        <a:defRPr sz="1200" kern="1200">
           <a:solidFill>
-            <a:schemeClr val="tx1"/>
+            <a:schemeClr val="tx1">
+              <a:lumMod val="75000"/>
+              <a:lumOff val="25000"/>
+            </a:schemeClr>
           </a:solidFill>
           <a:latin typeface="+mn-lt"/>
           <a:ea typeface="+mn-ea"/>
@@ -2860,7 +5720,7 @@
       <a:defPPr>
         <a:defRPr lang="en-US"/>
       </a:defPPr>
-      <a:lvl1pPr marL="0" algn="l" defTabSz="914400" rtl="0" eaLnBrk="1" latinLnBrk="0" hangingPunct="1">
+      <a:lvl1pPr marL="0" algn="l" defTabSz="457200" rtl="0" eaLnBrk="1" latinLnBrk="0" hangingPunct="1">
         <a:defRPr sz="1800" kern="1200">
           <a:solidFill>
             <a:schemeClr val="tx1"/>
@@ -2870,7 +5730,7 @@
           <a:cs typeface="+mn-cs"/>
         </a:defRPr>
       </a:lvl1pPr>
-      <a:lvl2pPr marL="457200" algn="l" defTabSz="914400" rtl="0" eaLnBrk="1" latinLnBrk="0" hangingPunct="1">
+      <a:lvl2pPr marL="457200" algn="l" defTabSz="457200" rtl="0" eaLnBrk="1" latinLnBrk="0" hangingPunct="1">
         <a:defRPr sz="1800" kern="1200">
           <a:solidFill>
             <a:schemeClr val="tx1"/>
@@ -2880,7 +5740,7 @@
           <a:cs typeface="+mn-cs"/>
         </a:defRPr>
       </a:lvl2pPr>
-      <a:lvl3pPr marL="914400" algn="l" defTabSz="914400" rtl="0" eaLnBrk="1" latinLnBrk="0" hangingPunct="1">
+      <a:lvl3pPr marL="914400" algn="l" defTabSz="457200" rtl="0" eaLnBrk="1" latinLnBrk="0" hangingPunct="1">
         <a:defRPr sz="1800" kern="1200">
           <a:solidFill>
             <a:schemeClr val="tx1"/>
@@ -2890,7 +5750,7 @@
           <a:cs typeface="+mn-cs"/>
         </a:defRPr>
       </a:lvl3pPr>
-      <a:lvl4pPr marL="1371600" algn="l" defTabSz="914400" rtl="0" eaLnBrk="1" latinLnBrk="0" hangingPunct="1">
+      <a:lvl4pPr marL="1371600" algn="l" defTabSz="457200" rtl="0" eaLnBrk="1" latinLnBrk="0" hangingPunct="1">
         <a:defRPr sz="1800" kern="1200">
           <a:solidFill>
             <a:schemeClr val="tx1"/>
@@ -2900,7 +5760,7 @@
           <a:cs typeface="+mn-cs"/>
         </a:defRPr>
       </a:lvl4pPr>
-      <a:lvl5pPr marL="1828800" algn="l" defTabSz="914400" rtl="0" eaLnBrk="1" latinLnBrk="0" hangingPunct="1">
+      <a:lvl5pPr marL="1828800" algn="l" defTabSz="457200" rtl="0" eaLnBrk="1" latinLnBrk="0" hangingPunct="1">
         <a:defRPr sz="1800" kern="1200">
           <a:solidFill>
             <a:schemeClr val="tx1"/>
@@ -2910,7 +5770,7 @@
           <a:cs typeface="+mn-cs"/>
         </a:defRPr>
       </a:lvl5pPr>
-      <a:lvl6pPr marL="2286000" algn="l" defTabSz="914400" rtl="0" eaLnBrk="1" latinLnBrk="0" hangingPunct="1">
+      <a:lvl6pPr marL="2286000" algn="l" defTabSz="457200" rtl="0" eaLnBrk="1" latinLnBrk="0" hangingPunct="1">
         <a:defRPr sz="1800" kern="1200">
           <a:solidFill>
             <a:schemeClr val="tx1"/>
@@ -2920,7 +5780,7 @@
           <a:cs typeface="+mn-cs"/>
         </a:defRPr>
       </a:lvl6pPr>
-      <a:lvl7pPr marL="2743200" algn="l" defTabSz="914400" rtl="0" eaLnBrk="1" latinLnBrk="0" hangingPunct="1">
+      <a:lvl7pPr marL="2743200" algn="l" defTabSz="457200" rtl="0" eaLnBrk="1" latinLnBrk="0" hangingPunct="1">
         <a:defRPr sz="1800" kern="1200">
           <a:solidFill>
             <a:schemeClr val="tx1"/>
@@ -2930,7 +5790,7 @@
           <a:cs typeface="+mn-cs"/>
         </a:defRPr>
       </a:lvl7pPr>
-      <a:lvl8pPr marL="3200400" algn="l" defTabSz="914400" rtl="0" eaLnBrk="1" latinLnBrk="0" hangingPunct="1">
+      <a:lvl8pPr marL="3200400" algn="l" defTabSz="457200" rtl="0" eaLnBrk="1" latinLnBrk="0" hangingPunct="1">
         <a:defRPr sz="1800" kern="1200">
           <a:solidFill>
             <a:schemeClr val="tx1"/>
@@ -2940,7 +5800,7 @@
           <a:cs typeface="+mn-cs"/>
         </a:defRPr>
       </a:lvl8pPr>
-      <a:lvl9pPr marL="3657600" algn="l" defTabSz="914400" rtl="0" eaLnBrk="1" latinLnBrk="0" hangingPunct="1">
+      <a:lvl9pPr marL="3657600" algn="l" defTabSz="457200" rtl="0" eaLnBrk="1" latinLnBrk="0" hangingPunct="1">
         <a:defRPr sz="1800" kern="1200">
           <a:solidFill>
             <a:schemeClr val="tx1"/>
@@ -2987,25 +5847,10 @@
           <a:bodyPr/>
           <a:lstStyle/>
           <a:p>
-            <a:endParaRPr lang="en-US" dirty="0"/>
-          </a:p>
-        </p:txBody>
-      </p:sp>
-      <p:sp>
-        <p:nvSpPr>
-          <p:cNvPr id="3" name="Subtitle 2"/>
-          <p:cNvSpPr>
-            <a:spLocks noGrp="1"/>
-          </p:cNvSpPr>
-          <p:nvPr>
-            <p:ph type="subTitle" idx="1"/>
-          </p:nvPr>
-        </p:nvSpPr>
-        <p:spPr/>
-        <p:txBody>
-          <a:bodyPr/>
-          <a:lstStyle/>
-          <a:p>
+            <a:r>
+              <a:rPr lang="en-US" dirty="0" smtClean="0"/>
+              <a:t>Primary &amp; Secondary Colors</a:t>
+            </a:r>
             <a:endParaRPr lang="en-US" dirty="0"/>
           </a:p>
         </p:txBody>
@@ -3049,47 +5894,119 @@
       </p:grpSpPr>
       <p:sp>
         <p:nvSpPr>
-          <p:cNvPr id="51" name="AutoShape 2" descr="data:image/jpeg;base64,/9j/4AAQSkZJRgABAQAAAQABAAD/2wCEAAkGBxQSEhQUEBQUFRQUFBQUFBQUFRUUFhQQFBQWFhQUFRQYHCggGBolGxQUITEhJSkrLi4uFx8zODMsNygtLisBCgoKDg0OGxAQGywkICQsLCwsLCwsLCwsLC0sLCwsLCwsLCwsLCwsLCwsLCwsLCwsLCwsLCwsLCwsLCwsLCwsLP/AABEIAMIBAwMBEQACEQEDEQH/xAAbAAACAwEBAQAAAAAAAAAAAAABBAACBQMGB//EAD0QAAEDAQUFBgQDBgcBAAAAAAEAAhEDBAUSITETIkFRcQYyYYGRsaHB0fAjQlIHFENicpIVM1NzguHxRP/EABsBAAIDAQEBAAAAAAAAAAAAAAABAgMEBQYH/8QAOxEAAgECBAQDBwQBAgUFAAAAAAECAxEEEiExBRNBUTJhgSJxkaGx0fAUQsHh8SNSBhVikrIkM0Oi4v/aAAwDAQACEQMRAD8A+Xf4HU/l/u/6WD9XTOp+mmA3LU/l/uT/AFVMP00ypuep/L/cn+ppi/TzAbpqcm/3BP8AUQD9PMBuupyHqE/1EBfp5lf8Nqch6hPnwDkTAbvfyHqFLnQFyJgNhfy+IRzYByZg/cncviEc2AcmYDZHcviFLmQFypANldy+IRngLlyKmg7l7IzQDJIGxPIp5oiySJsjyKd4iysGzPIo9keVk2Z5H0RoKzJszyPoiyCzJgPI+idkFpAwHkfRKyCzJhPj6Isg1JhPj6Ishagg/YRZBqSClZBqROwaglKyFdglFguySiwXZJRYLsmJFguTElYLsGJFguTEiwXJiRYVzTd2gqfpZ8fqsywUO7L3jZdkcnX5U5N9D9VNYSHmR/WT8jmb3qcx6KX6aAv1dQYo3vA3wXH0C0QoUErON2W08Yoq8lcrVvtx7rGj1Kap0ktIL11Cpjsz9mKQu686h4gdAEOnB/tXwKXiqjOZtj/1FHKh2K+dUfUr+8v/AFH1Ry49g5s+4DXd+o+pRkj2DmT7g2zv1H1KkoR7EeZLuTau5n1RlXYWeXcBqHmnZBnkDGUxZmDEUBdkxlIMzDtCmPMybQoDMybQoFmZNoUBmYdoeaLDzsm1PNNpCzsG1PNQsh55B2zuZSsh55dybU8ynZCzy7nRlrcOR6gFTjNrt8ENVpI7MvEfmptPTJWxrxW8Iv0LVX7ocpXlRPfpD0j4tK2xxeFlpUoq3krfNBng9m0dqTbO8wHYJ5mR9VKNDh9V2i3H36r52fzH00dw1ruaNHMd0JSq8KhFXjOL9bP+fqCbfQVdQHKFzpUIreLX56k7FNiFDkwezFYqaKhKhbZgVwBVZQECpmUqmIMJBYsdApIb2KqQghAywCkOxIURhhAyQmiNgQgViQgdgQmKwECDCRKxISCwITFYkJiJCQBhMZCEMViKA7EQNgTIkQAEARAAQJlmVXDQkeaak47MalJbMYZeDxrB6/8ASsjiai6lqryW41ZrUHmMMFWwqRqu0o6lsKim7WO7mxP3yVc0lJpEmcYWN7gZakYwJgFAHdtAloPIwfCdPn6JlmW8UdaNgc5waCMyBOgz6ocklcapO9hmnclQ1DTjeAnnu4cQIjgQlzI2uTVF3sM2Ts86oxzhUYMImMz6kDJOVTK7WJKg7blm9n5DIeSXFoIDTALnFoAPGcuHFJ1NbWJrD6bm5Q/Z4+pTD2VqYIxF4q4m4WtOohp4EKj9TrqglRSFLX2JfTrCltGnm7ejqN3NWqt7OZoOQr7jY/ZxVLoFegRge8Q55MU4xAgsGeah+qVr2I8lXMix9lX1C8bRgwHM5keZjJTlWt0BUPM7WzsZUpUhUe9pkkTT3mZCQQ7KZGadOrzHaKFyLLVmXaLmc1geDLS3FpGjsLoE8CCrM31sRdLS6OVou0scGk6kDSNY4eaL6XsN0baXKMsBmCeBOnEZQn1sJUmVpWPE4tBzAk+QkqSjd2RDINXdcr6zmNBgvcRpJAHEgdD6Ja2bS2JKk2XZ2fqFjntzawS4xAbmRvE6aH0U1Tk1fT4r7i5fn8gVrie3CZEOgSd0AkDKTkTmNEKEtvK+6+43S8zs7s1UxBoewy3ETMQJI0OokRPNUzmldPo7ElQd9xyw9h69aqaVN9Eu3QAatMFxdEYWl0nVUPExXRjdC27LWrsHaKYl7qUlxAa17XmBIxQ0niCI1S/Ux6CVBvqZz+zdQNqOLmjZvLHAy3MEAmTkNeKs5qulbcXIdtzRtPYSsxjHl9PC7CTvMaWseAQQC/eOsAawowrZtkN0LdSlXshhtYoY3uZvEvbTwuwDJpwnQlxAPjpKtnnjDM180Lkq9rmV/g5JeBi3e7kJImDImRqFpp4WtO1olbjFN6i9tu00mMe5zTjndBktEuADx+Vxw4o5OaeKqlCUG1JNWt8yDjpcRUCAEgHLq7//ABPuFdQ8ZfQ8RpP1Pl8lOp45fnY0Pc4LC9xGQrjCFMCzDCCSHaVowQWkz4EaEQfgUNXVjUmoq/U3+zvZ+vbsYsjC7ZtxuEtyHUnMmMgqqtZU42k3307dX9DXTp05RzSllWy951uW9H2evtBTpudG9TqNY5rhppEA8ctF0MLh3Wsqbs/f/IsRScPZkrP87Hre3LX2Z4rUqdI0rVSGWEEUnEbzWOIyyJgxx6Rqq8P5ybi3mi7S6X7S+5gwuMVS8Xuvp/R5rszaCa9JriQC8NxwHFgccJcQRvQCT5LlY+PKpuXY7eGpSqN2V9H8vue37X3tRsdEWSiRUqMIc20twhxY6Ts6kDedn0gDJc3CRdeXeKe66+VvLv5EORK3PknG/wC1/VeTM26b0tFrsjqbGtcbPL21CGhxBJLqeQl05nhpC9PTwEZwy1Xo9Ivz93RdGcutWjRqKV/Fo/vcyby7YVKgDNm2m0QA0BodAILsRiXAlo1zEarmS4e6PjbT1N0IKTsuppX4600QyrabKymyphdSwtpsk4Rm9o4ccLuay0LTds7T/juti9YeMk1CSbTs7dPzuebuntRVpuc0lr2ua6mWkNwuY92YkjIzEO4RyXVwqaqLLrquu/Q51WzTT6dRe/LTUouFJwpw3uPY2C5usud+b0WnG0Z4ermi3aWq1+XoVYfEc2Fz0V2Ua1ostR1KzUH4GMq1araYxM70MgnOW7xInRcCpjakJ6SlZb6vQ6aoeHM0nLZdyXIatse9tjs1CqKYqlzCxrcQILGOknLJ09QOqlPGVY7yd7dL7fEjy4pXk0le2p5a3299N8YKYDoPcMico15yt2GxdSqvZk38fuV4mnKjK0kbtO8H2GjtdwV6xdswWNOCk7vTPh6Su9yuRRzVW29NL9ei9OvwOPz+dWcIpZV1MqjeD6uzYwDE6GtbTEGo8ugF4B3jmfUrn1a9OnU59TZ7JW0fd9l5Lc6VKm6nso3Khq2J4FppEOxZMrtlhMBpdgcYOKG7wjuq6FKlWblmtm9lbLVa6vpf3fYtq0skLxd13Qtdt7VQa9UU2OpwcRNLGaTnHI0hiBZEzlMABZY8MlVptu90na3Vr81+RlqV4xmot/4JdvbR9KnUYWhznEBtR2IvblqHzIyXJqYXKrvbsa4LmSWv2PTX9eRs1mqC0nbWi0U2V6NWkRsqbHmajQGkQQZOkEuJWGi1Um0lp7/zXoX1MO17UL2i2nda3X8HhrHan2hwpUh+JWdLnZgNyzMDIDy9V2sJg+bKz6L4Lv7+hzq+IjTWZmvU7XuaabKtCmzYkMfAdtHwMLg6pi0ykAZAgJVeHwozd3r0WjT03b8/d16WHSmpRzLqcbXeFU1RbWWctpYtixztoRtAASS/GHF+RJknvFU0aVGtLkXtLySt+LtvbU0SozjHM+mtutvd2MGzXkwCrjYxx4ZEYXaag5t8Ofx2pKEWo6tPXytpv1Xp/F8edN3YhelUPYHSTmMyDlAw4Zk6AAAcAAr8TQoxwsZ03110tbvt/PTYzuTb1MpcoRECHLoG+f6T7hW0PGX0PEadQZny+SsqeOX52ND3F1he4jIVphImAUEizU0SR6Ds3bn0iSxzm4t12EkYmnUGNR4KqvQhVg1JXO1wytlkk9rmlbLPDsTRkVu4ViLWT3TOhxHDa549T6FRi2XcKTu81ownk5oXov8A2sRzOkt/U8NVTo4m67niuzljLK5xCMEk9QvKf8Sx5acV1PfcLinScl1X1Me/rQX1XOnUlVcOpcumkVcVlrZdND1PYK3bKsBwe2PMZ/VeppJVKTj6nnOIUs1K/Y59vbtFNxqsENeQcuDic/IpYmHMo3e60YsBiXlyvdGRft51bRZ6W0qPfsxhGJxOEaQJ6BeMo0lSxMl8D1uIpweDz04pN6u3VnlHFdeLtseVluew2Ytdmb/qMGR8RkV66VOOLw6b/cr37S/ycujGVLEWWzMile1azNfTo1HsxtLKoaSA4fpcOOp9V4atgr1HzVquh6upio0oRhGza1u1ez8uwtdN91rOXGhUezG0tfhJbiadQYSrYWNVWZko4vLK8knrfVXN+5LpDjt6mgzaD7len4Pw54eKnUXtPZdvP3/Qy8ZxHO1pvfcwO0N4mtWJnJu63oNVm4riM1Xlx2jp69ft6GHC0eXDzYvdbiKjS0kEHECMiCM5BXBxL/02jt8Mi3WR6u8bXWt9Vu2cajoDQXZwwf8Ap9V0uG4BPT1bev1LMZWpwi4xSUVfRGp2jqNstiNOnkX7viZ1PuvQzkqVOU1tFafRHlXetWUmfNg5eTm7nXpt3Nu8n4qNPwELk4VWryXc9VxH28HBm52Qofu7H1nDeLSQTwGsL6FhMEqFFKfiesvLy9PqfPcRN1aypo88+ltXmdXuLj1JJXmcbXUpSmz0uEwik1BLQd7T3o9tFlkDyabXbV4Of4xET6FcLBQc5Oo9uiOhxqcKSUI+JqzfW29vjqeUK6p5hlSkICQgIEaFyD8Q/wBJ9wrsP4zRh/EaVUbx++SsqeOX52NEtxZYJbkTHVphImAQmMuEySNK7TkeqmtjoYR2Z6im7GxZKT5VW563SrRPSdj7VALeRjyIBXsqb5uHjL0PD8Vw2WtfuOX7YxTZUrNGbhB+RXC41hpYiMGv27+7+j0vA55aOWXvPlltfmVnhHKY8dVzNm1dtcsc1w4Zrr4Wplmr7GWcc0Gj1ttItFFzXZghdtU4xlZ7M4U70tUeQ2RY11N4zBy6c14bi2ElQxXl080e+4XXjVwhhVaW9knGdldnFrUL1Gkjf7MVcBLOef1XpeB4jmU50n01XruY8fRhh4Z+px7U3dDsbfNa+JYPn0+bBe1HfzX9HHw2KzaSELlu7G4Od3Rp4rPwvht7V6q06Lv5+7sWYjEZVZbnor2vEU6WBvHJdLHVv09GVbrsve/y4uHPPO0tjxlVi8Kpt7nZq0le6GbIyGk8TkFW4Sq1I04q7bNuFXJoyqPse9uGyim3EdTqvb0cOqFNQ69ThYyo5uyMDt5a8RY3gCT5wsHFZ5Kcaa66v+CunTywueSYvOyNNPc9Zc9j2rBiG6PdbeBcPzYh4ma9mO3m/wCvqehx1f8A9DlW9jTv6sGUsDeIhemx1Rww85vd6L1/o8Tw+m54i76GJZYaC46iY65rwWJbm8iPdYNKjF1JGBeTyXklXQgo6I8/jqrqVG2KKZhKlREBICIEaFxf5h/oPuFbQ8Zow3j9DTrDePX6K2fil+djRLcUWF7kTHCsMJEwCExosEySNG7zunr8lOOxtwz0ZuXfWyhUVI9T0mDq+zY3Oz1eKrhzhei4NUzUpw7WZi4nh+ZZo9hfDw6gWHiIW2jC9TXYz1KjoUtD43edMse5p4H1C5GNw7oVXDp09xgqVuZ7Rq0jkOhUYs0rY9Fdltw08/D1lenof61KMlvY5OOpey7Evai14Dm973HJc/i2CeIw7svajqv5XqdX/h6u4PI9jzVahGa8JGo37J6erh4x9sWuuvFoaeGa9Lwepyayvs1Z+v8AZ5PH2rycT1rGitl+XUniSfFexb5epwXCMZZY7IuKDKQOkAxHgo5pTaRT1b87WPJdo3guBacgY815/jddykqX+36s61GjGnDNHqZtHNeamranWoPOrHprou3IF3kvU8F4fyI/qKi9p7eS+7+hXxSvko8uJ62u0NYI8F0otuRyI3bR4LtSZDT/ADkeWELzPEK3Mry+C9DdVjlhFGLZKJe4AfYVOEwksTVVOPr5IoU8up9EuakG0wOQXsOVCklTgtEbXW5lKzMS93Y6wHIE/fxXD/4hxGSnCkut3/C/kOEYP23Jmfb3RkPvVeYoxu8zOtjamVZEYVs7x8leedrv2hcoZQAqIAQICQGlcA/F/wCJ9wraHjNOG8foaloG87r9FbPxP87F892KBYXuRMVWGEiYBCYywQSRoWDunr8lNM24fZmjZakKMjrYWdjTuqtFafL2WzhFbl4nL3Vjov21c9JbrYSIlexpUknc4HFZpKx4y/qBO9xHsqeLYTnUeZHeP0OLSq62Z0oaDovMI7cdhkVoaR4j3Xd4RXtLIzLjI+w2O2O0813alO4+HVFBmXfzoOWh914bH8LVCrzLaM72KxuaGVMx7Iwl4I4Fa+H4LnzVtlueYrV8rue1u6qA0kDIj0K9TVi7pHKqq+ZrZ/JgvOtLXDxzPIJ0o2dyVKG6ffc8TbahLoOg0+q8ZjIzhWaqHUU1JJLYauihidJ0C0cOwUcRUzSWi+ZtoSynrKT4C9W4mHHtyY/eFo3PIfJc6tNUacpltGlex4vtF3Wf1H2C8jJtyLsUtES56EZnUr2XCMJyaOZ7s5FWd2erp1YYtTjeRvw0W0ebqWiarj1C8Fxmvz8bK2y0Xoejw1qVMTtLpPl9VTBWRz8RPNIybZ3ymcmt4hYqLKQJARAiJAaNwf5v/E+4VtHxmnC+P0NW0993UfJWSftP87GifiYnCwvcgYqtMJEwCgkWCY0aFh7p6/JSRsoeEapOyQ9jbRnYao1of5hVUZ5MRGXmjrU56NG22vK+l00pQTR5ziTucLY3ErodmcG9mLPo4SOUZLyGPw/IqtLZ7HpKMs0UL2t0N8x7qnDVclVMK8bwZ2stXJeyozzxMMXkDaqeMQUsRho14ZJDlVYvZ6GFPC4WNCGWJz6sm2atiqahpg6jkRyKlVj1YUY323BbHktJdlOQb48yimleyLp3Uby+Bg2qy4iuXxLh3PldBRnY0rvpYQtOEwypRsjpU5aXGX11uUDHWnmkP26rIHQewXkeKV7vIu/3OrRjpcxL4pS2n1PsFi4fRz1bsz41+yiWXJe6pRtBI49rsar2mGrncRr8ik2ux3sDDRGEHy/yK+c07ylmfU2Yip7VkXqa+R+a1mKT1Mu298+SWxgreMWKgVAQIiBASA0bi/zfI+4VlLxGnC+M17T3ndR8lZLd/nY0T8TEgsT3IGKFaYSJgWQSImM0LD3fM+yZroeEYp6IexqpF6lSCVla9q50lUsh+y15AX0jhVVToJHn8a7yHC+QujaxyZRsOVaEtHQLl46gq1Nrqjs0JWSMa9u4eo915Gp7L9zNc17DFbJUler4ZVc1Y5NV2ZqUl2WVZilYQnEokLNtWF7T4wehWDG4hRViyirSTGbdXlwHIT6qOAq5kXYrdIoxq6bM8DvooG1TshO0VNVCtPJAyXvI2CJA/pb7NXhK16tb88zvwdooWvZm5T6n2C7HDaaUmYsY9EJ016S+WJggrsXt9bJeS47XvDL3O5hnlRm2cy/yPsvM01YjOV5jdUZnp9VosQkZdu758vZQkYq3jF1AqKoERAgJAP3K4CoSdA0n0IVlLxGjDO0232BVvJ5cTlmZ04cFGU222KVaTdzl++u8PRV5SPNkLqRWFMQUEiIA0LB3T5+ykbKHhGaenqk9jVSdkL2h+8eqrUdSdSpqM2KsvW8Gr2ikc3EampTevVbq5z5I3Wd0dAsT3Z0IOyRhX/S3THEj3XmcfhG6l49TROp7AhYmwu/wyiqcEcmrO7NGm6F1WiCZWq5C0Isx7cc15Xi8pKVkaKRov756D2C6PCl7N2GJd5jVJdiRXENUpRJyloZVtfErmcSqOMGVw1Z6mzUiWN07reIHBvNeZox6s7Sd7JHC+Gfhs/qPsu1gFao/cZcQ7pGSTC6dWpaJTTjqZdtqSV4nilTPUsdGDtE42Tv+RXNjuJeIfr6+XzK0IJ7mTbu+fJVz3MdXxHBQKiqBAKBASAcuvvO/23fJTp+Ivobv3MUKrKSIEQqQBCALNQSIgY/YO6fvgmaqGwzT0SNUNhKud49UIrqPVnazugEQZkZ8OMj2XVwFXK7Iz1FpqaFGovX4au2jHKJ6SzklrY5D2UKlWzZqitEJXxSOzzBgnIxl6qhJTlYVZPJcxqAhb8NHJoc2TuNB62XQIbeAROXDzWadS2ha23uZNWmC7PSeHJcutQ5ruxp2HK4GLE3Qj4hacDFw9lkqrUndHWlmQMhJAkmAJ4k8AunLa5CKu7BtbC1zmu1aSDGYkcjxCVOSlFSXUdaDhJxfQy7W2VzeIU88bFUGeyoOBosbGeFskTmYbHw9yuDTpvNb86nWi7LNcN5h2zFJoY7E6C7A15aBnja+JHUHRbqMoQk5vSy7/K35qP25f6cVfc6W7s3TayrTZVpvc1ragy/Ee8AjZsjRpnlmY5LPiMcpJTd1urdOnzJ0adS/LlSfm+y6O/51PNWS53WhhpsbhdTNV9Rz6TmkBoAazaAEkyHbuQy5ryGLxC5znvdpLX+DpQw7lTUbW36a/Hr6Hn7H3/Iq2JzlpI0K4z8vqtK2FN6mRbjvny9lTLcyVfEcFErAgRVAgJAN3ac3/wC275KdPxF1Hr7mKSqykkoAJUgIEAXagkRMB+7+6evySNdDYZZog0ReghXO8eqcSio9TVuMve5rGDFvHE0iZZAynPkcoWmhRU9ty+hjpU7Znddb9vU9FabNTENdRe11VwYxxaGhsloDwR3hrkV18KsRCSXMWmr8167GqviMJVg2qT7JpLfyaPV0Lp/dCIqsc0NZJLAXbzZOFvgWxrxCuqOOKj4W99nZepzMHia6WWcXBd2vxnnu1TgWwHEmcwTpkJ0yGeUdfBdPh1F38KRPidRWtmu/ztojz9Oxy3Fib4jiM446+S21JuErWObSoKcb3/PiStZHNEmQCJEtIkeB46FVLFRk2k9t9dveN0svX5HYBxiOXJJyuQFKjcyroRIsvSpE6Cf+lN2jqyUE5OyGG2d0ExorlVjsDsupwL+asb7EJPucKzc1nqxzMgtD2Vy1Q1rSQMhT3naQ5oGY8J5cAuBicPmbinbfbfc6uGrqnaUo3NKzPG0psPN2kQSAcxkOZ4cAskaTjNy8i7E4qNbDOEFbr07j1MMFoqANABpgcJGLFJGWWqzyVm5fmyM9SVSeFhBv8Tdj55fF6sbVe1jWgNtGYDGkvAOZ2jy4tPQQeIyz4MqMXJybb+n58Tq08XKEIxj3s/gefsjsVaebnH1kq2K9oxX9q4/ah8QtU1aJCT1MS2d93X5LNLczz8RyUSBVAiqQiIAZsBzf/tu+SlDxFtLr7hZQKiSgAlSAiALtQSImND93nIpGqia1mums5gc1ktILgcTBLRxgungeCvjh6jV7aEHi6UZZHLUw3iXnTvangJ1UIxbY5tX1PTXJQs1Gq2obXSlsxAqtnLQksgA6Tkt+HjGEtWr+/T8/NQqcm2VSv6ffQ9devaSk5lECtZixpYHtlrzhkSACN3LiM12cLyXKU3LvbX8+GxDETtQy0n117+ltNBeydoaJa/a2ilEnA2HEhsmJ3Mz5q98lNcr11X3J/qqsqKVSaf8A5f59RK1XlZXU2ja0y8OcScDtIEDNmmq1U61pt30t3X3ME3Tk23m28t/sXuytZnO3qlnLGNJLSMJqSCMLWlm86SD0BUp1JTVqd232d7e/UpjUahlsVvmnRNICi0B7iQ0SMt0HCP7lRUU07yL4N6r6mdQpju7SmNJ3jB84U4y8mVtvsJ22iWPg4TMEFplpaeRWynO8br5huhu6rPUOLZNc7KDDMcT5GCiry4pKTt6lkZSjt18rnW2U3UjFR2FxaDh3pgic4GXRVxqKesdfgTnhXBJytqrmXspnCQYEnXLzIWhTKXC97HMjMqzdlJ6ywB2FjGj+G17iT3WtY1xMceAjmRzXKq2Tc2+tvmak1aPm0vixO23q5uzqMbmyrDRPflpjLgTOizSpWbTfS5dJZbW1vdHF3aGoysasNxOlrmmQGAAA5iSYjlxK5uISyWj5/B2NEYSi4xlp7+lt/qK3pWoV6dmLKlKnaKZivhbhDw0yyqIAl8HMccs8lx50/Z0y/FHRjTU5KKmtHf8ANLmBSw06/wCIcYkmWO1nQkweeirnCUJdE/ivkzLlhCrlk83uf9D9sIxbpDgHYZByMclrn2untqttjNVcczte3mYFr77uqyT8TKWclAiVKBFUhEQB3sbwMc8WOA6nROLsyym0r37HBRKyIA6tUhxKu1QNhagBujZ6bv4hxHRuAnPgMUwrFGLXi19zBN3tl+aNSz3aWEtwVHOMRhAOfLIkaDmo56UItyenuaN0cPVzKKi7++L/AJHLN2nFNgYxg3RhlzcRAgiBn1Wh1HKKUXZeVyinKjCTc45ne+qjdMzr3vhtamymKNNppzFVjAx7g4yQ8DJ3gToEpyulGOiX512HVrRnmum27au2lvJJLUxww8k+VLqjLcas1nxOaCQJIE6xJAldDD0MzSvuRbNGz3QXB5Dhua5eMc12qXDv+vrbb+ymdSztY6G6fwm1Mfee5uHDpABmZz1VywGuXMRz+QLHYHCqGyAdc9IALvYKVLDTpVE29ESvfQ3qVPE6noAwlxzA0aznqrcYrRv+dR01JytFXYhDaZw1WuD9YMjI5gx0Wei3NXhJWL5XpezOGvndHWphqgBgcXhoAAk7rc9PNataavJ6EYXqvLGGvk2zYuu76oZBp1O+TmwjIho+SqqYujmvnXxHLDV/9j+A9elAVCDsnYmtghzc4HdjyB9Cs2HnCmm3NO77kXTxF8tpfPYw7xuOtTpuqCNnUcRgad9oxGMdOJAy10zCupYylKWS+q69PRhKlVXR6mWyiRm5pjxkLpQmnomUypzh7Uou3nc2bH2kqUpwgGWlpnIlhjKRnG6PRZq3DoVFu0XQxkY2vTTt5tHOp2leA/DTYNo7G7V0uJkmDzkrnVuFxbTlNuyt0NkOL5Y2hTS9WeftN5NnKjTB4EF+6eYzXAxVGVOa9uTt7vsT/XQmn/pRV/f8RS0W9zqmNm5mCACTDuOZzgkSsUaEFHLLX3kqmOqSqcyDyvyb/NS1iqVg7a0zD2unFIaQ4yZBy8dFCrTgoax0emib+g6VSvVk2mu7zNLf32+R0tzq5YKlTVxxB+NrnOEEZguJy6SqqU4RvCGjVtLW/gdeNacVOdrd8y+9/db1Md+vVSe5iKpARrZ1SuSjFO9yrgEEHl6Hai/RJl9KStqc3lBXLQ5oKiIA6MUhx3OjaJcVFuxfCjKb0R3ZYHHRRdVI0R4fWlshulcdQxkcyB6qmWMpLqbI8FxDtdGjVuWrQpPcGuAEE6GIymMxxUaePpVouF+xZPhVbDNVqdrpPbf6GTaK7nNeC/E0FpBgCc4kZTxW6jTiotpWehy8ZXqTkoylmV9Nl091xelRc6YB+MeZVl0tymlSnUvlV/4Ixms+C6FKHsu/l9SlqzsM2VpLhHAg+S2YWM5zTitmgasbTaJ1pgnFOLMRwkes+i9NTtDWK38ymUZyk7K/oMCzP2bW4Tk9zuByIA5+Csi4p3Y1RqOOkXv2DQsj9qC4Bu6SSSAA2C2TPVKbjuiynQqJ3lF2SbfuO9+WGgKYLaxMGGtcwQ4kAd4PyEA5ws+ecnaat53/AIsc6FbM7KJm3lZKrfxHh5YQ07TvA6DNwy15rJCrSopxWlnqv6OzisPiJWqyu00td/oK2a8MBlj3NMRLcQMHXMIljsLOOWeq80ZaUqlN3i7M9ZZbFeGzFRhrYHgOadqcwc9MWqrnV4dnySjG6/6f6OlShjakbxlf1X8mdfDrTSAdaXVIJiS8uOnKSf8A1SVbBQi3BaLe0X19CrEUsZTSlUe+m6/gx3XwTkajyNIJdEcVBcRwl9F8jDLmNas1KV3uaHGo14wjEZBADQJLieX0XWeIildNCjQcdaia990NVLspOpl1Ko5ziZYC1rWub4HGSTrHOEoYibaula26d/4SMs1eplit3otzHrWR/wCkpVrWLlh6t7ZX8DJtNldObT6LzOLhmbZqjQqr9r+BzdY6gjd72g1nKchxP1XDqVYa67bm6ODrxavDfb/G47Yxsi0klu60vkZtBc4GBOeQHqtEJJw07fz5GOrGVOWqtJPZry8x19nZVJaMVTASd1rQTj3s4kyMgRnBnzVerQhTtN630/H8GX4PDV8TJyS94u65CR3XajjGXHguU8VA6X/KKz2E61zOndBA4TJPqn+pgVPhNfsL1Lvc3UOz1y0+Caqxk9yuWBrU07xe3YUbSz3iQJzIEmOYBifVW5tNDA6bTtLT0C4NDt1xLebm4Seok+6jFya1WvxJRcYy0enwKP4p3JT2ZzTM5EAdWObxnyhMlBpPUes95NYIwz1Qb6WNjTVlEfodoGt/hjzVcqeY20+MKP7Pn/RoDtfT/wBITzy+EtyWKWAb/cbV/wAQU+sH8f6L1O19M/w8uW6QfJzFWuHNbP6/cf8Az2i94v4gZ2ls7v4TaZ/VgY6fCAyPgteH4f8A761vK0nf4Mz1ON0LaUn8tPjcvWvejUy/etk39NOg6fN0CV2sLgsHTV5VLvzTOZjONYmbtRWVfm/4ilJlgnEbZVnidg4z6rqUnh6fgkvj/RxpYjFSk5Pd9bjlO02Bultr+VnC0rHJfuXx/wDyQcq73SNCx3/YmZC32xo8KDI9kPGQluoP3t/YFzUtl8zYsfa2729+2Wt/9TMI9GNHuoSm5+FU16/cV6o3a+112vaQ2oBIIJdSdMHxg+KjTjVi7uS9JISlWXVng7RYrKe7bqWGcsVKri8yBBXXqY9TSUor/uX3IRU10NS13/ZKV2VLFSeatV7g41IfgnG10NBAw5NGWecniufXqxlX5zkklFpLd7W1aubKdWahk6HgmZkDEBJiTMCeJy0XLjUvNIlsj7v2a/aJYbPZ6dKpVDnNAxYWktmBOEkAqeJwkq1RzjJL1/yQVaaWzPG/tY7XWS3GmLKX7oIdLQG94OkQTJyjhonFfp8LOlOSbk01Z327k1KU2sz0R86sbWl4D3BrZzcZybx0BzWbCTiqsc9reYT20Pddu+1ljtdTHQbXBcd4VC0twhrQxrG54AIcY/mK6mGxlPDUuXUkpL/pT9bt2vfT4EfbbbbK9lO09kstoZVqF1SnTaC2mKeF21iDJkgtHDnlorsTi6dei6UJqN/ft8Pd/ZVyfaUm9fX7Hu6/7X7vcM7M49WNK5CwmX/51/8Ab7GqMbO6ml/3fYw7T+0S7Xf/ADO/sA+Ktc4pWlUv6N/U6VHFuH7/APy+x5m/O0Vgr5tpVmvGjg92R8AQRwWWrVoKm4xgn6JfRl6xVKUlKpUena9/S6MOjetOm4upPcCcyTTa4k9XBcmrCNRWlDbbVouhi8NTk3GpLXf2UaA7VUplzTUd+pzWA5CMobloubLBVNoPKuyb+5ujxjBx7t97HKt2rYdKeXkiOAqL95KXH8MtFBiNbtIT+X1hXxwjXUzVOPQe0Di7tA79IT/SLuVPj0v9hwfe5P5WqSwyXUplxqT/AGI4Pt8/kb6Kao26szz4lm3hH4HF9cH8o8slNQa6maeJjPeCOKmZQIEFAETAKAIgZExhUkIKkIkp3AkouAQpxYi4K0RYi8q1SECUOQWASoOQwSq8wyYk+YwsVJVMpXGCVC4ySncQQVJSAJKk5hYqSqnIYJUWwAoDIUgIgLASACQiIERAAQBEASEBY6BmRP3KLosyq2YpCCFggIHYMIuPKEBA0iA8k0wD95J3HYk9FLM7EbFpTUxhDumvDL0U1Uf+AsEO+zyU1VaVhWCH8ePhpKOdLe47dg4zyHXJS50nqkvl9v4FYm0+PPOeUSEnWld67/nVEgA+H1S5j2FaxC+fHqBPtmjmNrXX892o3qHFy1HL6QlKb/wNO2xWeMD79FDN2QrWIXenqPVDkPWwAfL4J5mRRC76Ic2ACq7jsBF7iAVG4bASAhSACGIiAAQkJokJisCEgsWLQi5JxViqBFhPkkSs7ETAISBahj7OSCVrEAlO4kr7BcCPlIiRzSTHJNEY2dPsJ3sEY3dkAp3EwtE/couNK4E7kdgjNO41qQlFwYEXEElO+gbElLQbbZCVK+hECTYBJKRJtgJTFciLgSU7iuTNQHdglFxEQxklILgSEQlMCJAAoEFAwIERAEQBGpDRYeBzQSWmqeoCmIu3065pE42v2+YNmeSLhy2+hZrT4+HER0KmoOWwaosbM6NPr6K9YWp2INBZRdIy+/NVzpSS1LacJNoLrM7iPXJVJ3JToTi7NFRRKuVGTWhTsQ0jyKTpyjuStm2AaRCgN0pJXAWn/wATUWRZGsKeRiSLCmfBLKyapyZNkU7MOWypYUZSDTQNmnkZGxYUzwScSxU5PYJs5QothKk0rsqaZTcWiFiCkSoPQkoORY0CElqSdKSKGmVLKyuzJsyoMaiwGmUrofLkDCncjlBhSFYOFFx2BhQKwQxFx2JgKLhlJgRcVgwkSJCADCYWLNCROKG6TAodTp0oRyjFGiJXZwNNSauZq0UnoaFOzheqjQjkMkV7R1p2QSuDjqaSZ2sJTV7l7XZQuDRXtF+KgmJfu4XosNTi4nCqRsyCgFRiaaSNeGgrnK1UAuTbU34ilHLcTNMLRGByJpEbTVuRFaWo1ToCFnmtTrUaMcpbYBRsW8mNhWrSCujFM5lemosq2mFbkRmUVcaoUQqJwR1MLBNHWpQCdOGpZiKcbCr6IVs4KxynHU6WeiCudV0N2GppjT7OIUae5fVpqwlVoha8qsc2cUmctkFjq6FtKCbI+msyepqqUkkLuarUc6aRXCmV2BhSFYgagdjoxiRJItgCCWVEwIFlFFMpIgREDOjEMtgNUlFbnRp7DVAruYDczVjQplepUvYMkNxmivNcRmd/CrQtXMri0tJFlfVCBK9HhtInCqeILVTiXobMLucLWVxk/aN+J8AkVqTOJMLFbfQjDxDbHLJN6naov2bFsSruX3VhWtqtdJnHxW5QLQZEN2UrJVep2MGdqxVlJksS7CryrZvQ5UtzpZDmuVXepvwo88ZKFJ6mmrsZlYrf0ORN6nFYqxbSepaposa3N9TWIo5aEcie5QplQEgCEhnRqRJF0EwpAIqwzkQIIQMu1DLYDNNRW5uhsNUl28DuUVh6mvSftM0NxmmvNY/c7+H8AKpXLp7jrbMUK9BR8JxJ7kCz4nY24Xc4WlcleI14nwihWpHHkFisewqfiGaayzOtQCVBF7F6i1Uzk4jcqFoZkW4xZlkqnWwh2qqyhsPFi1RTmc6R0sy5lc3YUfqaKuluaq3hM2ouj0OPLc4rHVLKW5Z+iyLc3z8Iq9XxOXU3KFSKQKIBCTGXakSLhBJFlED/2Q=="/>
-          <p:cNvSpPr>
-            <a:spLocks noChangeAspect="1" noChangeArrowheads="1"/>
-          </p:cNvSpPr>
-          <p:nvPr/>
-        </p:nvSpPr>
-        <p:spPr bwMode="auto">
-          <a:xfrm>
-            <a:off x="155575" y="-144463"/>
-            <a:ext cx="304800" cy="304801"/>
-          </a:xfrm>
-          <a:prstGeom prst="rect">
-            <a:avLst/>
-          </a:prstGeom>
-          <a:noFill/>
-          <a:extLst>
-            <a:ext uri="{909E8E84-426E-40DD-AFC4-6F175D3DCCD1}">
-              <a14:hiddenFill xmlns:a14="http://schemas.microsoft.com/office/drawing/2010/main">
-                <a:solidFill>
-                  <a:srgbClr val="FFFFFF"/>
-                </a:solidFill>
-              </a14:hiddenFill>
-            </a:ext>
-          </a:extLst>
-        </p:spPr>
-        <p:txBody>
-          <a:bodyPr vert="horz" wrap="square" lIns="91440" tIns="45720" rIns="91440" bIns="45720" numCol="1" anchor="t" anchorCtr="0" compatLnSpc="1">
-            <a:prstTxWarp prst="textNoShape">
-              <a:avLst/>
-            </a:prstTxWarp>
-          </a:bodyPr>
-          <a:lstStyle/>
-          <a:p>
-            <a:endParaRPr lang="en-US"/>
+          <p:cNvPr id="2" name="Title 1"/>
+          <p:cNvSpPr>
+            <a:spLocks noGrp="1"/>
+          </p:cNvSpPr>
+          <p:nvPr>
+            <p:ph type="title"/>
+          </p:nvPr>
+        </p:nvSpPr>
+        <p:spPr/>
+        <p:txBody>
+          <a:bodyPr/>
+          <a:lstStyle/>
+          <a:p>
+            <a:r>
+              <a:rPr lang="en-US" dirty="0" smtClean="0"/>
+              <a:t>Two </a:t>
+            </a:r>
+            <a:r>
+              <a:rPr lang="en-US" dirty="0" err="1" smtClean="0"/>
+              <a:t>colour</a:t>
+            </a:r>
+            <a:r>
+              <a:rPr lang="en-US" dirty="0" smtClean="0"/>
+              <a:t> systems</a:t>
+            </a:r>
+            <a:endParaRPr lang="en-US" dirty="0"/>
+          </a:p>
+        </p:txBody>
+      </p:sp>
+      <p:sp>
+        <p:nvSpPr>
+          <p:cNvPr id="3" name="Content Placeholder 2"/>
+          <p:cNvSpPr>
+            <a:spLocks noGrp="1"/>
+          </p:cNvSpPr>
+          <p:nvPr>
+            <p:ph idx="1"/>
+          </p:nvPr>
+        </p:nvSpPr>
+        <p:spPr/>
+        <p:txBody>
+          <a:bodyPr/>
+          <a:lstStyle/>
+          <a:p>
+            <a:r>
+              <a:rPr lang="en-US" dirty="0" smtClean="0"/>
+              <a:t>There are two different kinds of </a:t>
+            </a:r>
+            <a:r>
+              <a:rPr lang="en-US" dirty="0" err="1" smtClean="0"/>
+              <a:t>colours</a:t>
+            </a:r>
+            <a:r>
+              <a:rPr lang="en-US" dirty="0" smtClean="0"/>
+              <a:t> we can see in the world around us. </a:t>
+            </a:r>
+          </a:p>
+          <a:p>
+            <a:pPr lvl="1"/>
+            <a:r>
+              <a:rPr lang="en-US" dirty="0" err="1" smtClean="0"/>
+              <a:t>Colours</a:t>
+            </a:r>
+            <a:r>
+              <a:rPr lang="en-US" dirty="0" smtClean="0"/>
+              <a:t> you can touch, like those printed on a paper or on the skin of an apple. These are part of a surface of </a:t>
+            </a:r>
+            <a:r>
+              <a:rPr lang="en-US" smtClean="0"/>
+              <a:t>an object. </a:t>
+            </a:r>
+            <a:endParaRPr lang="en-US" dirty="0" smtClean="0"/>
+          </a:p>
+          <a:p>
+            <a:pPr lvl="1"/>
+            <a:endParaRPr lang="en-US" dirty="0"/>
+          </a:p>
+          <a:p>
+            <a:pPr lvl="1"/>
+            <a:r>
+              <a:rPr lang="en-US" dirty="0" err="1" smtClean="0"/>
+              <a:t>Colours</a:t>
+            </a:r>
+            <a:r>
+              <a:rPr lang="en-US" dirty="0" smtClean="0"/>
+              <a:t> you can see but cannot touch, like </a:t>
+            </a:r>
+            <a:r>
+              <a:rPr lang="en-US" dirty="0"/>
+              <a:t>the </a:t>
+            </a:r>
+            <a:r>
+              <a:rPr lang="en-US" dirty="0" err="1"/>
+              <a:t>colours</a:t>
+            </a:r>
+            <a:r>
+              <a:rPr lang="en-US" dirty="0"/>
+              <a:t> produced by your computer </a:t>
+            </a:r>
+            <a:r>
+              <a:rPr lang="en-US" dirty="0" smtClean="0"/>
+              <a:t>screen or a red beam of red light.</a:t>
+            </a:r>
+          </a:p>
+          <a:p>
+            <a:endParaRPr lang="en-US" dirty="0"/>
           </a:p>
         </p:txBody>
       </p:sp>
     </p:spTree>
     <p:extLst>
       <p:ext uri="{BB962C8B-B14F-4D97-AF65-F5344CB8AC3E}">
-        <p14:creationId xmlns:p14="http://schemas.microsoft.com/office/powerpoint/2010/main" val="2498797056"/>
+        <p14:creationId xmlns:p14="http://schemas.microsoft.com/office/powerpoint/2010/main" val="1508987553"/>
       </p:ext>
     </p:extLst>
   </p:cSld>
@@ -3125,61 +6042,36 @@
       </p:grpSpPr>
       <p:sp>
         <p:nvSpPr>
-          <p:cNvPr id="2" name="Title 1"/>
-          <p:cNvSpPr>
-            <a:spLocks noGrp="1"/>
-          </p:cNvSpPr>
-          <p:nvPr>
-            <p:ph type="title"/>
-          </p:nvPr>
-        </p:nvSpPr>
-        <p:spPr/>
-        <p:txBody>
-          <a:bodyPr/>
-          <a:lstStyle/>
-          <a:p>
-            <a:endParaRPr lang="en-US"/>
-          </a:p>
-        </p:txBody>
-      </p:sp>
-      <p:sp>
-        <p:nvSpPr>
-          <p:cNvPr id="3" name="Content Placeholder 2"/>
-          <p:cNvSpPr>
-            <a:spLocks noGrp="1"/>
-          </p:cNvSpPr>
-          <p:nvPr>
-            <p:ph sz="half" idx="1"/>
-          </p:nvPr>
-        </p:nvSpPr>
-        <p:spPr/>
-        <p:txBody>
-          <a:bodyPr>
-            <a:normAutofit fontScale="92500" lnSpcReduction="10000"/>
-          </a:bodyPr>
-          <a:lstStyle/>
-          <a:p>
-            <a:r>
-              <a:rPr lang="en-US" dirty="0"/>
-              <a:t>https://www.google.co.in/url?sa=i&amp;rct=j&amp;q=&amp;esrc=s&amp;source=images&amp;cd=&amp;docid=V-rr_99PVH02JM&amp;tbnid=V9etOFkEImmAgM:&amp;ved=0CAIQjBw&amp;url=http%3A%2F%2Fimg.alibaba.com%2Fimg%2Fpb%2F053%2F049%2F717%2F717049053_236.jpg&amp;ei=auSfU7jlE4v_8QWlzYKoCA&amp;bvm=bv.68911936,d.dGc&amp;psig=AFQjCNEfxPN5LqiwZkkbRcRA3GORedDfDA&amp;ust=1403074023666399</a:t>
-            </a:r>
-          </a:p>
-        </p:txBody>
-      </p:sp>
-      <p:sp>
-        <p:nvSpPr>
-          <p:cNvPr id="4" name="Content Placeholder 3"/>
-          <p:cNvSpPr>
-            <a:spLocks noGrp="1"/>
-          </p:cNvSpPr>
-          <p:nvPr>
-            <p:ph sz="half" idx="2"/>
-          </p:nvPr>
-        </p:nvSpPr>
-        <p:spPr/>
-        <p:txBody>
-          <a:bodyPr>
-            <a:normAutofit fontScale="92500" lnSpcReduction="10000"/>
+          <p:cNvPr id="51" name="AutoShape 2" descr="data:image/jpeg;base64,/9j/4AAQSkZJRgABAQAAAQABAAD/2wCEAAkGBxQSEhQUEBQUFRQUFBQUFBQUFRUUFhQQFBQWFhQUFRQYHCggGBolGxQUITEhJSkrLi4uFx8zODMsNygtLisBCgoKDg0OGxAQGywkICQsLCwsLCwsLCwsLC0sLCwsLCwsLCwsLCwsLCwsLCwsLCwsLCwsLCwsLCwsLCwsLCwsLP/AABEIAMIBAwMBEQACEQEDEQH/xAAbAAACAwEBAQAAAAAAAAAAAAABBAACBQMGB//EAD0QAAEDAQUFBgQDBgcBAAAAAAEAAhEDBAUSITETIkFRcQYyYYGRsaHB0fAjQlIHFENicpIVM1NzguHxRP/EABsBAAIDAQEBAAAAAAAAAAAAAAABAgMEBQYH/8QAOxEAAgECBAQDBwQBAgUFAAAAAAECAxEEEiExBRNBUTJhgSJxkaGx0fAUQsHh8SNSBhVikrIkM0Oi4v/aAAwDAQACEQMRAD8A+Xf4HU/l/u/6WD9XTOp+mmA3LU/l/uT/AFVMP00ypuep/L/cn+ppi/TzAbpqcm/3BP8AUQD9PMBuupyHqE/1EBfp5lf8Nqch6hPnwDkTAbvfyHqFLnQFyJgNhfy+IRzYByZg/cncviEc2AcmYDZHcviFLmQFypANldy+IRngLlyKmg7l7IzQDJIGxPIp5oiySJsjyKd4iysGzPIo9keVk2Z5H0RoKzJszyPoiyCzJgPI+idkFpAwHkfRKyCzJhPj6Isg1JhPj6Ishagg/YRZBqSClZBqROwaglKyFdglFguySiwXZJRYLsmJFguTElYLsGJFguTEiwXJiRYVzTd2gqfpZ8fqsywUO7L3jZdkcnX5U5N9D9VNYSHmR/WT8jmb3qcx6KX6aAv1dQYo3vA3wXH0C0QoUErON2W08Yoq8lcrVvtx7rGj1Kap0ktIL11Cpjsz9mKQu686h4gdAEOnB/tXwKXiqjOZtj/1FHKh2K+dUfUr+8v/AFH1Ry49g5s+4DXd+o+pRkj2DmT7g2zv1H1KkoR7EeZLuTau5n1RlXYWeXcBqHmnZBnkDGUxZmDEUBdkxlIMzDtCmPMybQoDMybQoFmZNoUBmYdoeaLDzsm1PNNpCzsG1PNQsh55B2zuZSsh55dybU8ynZCzy7nRlrcOR6gFTjNrt8ENVpI7MvEfmptPTJWxrxW8Iv0LVX7ocpXlRPfpD0j4tK2xxeFlpUoq3krfNBng9m0dqTbO8wHYJ5mR9VKNDh9V2i3H36r52fzH00dw1ruaNHMd0JSq8KhFXjOL9bP+fqCbfQVdQHKFzpUIreLX56k7FNiFDkwezFYqaKhKhbZgVwBVZQECpmUqmIMJBYsdApIb2KqQghAywCkOxIURhhAyQmiNgQgViQgdgQmKwECDCRKxISCwITFYkJiJCQBhMZCEMViKA7EQNgTIkQAEARAAQJlmVXDQkeaak47MalJbMYZeDxrB6/8ASsjiai6lqryW41ZrUHmMMFWwqRqu0o6lsKim7WO7mxP3yVc0lJpEmcYWN7gZakYwJgFAHdtAloPIwfCdPn6JlmW8UdaNgc5waCMyBOgz6ocklcapO9hmnclQ1DTjeAnnu4cQIjgQlzI2uTVF3sM2Ts86oxzhUYMImMz6kDJOVTK7WJKg7blm9n5DIeSXFoIDTALnFoAPGcuHFJ1NbWJrD6bm5Q/Z4+pTD2VqYIxF4q4m4WtOohp4EKj9TrqglRSFLX2JfTrCltGnm7ejqN3NWqt7OZoOQr7jY/ZxVLoFegRge8Q55MU4xAgsGeah+qVr2I8lXMix9lX1C8bRgwHM5keZjJTlWt0BUPM7WzsZUpUhUe9pkkTT3mZCQQ7KZGadOrzHaKFyLLVmXaLmc1geDLS3FpGjsLoE8CCrM31sRdLS6OVou0scGk6kDSNY4eaL6XsN0baXKMsBmCeBOnEZQn1sJUmVpWPE4tBzAk+QkqSjd2RDINXdcr6zmNBgvcRpJAHEgdD6Ja2bS2JKk2XZ2fqFjntzawS4xAbmRvE6aH0U1Tk1fT4r7i5fn8gVrie3CZEOgSd0AkDKTkTmNEKEtvK+6+43S8zs7s1UxBoewy3ETMQJI0OokRPNUzmldPo7ElQd9xyw9h69aqaVN9Eu3QAatMFxdEYWl0nVUPExXRjdC27LWrsHaKYl7qUlxAa17XmBIxQ0niCI1S/Ux6CVBvqZz+zdQNqOLmjZvLHAy3MEAmTkNeKs5qulbcXIdtzRtPYSsxjHl9PC7CTvMaWseAQQC/eOsAawowrZtkN0LdSlXshhtYoY3uZvEvbTwuwDJpwnQlxAPjpKtnnjDM180Lkq9rmV/g5JeBi3e7kJImDImRqFpp4WtO1olbjFN6i9tu00mMe5zTjndBktEuADx+Vxw4o5OaeKqlCUG1JNWt8yDjpcRUCAEgHLq7//ABPuFdQ8ZfQ8RpP1Pl8lOp45fnY0Pc4LC9xGQrjCFMCzDCCSHaVowQWkz4EaEQfgUNXVjUmoq/U3+zvZ+vbsYsjC7ZtxuEtyHUnMmMgqqtZU42k3307dX9DXTp05RzSllWy951uW9H2evtBTpudG9TqNY5rhppEA8ctF0MLh3Wsqbs/f/IsRScPZkrP87Hre3LX2Z4rUqdI0rVSGWEEUnEbzWOIyyJgxx6Rqq8P5ybi3mi7S6X7S+5gwuMVS8Xuvp/R5rszaCa9JriQC8NxwHFgccJcQRvQCT5LlY+PKpuXY7eGpSqN2V9H8vue37X3tRsdEWSiRUqMIc20twhxY6Ts6kDedn0gDJc3CRdeXeKe66+VvLv5EORK3PknG/wC1/VeTM26b0tFrsjqbGtcbPL21CGhxBJLqeQl05nhpC9PTwEZwy1Xo9Ivz93RdGcutWjRqKV/Fo/vcyby7YVKgDNm2m0QA0BodAILsRiXAlo1zEarmS4e6PjbT1N0IKTsuppX4600QyrabKymyphdSwtpsk4Rm9o4ccLuay0LTds7T/juti9YeMk1CSbTs7dPzuebuntRVpuc0lr2ua6mWkNwuY92YkjIzEO4RyXVwqaqLLrquu/Q51WzTT6dRe/LTUouFJwpw3uPY2C5usud+b0WnG0Z4ermi3aWq1+XoVYfEc2Fz0V2Ua1ostR1KzUH4GMq1araYxM70MgnOW7xInRcCpjakJ6SlZb6vQ6aoeHM0nLZdyXIatse9tjs1CqKYqlzCxrcQILGOknLJ09QOqlPGVY7yd7dL7fEjy4pXk0le2p5a3299N8YKYDoPcMico15yt2GxdSqvZk38fuV4mnKjK0kbtO8H2GjtdwV6xdswWNOCk7vTPh6Su9yuRRzVW29NL9ei9OvwOPz+dWcIpZV1MqjeD6uzYwDE6GtbTEGo8ugF4B3jmfUrn1a9OnU59TZ7JW0fd9l5Lc6VKm6nso3Khq2J4FppEOxZMrtlhMBpdgcYOKG7wjuq6FKlWblmtm9lbLVa6vpf3fYtq0skLxd13Qtdt7VQa9UU2OpwcRNLGaTnHI0hiBZEzlMABZY8MlVptu90na3Vr81+RlqV4xmot/4JdvbR9KnUYWhznEBtR2IvblqHzIyXJqYXKrvbsa4LmSWv2PTX9eRs1mqC0nbWi0U2V6NWkRsqbHmajQGkQQZOkEuJWGi1Um0lp7/zXoX1MO17UL2i2nda3X8HhrHan2hwpUh+JWdLnZgNyzMDIDy9V2sJg+bKz6L4Lv7+hzq+IjTWZmvU7XuaabKtCmzYkMfAdtHwMLg6pi0ykAZAgJVeHwozd3r0WjT03b8/d16WHSmpRzLqcbXeFU1RbWWctpYtixztoRtAASS/GHF+RJknvFU0aVGtLkXtLySt+LtvbU0SozjHM+mtutvd2MGzXkwCrjYxx4ZEYXaag5t8Ofx2pKEWo6tPXytpv1Xp/F8edN3YhelUPYHSTmMyDlAw4Zk6AAAcAAr8TQoxwsZ03110tbvt/PTYzuTb1MpcoRECHLoG+f6T7hW0PGX0PEadQZny+SsqeOX52ND3F1he4jIVphImAUEizU0SR6Ds3bn0iSxzm4t12EkYmnUGNR4KqvQhVg1JXO1wytlkk9rmlbLPDsTRkVu4ViLWT3TOhxHDa549T6FRi2XcKTu81ownk5oXov8A2sRzOkt/U8NVTo4m67niuzljLK5xCMEk9QvKf8Sx5acV1PfcLinScl1X1Me/rQX1XOnUlVcOpcumkVcVlrZdND1PYK3bKsBwe2PMZ/VeppJVKTj6nnOIUs1K/Y59vbtFNxqsENeQcuDic/IpYmHMo3e60YsBiXlyvdGRft51bRZ6W0qPfsxhGJxOEaQJ6BeMo0lSxMl8D1uIpweDz04pN6u3VnlHFdeLtseVluew2Ytdmb/qMGR8RkV66VOOLw6b/cr37S/ycujGVLEWWzMile1azNfTo1HsxtLKoaSA4fpcOOp9V4atgr1HzVquh6upio0oRhGza1u1ez8uwtdN91rOXGhUezG0tfhJbiadQYSrYWNVWZko4vLK8knrfVXN+5LpDjt6mgzaD7len4Pw54eKnUXtPZdvP3/Qy8ZxHO1pvfcwO0N4mtWJnJu63oNVm4riM1Xlx2jp69ft6GHC0eXDzYvdbiKjS0kEHECMiCM5BXBxL/02jt8Mi3WR6u8bXWt9Vu2cajoDQXZwwf8Ap9V0uG4BPT1bev1LMZWpwi4xSUVfRGp2jqNstiNOnkX7viZ1PuvQzkqVOU1tFafRHlXetWUmfNg5eTm7nXpt3Nu8n4qNPwELk4VWryXc9VxH28HBm52Qofu7H1nDeLSQTwGsL6FhMEqFFKfiesvLy9PqfPcRN1aypo88+ltXmdXuLj1JJXmcbXUpSmz0uEwik1BLQd7T3o9tFlkDyabXbV4Of4xET6FcLBQc5Oo9uiOhxqcKSUI+JqzfW29vjqeUK6p5hlSkICQgIEaFyD8Q/wBJ9wrsP4zRh/EaVUbx++SsqeOX52NEtxZYJbkTHVphImAQmMuEySNK7TkeqmtjoYR2Z6im7GxZKT5VW563SrRPSdj7VALeRjyIBXsqb5uHjL0PD8Vw2WtfuOX7YxTZUrNGbhB+RXC41hpYiMGv27+7+j0vA55aOWXvPlltfmVnhHKY8dVzNm1dtcsc1w4Zrr4Wplmr7GWcc0Gj1ttItFFzXZghdtU4xlZ7M4U70tUeQ2RY11N4zBy6c14bi2ElQxXl080e+4XXjVwhhVaW9knGdldnFrUL1Gkjf7MVcBLOef1XpeB4jmU50n01XruY8fRhh4Z+px7U3dDsbfNa+JYPn0+bBe1HfzX9HHw2KzaSELlu7G4Od3Rp4rPwvht7V6q06Lv5+7sWYjEZVZbnor2vEU6WBvHJdLHVv09GVbrsve/y4uHPPO0tjxlVi8Kpt7nZq0le6GbIyGk8TkFW4Sq1I04q7bNuFXJoyqPse9uGyim3EdTqvb0cOqFNQ69ThYyo5uyMDt5a8RY3gCT5wsHFZ5Kcaa66v+CunTywueSYvOyNNPc9Zc9j2rBiG6PdbeBcPzYh4ma9mO3m/wCvqehx1f8A9DlW9jTv6sGUsDeIhemx1Rww85vd6L1/o8Tw+m54i76GJZYaC46iY65rwWJbm8iPdYNKjF1JGBeTyXklXQgo6I8/jqrqVG2KKZhKlREBICIEaFxf5h/oPuFbQ8Zow3j9DTrDePX6K2fil+djRLcUWF7kTHCsMJEwCExosEySNG7zunr8lOOxtwz0ZuXfWyhUVI9T0mDq+zY3Oz1eKrhzhei4NUzUpw7WZi4nh+ZZo9hfDw6gWHiIW2jC9TXYz1KjoUtD43edMse5p4H1C5GNw7oVXDp09xgqVuZ7Rq0jkOhUYs0rY9Fdltw08/D1lenof61KMlvY5OOpey7Evai14Dm973HJc/i2CeIw7svajqv5XqdX/h6u4PI9jzVahGa8JGo37J6erh4x9sWuuvFoaeGa9Lwepyayvs1Z+v8AZ5PH2rycT1rGitl+XUniSfFexb5epwXCMZZY7IuKDKQOkAxHgo5pTaRT1b87WPJdo3guBacgY815/jddykqX+36s61GjGnDNHqZtHNeamranWoPOrHprou3IF3kvU8F4fyI/qKi9p7eS+7+hXxSvko8uJ62u0NYI8F0otuRyI3bR4LtSZDT/ADkeWELzPEK3Mry+C9DdVjlhFGLZKJe4AfYVOEwksTVVOPr5IoU8up9EuakG0wOQXsOVCklTgtEbXW5lKzMS93Y6wHIE/fxXD/4hxGSnCkut3/C/kOEYP23Jmfb3RkPvVeYoxu8zOtjamVZEYVs7x8leedrv2hcoZQAqIAQICQGlcA/F/wCJ9wraHjNOG8foaloG87r9FbPxP87F892KBYXuRMVWGEiYBCYywQSRoWDunr8lNM24fZmjZakKMjrYWdjTuqtFafL2WzhFbl4nL3Vjov21c9JbrYSIlexpUknc4HFZpKx4y/qBO9xHsqeLYTnUeZHeP0OLSq62Z0oaDovMI7cdhkVoaR4j3Xd4RXtLIzLjI+w2O2O0813alO4+HVFBmXfzoOWh914bH8LVCrzLaM72KxuaGVMx7Iwl4I4Fa+H4LnzVtlueYrV8rue1u6qA0kDIj0K9TVi7pHKqq+ZrZ/JgvOtLXDxzPIJ0o2dyVKG6ffc8TbahLoOg0+q8ZjIzhWaqHUU1JJLYauihidJ0C0cOwUcRUzSWi+ZtoSynrKT4C9W4mHHtyY/eFo3PIfJc6tNUacpltGlex4vtF3Wf1H2C8jJtyLsUtES56EZnUr2XCMJyaOZ7s5FWd2erp1YYtTjeRvw0W0ebqWiarj1C8Fxmvz8bK2y0Xoejw1qVMTtLpPl9VTBWRz8RPNIybZ3ymcmt4hYqLKQJARAiJAaNwf5v/E+4VtHxmnC+P0NW0993UfJWSftP87GifiYnCwvcgYqtMJEwCgkWCY0aFh7p6/JSRsoeEapOyQ9jbRnYao1of5hVUZ5MRGXmjrU56NG22vK+l00pQTR5ziTucLY3ErodmcG9mLPo4SOUZLyGPw/IqtLZ7HpKMs0UL2t0N8x7qnDVclVMK8bwZ2stXJeyozzxMMXkDaqeMQUsRho14ZJDlVYvZ6GFPC4WNCGWJz6sm2atiqahpg6jkRyKlVj1YUY323BbHktJdlOQb48yimleyLp3Uby+Bg2qy4iuXxLh3PldBRnY0rvpYQtOEwypRsjpU5aXGX11uUDHWnmkP26rIHQewXkeKV7vIu/3OrRjpcxL4pS2n1PsFi4fRz1bsz41+yiWXJe6pRtBI49rsar2mGrncRr8ik2ux3sDDRGEHy/yK+c07ylmfU2Yip7VkXqa+R+a1mKT1Mu298+SWxgreMWKgVAQIiBASA0bi/zfI+4VlLxGnC+M17T3ndR8lZLd/nY0T8TEgsT3IGKFaYSJgWQSImM0LD3fM+yZroeEYp6IexqpF6lSCVla9q50lUsh+y15AX0jhVVToJHn8a7yHC+QujaxyZRsOVaEtHQLl46gq1Nrqjs0JWSMa9u4eo915Gp7L9zNc17DFbJUler4ZVc1Y5NV2ZqUl2WVZilYQnEokLNtWF7T4wehWDG4hRViyirSTGbdXlwHIT6qOAq5kXYrdIoxq6bM8DvooG1TshO0VNVCtPJAyXvI2CJA/pb7NXhK16tb88zvwdooWvZm5T6n2C7HDaaUmYsY9EJ016S+WJggrsXt9bJeS47XvDL3O5hnlRm2cy/yPsvM01YjOV5jdUZnp9VosQkZdu758vZQkYq3jF1AqKoERAgJAP3K4CoSdA0n0IVlLxGjDO0232BVvJ5cTlmZ04cFGU222KVaTdzl++u8PRV5SPNkLqRWFMQUEiIA0LB3T5+ykbKHhGaenqk9jVSdkL2h+8eqrUdSdSpqM2KsvW8Gr2ikc3EampTevVbq5z5I3Wd0dAsT3Z0IOyRhX/S3THEj3XmcfhG6l49TROp7AhYmwu/wyiqcEcmrO7NGm6F1WiCZWq5C0Isx7cc15Xi8pKVkaKRov756D2C6PCl7N2GJd5jVJdiRXENUpRJyloZVtfErmcSqOMGVw1Z6mzUiWN07reIHBvNeZox6s7Sd7JHC+Gfhs/qPsu1gFao/cZcQ7pGSTC6dWpaJTTjqZdtqSV4nilTPUsdGDtE42Tv+RXNjuJeIfr6+XzK0IJ7mTbu+fJVz3MdXxHBQKiqBAKBASAcuvvO/23fJTp+Ivobv3MUKrKSIEQqQBCALNQSIgY/YO6fvgmaqGwzT0SNUNhKud49UIrqPVnazugEQZkZ8OMj2XVwFXK7Iz1FpqaFGovX4au2jHKJ6SzklrY5D2UKlWzZqitEJXxSOzzBgnIxl6qhJTlYVZPJcxqAhb8NHJoc2TuNB62XQIbeAROXDzWadS2ha23uZNWmC7PSeHJcutQ5ruxp2HK4GLE3Qj4hacDFw9lkqrUndHWlmQMhJAkmAJ4k8AunLa5CKu7BtbC1zmu1aSDGYkcjxCVOSlFSXUdaDhJxfQy7W2VzeIU88bFUGeyoOBosbGeFskTmYbHw9yuDTpvNb86nWi7LNcN5h2zFJoY7E6C7A15aBnja+JHUHRbqMoQk5vSy7/K35qP25f6cVfc6W7s3TayrTZVpvc1ragy/Ee8AjZsjRpnlmY5LPiMcpJTd1urdOnzJ0adS/LlSfm+y6O/51PNWS53WhhpsbhdTNV9Rz6TmkBoAazaAEkyHbuQy5ryGLxC5znvdpLX+DpQw7lTUbW36a/Hr6Hn7H3/Iq2JzlpI0K4z8vqtK2FN6mRbjvny9lTLcyVfEcFErAgRVAgJAN3ac3/wC275KdPxF1Hr7mKSqykkoAJUgIEAXagkRMB+7+6evySNdDYZZog0ReghXO8eqcSio9TVuMve5rGDFvHE0iZZAynPkcoWmhRU9ty+hjpU7Znddb9vU9FabNTENdRe11VwYxxaGhsloDwR3hrkV18KsRCSXMWmr8167GqviMJVg2qT7JpLfyaPV0Lp/dCIqsc0NZJLAXbzZOFvgWxrxCuqOOKj4W99nZepzMHia6WWcXBd2vxnnu1TgWwHEmcwTpkJ0yGeUdfBdPh1F38KRPidRWtmu/ztojz9Oxy3Fib4jiM446+S21JuErWObSoKcb3/PiStZHNEmQCJEtIkeB46FVLFRk2k9t9dveN0svX5HYBxiOXJJyuQFKjcyroRIsvSpE6Cf+lN2jqyUE5OyGG2d0ExorlVjsDsupwL+asb7EJPucKzc1nqxzMgtD2Vy1Q1rSQMhT3naQ5oGY8J5cAuBicPmbinbfbfc6uGrqnaUo3NKzPG0psPN2kQSAcxkOZ4cAskaTjNy8i7E4qNbDOEFbr07j1MMFoqANABpgcJGLFJGWWqzyVm5fmyM9SVSeFhBv8Tdj55fF6sbVe1jWgNtGYDGkvAOZ2jy4tPQQeIyz4MqMXJybb+n58Tq08XKEIxj3s/gefsjsVaebnH1kq2K9oxX9q4/ah8QtU1aJCT1MS2d93X5LNLczz8RyUSBVAiqQiIAZsBzf/tu+SlDxFtLr7hZQKiSgAlSAiALtQSImND93nIpGqia1mums5gc1ktILgcTBLRxgungeCvjh6jV7aEHi6UZZHLUw3iXnTvangJ1UIxbY5tX1PTXJQs1Gq2obXSlsxAqtnLQksgA6Tkt+HjGEtWr+/T8/NQqcm2VSv6ffQ9devaSk5lECtZixpYHtlrzhkSACN3LiM12cLyXKU3LvbX8+GxDETtQy0n117+ltNBeydoaJa/a2ilEnA2HEhsmJ3Mz5q98lNcr11X3J/qqsqKVSaf8A5f59RK1XlZXU2ja0y8OcScDtIEDNmmq1U61pt30t3X3ME3Tk23m28t/sXuytZnO3qlnLGNJLSMJqSCMLWlm86SD0BUp1JTVqd232d7e/UpjUahlsVvmnRNICi0B7iQ0SMt0HCP7lRUU07yL4N6r6mdQpju7SmNJ3jB84U4y8mVtvsJ22iWPg4TMEFplpaeRWynO8br5huhu6rPUOLZNc7KDDMcT5GCiry4pKTt6lkZSjt18rnW2U3UjFR2FxaDh3pgic4GXRVxqKesdfgTnhXBJytqrmXspnCQYEnXLzIWhTKXC97HMjMqzdlJ6ywB2FjGj+G17iT3WtY1xMceAjmRzXKq2Tc2+tvmak1aPm0vixO23q5uzqMbmyrDRPflpjLgTOizSpWbTfS5dJZbW1vdHF3aGoysasNxOlrmmQGAAA5iSYjlxK5uISyWj5/B2NEYSi4xlp7+lt/qK3pWoV6dmLKlKnaKZivhbhDw0yyqIAl8HMccs8lx50/Z0y/FHRjTU5KKmtHf8ANLmBSw06/wCIcYkmWO1nQkweeirnCUJdE/ivkzLlhCrlk83uf9D9sIxbpDgHYZByMclrn2untqttjNVcczte3mYFr77uqyT8TKWclAiVKBFUhEQB3sbwMc8WOA6nROLsyym0r37HBRKyIA6tUhxKu1QNhagBujZ6bv4hxHRuAnPgMUwrFGLXi19zBN3tl+aNSz3aWEtwVHOMRhAOfLIkaDmo56UItyenuaN0cPVzKKi7++L/AJHLN2nFNgYxg3RhlzcRAgiBn1Wh1HKKUXZeVyinKjCTc45ne+qjdMzr3vhtamymKNNppzFVjAx7g4yQ8DJ3gToEpyulGOiX512HVrRnmum27au2lvJJLUxww8k+VLqjLcas1nxOaCQJIE6xJAldDD0MzSvuRbNGz3QXB5Dhua5eMc12qXDv+vrbb+ymdSztY6G6fwm1Mfee5uHDpABmZz1VywGuXMRz+QLHYHCqGyAdc9IALvYKVLDTpVE29ESvfQ3qVPE6noAwlxzA0aznqrcYrRv+dR01JytFXYhDaZw1WuD9YMjI5gx0Wei3NXhJWL5XpezOGvndHWphqgBgcXhoAAk7rc9PNataavJ6EYXqvLGGvk2zYuu76oZBp1O+TmwjIho+SqqYujmvnXxHLDV/9j+A9elAVCDsnYmtghzc4HdjyB9Cs2HnCmm3NO77kXTxF8tpfPYw7xuOtTpuqCNnUcRgad9oxGMdOJAy10zCupYylKWS+q69PRhKlVXR6mWyiRm5pjxkLpQmnomUypzh7Uou3nc2bH2kqUpwgGWlpnIlhjKRnG6PRZq3DoVFu0XQxkY2vTTt5tHOp2leA/DTYNo7G7V0uJkmDzkrnVuFxbTlNuyt0NkOL5Y2hTS9WeftN5NnKjTB4EF+6eYzXAxVGVOa9uTt7vsT/XQmn/pRV/f8RS0W9zqmNm5mCACTDuOZzgkSsUaEFHLLX3kqmOqSqcyDyvyb/NS1iqVg7a0zD2unFIaQ4yZBy8dFCrTgoax0emib+g6VSvVk2mu7zNLf32+R0tzq5YKlTVxxB+NrnOEEZguJy6SqqU4RvCGjVtLW/gdeNacVOdrd8y+9/db1Md+vVSe5iKpARrZ1SuSjFO9yrgEEHl6Hai/RJl9KStqc3lBXLQ5oKiIA6MUhx3OjaJcVFuxfCjKb0R3ZYHHRRdVI0R4fWlshulcdQxkcyB6qmWMpLqbI8FxDtdGjVuWrQpPcGuAEE6GIymMxxUaePpVouF+xZPhVbDNVqdrpPbf6GTaK7nNeC/E0FpBgCc4kZTxW6jTiotpWehy8ZXqTkoylmV9Nl091xelRc6YB+MeZVl0tymlSnUvlV/4Ixms+C6FKHsu/l9SlqzsM2VpLhHAg+S2YWM5zTitmgasbTaJ1pgnFOLMRwkes+i9NTtDWK38ymUZyk7K/oMCzP2bW4Tk9zuByIA5+Csi4p3Y1RqOOkXv2DQsj9qC4Bu6SSSAA2C2TPVKbjuiynQqJ3lF2SbfuO9+WGgKYLaxMGGtcwQ4kAd4PyEA5ws+ecnaat53/AIsc6FbM7KJm3lZKrfxHh5YQ07TvA6DNwy15rJCrSopxWlnqv6OzisPiJWqyu00td/oK2a8MBlj3NMRLcQMHXMIljsLOOWeq80ZaUqlN3i7M9ZZbFeGzFRhrYHgOadqcwc9MWqrnV4dnySjG6/6f6OlShjakbxlf1X8mdfDrTSAdaXVIJiS8uOnKSf8A1SVbBQi3BaLe0X19CrEUsZTSlUe+m6/gx3XwTkajyNIJdEcVBcRwl9F8jDLmNas1KV3uaHGo14wjEZBADQJLieX0XWeIildNCjQcdaia990NVLspOpl1Ko5ziZYC1rWub4HGSTrHOEoYibaula26d/4SMs1eplit3otzHrWR/wCkpVrWLlh6t7ZX8DJtNldObT6LzOLhmbZqjQqr9r+BzdY6gjd72g1nKchxP1XDqVYa67bm6ODrxavDfb/G47Yxsi0klu60vkZtBc4GBOeQHqtEJJw07fz5GOrGVOWqtJPZry8x19nZVJaMVTASd1rQTj3s4kyMgRnBnzVerQhTtN630/H8GX4PDV8TJyS94u65CR3XajjGXHguU8VA6X/KKz2E61zOndBA4TJPqn+pgVPhNfsL1Lvc3UOz1y0+Caqxk9yuWBrU07xe3YUbSz3iQJzIEmOYBifVW5tNDA6bTtLT0C4NDt1xLebm4Seok+6jFya1WvxJRcYy0enwKP4p3JT2ZzTM5EAdWObxnyhMlBpPUes95NYIwz1Qb6WNjTVlEfodoGt/hjzVcqeY20+MKP7Pn/RoDtfT/wBITzy+EtyWKWAb/cbV/wAQU+sH8f6L1O19M/w8uW6QfJzFWuHNbP6/cf8Az2i94v4gZ2ls7v4TaZ/VgY6fCAyPgteH4f8A761vK0nf4Mz1ON0LaUn8tPjcvWvejUy/etk39NOg6fN0CV2sLgsHTV5VLvzTOZjONYmbtRWVfm/4ilJlgnEbZVnidg4z6rqUnh6fgkvj/RxpYjFSk5Pd9bjlO02Bultr+VnC0rHJfuXx/wDyQcq73SNCx3/YmZC32xo8KDI9kPGQluoP3t/YFzUtl8zYsfa2729+2Wt/9TMI9GNHuoSm5+FU16/cV6o3a+112vaQ2oBIIJdSdMHxg+KjTjVi7uS9JISlWXVng7RYrKe7bqWGcsVKri8yBBXXqY9TSUor/uX3IRU10NS13/ZKV2VLFSeatV7g41IfgnG10NBAw5NGWecniufXqxlX5zkklFpLd7W1aubKdWahk6HgmZkDEBJiTMCeJy0XLjUvNIlsj7v2a/aJYbPZ6dKpVDnNAxYWktmBOEkAqeJwkq1RzjJL1/yQVaaWzPG/tY7XWS3GmLKX7oIdLQG94OkQTJyjhonFfp8LOlOSbk01Z327k1KU2sz0R86sbWl4D3BrZzcZybx0BzWbCTiqsc9reYT20Pddu+1ljtdTHQbXBcd4VC0twhrQxrG54AIcY/mK6mGxlPDUuXUkpL/pT9bt2vfT4EfbbbbK9lO09kstoZVqF1SnTaC2mKeF21iDJkgtHDnlorsTi6dei6UJqN/ft8Pd/ZVyfaUm9fX7Hu6/7X7vcM7M49WNK5CwmX/51/8Ab7GqMbO6ml/3fYw7T+0S7Xf/ADO/sA+Ktc4pWlUv6N/U6VHFuH7/APy+x5m/O0Vgr5tpVmvGjg92R8AQRwWWrVoKm4xgn6JfRl6xVKUlKpUena9/S6MOjetOm4upPcCcyTTa4k9XBcmrCNRWlDbbVouhi8NTk3GpLXf2UaA7VUplzTUd+pzWA5CMobloubLBVNoPKuyb+5ujxjBx7t97HKt2rYdKeXkiOAqL95KXH8MtFBiNbtIT+X1hXxwjXUzVOPQe0Di7tA79IT/SLuVPj0v9hwfe5P5WqSwyXUplxqT/AGI4Pt8/kb6Kao26szz4lm3hH4HF9cH8o8slNQa6maeJjPeCOKmZQIEFAETAKAIgZExhUkIKkIkp3AkouAQpxYi4K0RYi8q1SECUOQWASoOQwSq8wyYk+YwsVJVMpXGCVC4ySncQQVJSAJKk5hYqSqnIYJUWwAoDIUgIgLASACQiIERAAQBEASEBY6BmRP3KLosyq2YpCCFggIHYMIuPKEBA0iA8k0wD95J3HYk9FLM7EbFpTUxhDumvDL0U1Uf+AsEO+zyU1VaVhWCH8ePhpKOdLe47dg4zyHXJS50nqkvl9v4FYm0+PPOeUSEnWld67/nVEgA+H1S5j2FaxC+fHqBPtmjmNrXX892o3qHFy1HL6QlKb/wNO2xWeMD79FDN2QrWIXenqPVDkPWwAfL4J5mRRC76Ic2ACq7jsBF7iAVG4bASAhSACGIiAAQkJokJisCEgsWLQi5JxViqBFhPkkSs7ETAISBahj7OSCVrEAlO4kr7BcCPlIiRzSTHJNEY2dPsJ3sEY3dkAp3EwtE/couNK4E7kdgjNO41qQlFwYEXEElO+gbElLQbbZCVK+hECTYBJKRJtgJTFciLgSU7iuTNQHdglFxEQxklILgSEQlMCJAAoEFAwIERAEQBGpDRYeBzQSWmqeoCmIu3065pE42v2+YNmeSLhy2+hZrT4+HER0KmoOWwaosbM6NPr6K9YWp2INBZRdIy+/NVzpSS1LacJNoLrM7iPXJVJ3JToTi7NFRRKuVGTWhTsQ0jyKTpyjuStm2AaRCgN0pJXAWn/wATUWRZGsKeRiSLCmfBLKyapyZNkU7MOWypYUZSDTQNmnkZGxYUzwScSxU5PYJs5QothKk0rsqaZTcWiFiCkSoPQkoORY0CElqSdKSKGmVLKyuzJsyoMaiwGmUrofLkDCncjlBhSFYOFFx2BhQKwQxFx2JgKLhlJgRcVgwkSJCADCYWLNCROKG6TAodTp0oRyjFGiJXZwNNSauZq0UnoaFOzheqjQjkMkV7R1p2QSuDjqaSZ2sJTV7l7XZQuDRXtF+KgmJfu4XosNTi4nCqRsyCgFRiaaSNeGgrnK1UAuTbU34ilHLcTNMLRGByJpEbTVuRFaWo1ToCFnmtTrUaMcpbYBRsW8mNhWrSCujFM5lemosq2mFbkRmUVcaoUQqJwR1MLBNHWpQCdOGpZiKcbCr6IVs4KxynHU6WeiCudV0N2GppjT7OIUae5fVpqwlVoha8qsc2cUmctkFjq6FtKCbI+msyepqqUkkLuarUc6aRXCmV2BhSFYgagdjoxiRJItgCCWVEwIFlFFMpIgREDOjEMtgNUlFbnRp7DVAruYDczVjQplepUvYMkNxmivNcRmd/CrQtXMri0tJFlfVCBK9HhtInCqeILVTiXobMLucLWVxk/aN+J8AkVqTOJMLFbfQjDxDbHLJN6naov2bFsSruX3VhWtqtdJnHxW5QLQZEN2UrJVep2MGdqxVlJksS7CryrZvQ5UtzpZDmuVXepvwo88ZKFJ6mmrsZlYrf0ORN6nFYqxbSepaposa3N9TWIo5aEcie5QplQEgCEhnRqRJF0EwpAIqwzkQIIQMu1DLYDNNRW5uhsNUl28DuUVh6mvSftM0NxmmvNY/c7+H8AKpXLp7jrbMUK9BR8JxJ7kCz4nY24Xc4WlcleI14nwihWpHHkFisewqfiGaayzOtQCVBF7F6i1Uzk4jcqFoZkW4xZlkqnWwh2qqyhsPFi1RTmc6R0sy5lc3YUfqaKuluaq3hM2ouj0OPLc4rHVLKW5Z+iyLc3z8Iq9XxOXU3KFSKQKIBCTGXakSLhBJFlED/2Q=="/>
+          <p:cNvSpPr>
+            <a:spLocks noChangeAspect="1" noChangeArrowheads="1"/>
+          </p:cNvSpPr>
+          <p:nvPr/>
+        </p:nvSpPr>
+        <p:spPr bwMode="auto">
+          <a:xfrm>
+            <a:off x="155575" y="-144463"/>
+            <a:ext cx="304800" cy="304801"/>
+          </a:xfrm>
+          <a:prstGeom prst="rect">
+            <a:avLst/>
+          </a:prstGeom>
+          <a:noFill/>
+          <a:extLst>
+            <a:ext uri="{909E8E84-426E-40DD-AFC4-6F175D3DCCD1}">
+              <a14:hiddenFill xmlns:a14="http://schemas.microsoft.com/office/drawing/2010/main">
+                <a:solidFill>
+                  <a:srgbClr val="FFFFFF"/>
+                </a:solidFill>
+              </a14:hiddenFill>
+            </a:ext>
+          </a:extLst>
+        </p:spPr>
+        <p:txBody>
+          <a:bodyPr vert="horz" wrap="square" lIns="91440" tIns="45720" rIns="91440" bIns="45720" numCol="1" anchor="t" anchorCtr="0" compatLnSpc="1">
+            <a:prstTxWarp prst="textNoShape">
+              <a:avLst/>
+            </a:prstTxWarp>
           </a:bodyPr>
           <a:lstStyle/>
           <a:p>
@@ -3190,7 +6082,7 @@
     </p:spTree>
     <p:extLst>
       <p:ext uri="{BB962C8B-B14F-4D97-AF65-F5344CB8AC3E}">
-        <p14:creationId xmlns:p14="http://schemas.microsoft.com/office/powerpoint/2010/main" val="1971428115"/>
+        <p14:creationId xmlns:p14="http://schemas.microsoft.com/office/powerpoint/2010/main" val="2498797056"/>
       </p:ext>
     </p:extLst>
   </p:cSld>
@@ -3232,7 +6124,7 @@
         </p:nvSpPr>
         <p:spPr>
           <a:xfrm>
-            <a:off x="1641764" y="1548245"/>
+            <a:off x="1584614" y="1548245"/>
             <a:ext cx="8447809" cy="4395355"/>
           </a:xfrm>
           <a:prstGeom prst="rect">
@@ -3270,7 +6162,7 @@
           <a:lstStyle/>
           <a:p>
             <a:pPr algn="ctr"/>
-            <a:endParaRPr lang="en-US"/>
+            <a:endParaRPr lang="en-US" dirty="0"/>
           </a:p>
         </p:txBody>
       </p:sp>
@@ -3336,6 +6228,9 @@
           <a:prstGeom prst="rect">
             <a:avLst/>
           </a:prstGeom>
+          <a:solidFill>
+            <a:srgbClr val="0070C0"/>
+          </a:solidFill>
           <a:ln w="25400">
             <a:solidFill>
               <a:schemeClr val="tx1"/>
@@ -3381,6 +6276,9 @@
           <a:prstGeom prst="rect">
             <a:avLst/>
           </a:prstGeom>
+          <a:solidFill>
+            <a:schemeClr val="accent2"/>
+          </a:solidFill>
           <a:ln w="25400">
             <a:solidFill>
               <a:schemeClr val="tx1"/>
@@ -3427,10 +6325,7 @@
             <a:avLst/>
           </a:prstGeom>
           <a:solidFill>
-            <a:schemeClr val="accent4">
-              <a:lumMod val="60000"/>
-              <a:lumOff val="40000"/>
-            </a:schemeClr>
+            <a:srgbClr val="FFFF00"/>
           </a:solidFill>
           <a:ln>
             <a:solidFill>
@@ -3556,7 +6451,7 @@
         <p:spPr>
           <a:xfrm flipH="1">
             <a:off x="4962698" y="1548245"/>
-            <a:ext cx="902971" cy="3669550"/>
+            <a:ext cx="845821" cy="3669550"/>
           </a:xfrm>
           <a:prstGeom prst="line">
             <a:avLst/>
@@ -4150,8 +7045,8 @@
         </p:nvSpPr>
         <p:spPr>
           <a:xfrm>
-            <a:off x="2903220" y="3383019"/>
-            <a:ext cx="857250" cy="906347"/>
+            <a:off x="4581438" y="2269287"/>
+            <a:ext cx="644756" cy="588214"/>
           </a:xfrm>
           <a:prstGeom prst="ellipse">
             <a:avLst/>
@@ -4182,14 +7077,14 @@
       </p:sp>
       <p:sp>
         <p:nvSpPr>
-          <p:cNvPr id="50" name="Oval 49"/>
+          <p:cNvPr id="26" name="Oval 25"/>
           <p:cNvSpPr/>
           <p:nvPr/>
         </p:nvSpPr>
         <p:spPr>
           <a:xfrm>
-            <a:off x="8082831" y="3386094"/>
-            <a:ext cx="857250" cy="906347"/>
+            <a:off x="6446260" y="2269287"/>
+            <a:ext cx="644756" cy="588214"/>
           </a:xfrm>
           <a:prstGeom prst="ellipse">
             <a:avLst/>
@@ -4239,9 +7134,9 @@
 </file>
 
 <file path=ppt/theme/theme1.xml><?xml version="1.0" encoding="utf-8"?>
-<a:theme xmlns:a="http://schemas.openxmlformats.org/drawingml/2006/main" name="Office Theme">
+<a:theme xmlns:a="http://schemas.openxmlformats.org/drawingml/2006/main" name="Facet">
   <a:themeElements>
-    <a:clrScheme name="Office">
+    <a:clrScheme name="Facet">
       <a:dk1>
         <a:sysClr val="windowText" lastClr="000000"/>
       </a:dk1>
@@ -4249,52 +7144,52 @@
         <a:sysClr val="window" lastClr="FFFFFF"/>
       </a:lt1>
       <a:dk2>
-        <a:srgbClr val="44546A"/>
+        <a:srgbClr val="2C3C43"/>
       </a:dk2>
       <a:lt2>
-        <a:srgbClr val="E7E6E6"/>
+        <a:srgbClr val="EBEBEB"/>
       </a:lt2>
       <a:accent1>
-        <a:srgbClr val="5B9BD5"/>
+        <a:srgbClr val="90C226"/>
       </a:accent1>
       <a:accent2>
-        <a:srgbClr val="ED7D31"/>
+        <a:srgbClr val="54A021"/>
       </a:accent2>
       <a:accent3>
-        <a:srgbClr val="A5A5A5"/>
+        <a:srgbClr val="E6B91E"/>
       </a:accent3>
       <a:accent4>
-        <a:srgbClr val="FFC000"/>
+        <a:srgbClr val="E76618"/>
       </a:accent4>
       <a:accent5>
-        <a:srgbClr val="4472C4"/>
+        <a:srgbClr val="C42F1A"/>
       </a:accent5>
       <a:accent6>
-        <a:srgbClr val="70AD47"/>
+        <a:srgbClr val="918655"/>
       </a:accent6>
       <a:hlink>
-        <a:srgbClr val="0563C1"/>
+        <a:srgbClr val="99CA3C"/>
       </a:hlink>
       <a:folHlink>
-        <a:srgbClr val="954F72"/>
+        <a:srgbClr val="B9D181"/>
       </a:folHlink>
     </a:clrScheme>
-    <a:fontScheme name="Office">
+    <a:fontScheme name="Facet">
       <a:majorFont>
-        <a:latin typeface="Calibri Light" panose="020F0302020204030204"/>
+        <a:latin typeface="Trebuchet MS" panose="020B0603020202020204"/>
         <a:ea typeface=""/>
         <a:cs typeface=""/>
-        <a:font script="Jpan" typeface="ＭＳ Ｐゴシック"/>
+        <a:font script="Jpan" typeface="メイリオ"/>
         <a:font script="Hang" typeface="맑은 고딕"/>
-        <a:font script="Hans" typeface="宋体"/>
-        <a:font script="Hant" typeface="新細明體"/>
-        <a:font script="Arab" typeface="Times New Roman"/>
-        <a:font script="Hebr" typeface="Times New Roman"/>
-        <a:font script="Thai" typeface="Angsana New"/>
+        <a:font script="Hans" typeface="方正姚体"/>
+        <a:font script="Hant" typeface="微軟正黑體"/>
+        <a:font script="Arab" typeface="Tahoma"/>
+        <a:font script="Hebr" typeface="Arial"/>
+        <a:font script="Thai" typeface="Cordia New"/>
         <a:font script="Ethi" typeface="Nyala"/>
         <a:font script="Beng" typeface="Vrinda"/>
         <a:font script="Gujr" typeface="Shruti"/>
-        <a:font script="Khmr" typeface="MoolBoran"/>
+        <a:font script="Khmr" typeface="DaunPenh"/>
         <a:font script="Knda" typeface="Tunga"/>
         <a:font script="Guru" typeface="Raavi"/>
         <a:font script="Cans" typeface="Euphemia"/>
@@ -4311,21 +7206,21 @@
         <a:font script="Laoo" typeface="DokChampa"/>
         <a:font script="Sinh" typeface="Iskoola Pota"/>
         <a:font script="Mong" typeface="Mongolian Baiti"/>
-        <a:font script="Viet" typeface="Times New Roman"/>
+        <a:font script="Viet" typeface="Tahoma"/>
         <a:font script="Uigh" typeface="Microsoft Uighur"/>
         <a:font script="Geor" typeface="Sylfaen"/>
       </a:majorFont>
       <a:minorFont>
-        <a:latin typeface="Calibri" panose="020F0502020204030204"/>
+        <a:latin typeface="Trebuchet MS" panose="020B0603020202020204"/>
         <a:ea typeface=""/>
         <a:cs typeface=""/>
-        <a:font script="Jpan" typeface="ＭＳ Ｐゴシック"/>
-        <a:font script="Hang" typeface="맑은 고딕"/>
-        <a:font script="Hans" typeface="宋体"/>
-        <a:font script="Hant" typeface="新細明體"/>
-        <a:font script="Arab" typeface="Arial"/>
-        <a:font script="Hebr" typeface="Arial"/>
-        <a:font script="Thai" typeface="Cordia New"/>
+        <a:font script="Jpan" typeface="メイリオ"/>
+        <a:font script="Hang" typeface="HY그래픽M"/>
+        <a:font script="Hans" typeface="华文新魏"/>
+        <a:font script="Hant" typeface="微軟正黑體"/>
+        <a:font script="Arab" typeface="Tahoma"/>
+        <a:font script="Hebr" typeface="Gisha"/>
+        <a:font script="Thai" typeface="IrisUPC"/>
         <a:font script="Ethi" typeface="Nyala"/>
         <a:font script="Beng" typeface="Vrinda"/>
         <a:font script="Gujr" typeface="Shruti"/>
@@ -4351,7 +7246,7 @@
         <a:font script="Geor" typeface="Sylfaen"/>
       </a:minorFont>
     </a:fontScheme>
-    <a:fmtScheme name="Office">
+    <a:fmtScheme name="Facet">
       <a:fillStyleLst>
         <a:solidFill>
           <a:schemeClr val="phClr"/>
@@ -4360,23 +7255,13 @@
           <a:gsLst>
             <a:gs pos="0">
               <a:schemeClr val="phClr">
+                <a:tint val="65000"/>
                 <a:lumMod val="110000"/>
-                <a:satMod val="105000"/>
-                <a:tint val="67000"/>
               </a:schemeClr>
             </a:gs>
-            <a:gs pos="50000">
+            <a:gs pos="88000">
               <a:schemeClr val="phClr">
-                <a:lumMod val="105000"/>
-                <a:satMod val="103000"/>
-                <a:tint val="73000"/>
-              </a:schemeClr>
-            </a:gs>
-            <a:gs pos="100000">
-              <a:schemeClr val="phClr">
-                <a:lumMod val="105000"/>
-                <a:satMod val="109000"/>
-                <a:tint val="81000"/>
+                <a:tint val="90000"/>
               </a:schemeClr>
             </a:gs>
           </a:gsLst>
@@ -4386,23 +7271,14 @@
           <a:gsLst>
             <a:gs pos="0">
               <a:schemeClr val="phClr">
-                <a:satMod val="103000"/>
-                <a:lumMod val="102000"/>
-                <a:tint val="94000"/>
+                <a:tint val="96000"/>
+                <a:lumMod val="100000"/>
               </a:schemeClr>
             </a:gs>
-            <a:gs pos="50000">
+            <a:gs pos="78000">
               <a:schemeClr val="phClr">
-                <a:satMod val="110000"/>
-                <a:lumMod val="100000"/>
-                <a:shade val="100000"/>
-              </a:schemeClr>
-            </a:gs>
-            <a:gs pos="100000">
-              <a:schemeClr val="phClr">
-                <a:lumMod val="99000"/>
-                <a:satMod val="120000"/>
-                <a:shade val="78000"/>
+                <a:shade val="94000"/>
+                <a:lumMod val="94000"/>
               </a:schemeClr>
             </a:gs>
           </a:gsLst>
@@ -4410,26 +7286,23 @@
         </a:gradFill>
       </a:fillStyleLst>
       <a:lnStyleLst>
-        <a:ln w="6350" cap="flat" cmpd="sng" algn="ctr">
+        <a:ln w="12700" cap="rnd" cmpd="sng" algn="ctr">
           <a:solidFill>
             <a:schemeClr val="phClr"/>
           </a:solidFill>
           <a:prstDash val="solid"/>
-          <a:miter lim="800000"/>
         </a:ln>
-        <a:ln w="12700" cap="flat" cmpd="sng" algn="ctr">
+        <a:ln w="19050" cap="rnd" cmpd="sng" algn="ctr">
           <a:solidFill>
             <a:schemeClr val="phClr"/>
           </a:solidFill>
           <a:prstDash val="solid"/>
-          <a:miter lim="800000"/>
         </a:ln>
-        <a:ln w="19050" cap="flat" cmpd="sng" algn="ctr">
+        <a:ln w="25400" cap="rnd" cmpd="sng" algn="ctr">
           <a:solidFill>
             <a:schemeClr val="phClr"/>
           </a:solidFill>
           <a:prstDash val="solid"/>
-          <a:miter lim="800000"/>
         </a:ln>
       </a:lnStyleLst>
       <a:effectStyleLst>
@@ -4437,54 +7310,72 @@
           <a:effectLst/>
         </a:effectStyle>
         <a:effectStyle>
-          <a:effectLst/>
+          <a:effectLst>
+            <a:outerShdw blurRad="38100" dist="25400" dir="5400000" rotWithShape="0">
+              <a:srgbClr val="000000">
+                <a:alpha val="35000"/>
+              </a:srgbClr>
+            </a:outerShdw>
+          </a:effectLst>
         </a:effectStyle>
         <a:effectStyle>
           <a:effectLst>
-            <a:outerShdw blurRad="57150" dist="19050" dir="5400000" algn="ctr" rotWithShape="0">
+            <a:outerShdw blurRad="50800" dist="38100" dir="5400000" rotWithShape="0">
               <a:srgbClr val="000000">
-                <a:alpha val="63000"/>
+                <a:alpha val="35000"/>
               </a:srgbClr>
             </a:outerShdw>
           </a:effectLst>
+          <a:scene3d>
+            <a:camera prst="orthographicFront">
+              <a:rot lat="0" lon="0" rev="0"/>
+            </a:camera>
+            <a:lightRig rig="threePt" dir="tl"/>
+          </a:scene3d>
+          <a:sp3d prstMaterial="plastic">
+            <a:bevelT w="0" h="0"/>
+          </a:sp3d>
         </a:effectStyle>
       </a:effectStyleLst>
       <a:bgFillStyleLst>
         <a:solidFill>
           <a:schemeClr val="phClr"/>
         </a:solidFill>
-        <a:solidFill>
-          <a:schemeClr val="phClr">
-            <a:tint val="95000"/>
-            <a:satMod val="170000"/>
-          </a:schemeClr>
-        </a:solidFill>
         <a:gradFill rotWithShape="1">
           <a:gsLst>
             <a:gs pos="0">
               <a:schemeClr val="phClr">
-                <a:tint val="93000"/>
-                <a:satMod val="150000"/>
-                <a:shade val="98000"/>
-                <a:lumMod val="102000"/>
+                <a:tint val="90000"/>
+                <a:lumMod val="104000"/>
               </a:schemeClr>
             </a:gs>
-            <a:gs pos="50000">
+            <a:gs pos="94000">
               <a:schemeClr val="phClr">
-                <a:tint val="98000"/>
-                <a:satMod val="130000"/>
-                <a:shade val="90000"/>
-                <a:lumMod val="103000"/>
+                <a:shade val="96000"/>
+                <a:lumMod val="82000"/>
+              </a:schemeClr>
+            </a:gs>
+          </a:gsLst>
+          <a:lin ang="5400000" scaled="0"/>
+        </a:gradFill>
+        <a:gradFill rotWithShape="1">
+          <a:gsLst>
+            <a:gs pos="0">
+              <a:schemeClr val="phClr">
+                <a:tint val="90000"/>
+                <a:lumMod val="110000"/>
               </a:schemeClr>
             </a:gs>
             <a:gs pos="100000">
               <a:schemeClr val="phClr">
-                <a:shade val="63000"/>
-                <a:satMod val="120000"/>
+                <a:shade val="94000"/>
+                <a:lumMod val="96000"/>
               </a:schemeClr>
             </a:gs>
           </a:gsLst>
-          <a:lin ang="5400000" scaled="0"/>
+          <a:path path="circle">
+            <a:fillToRect l="50000" t="50000" r="100000" b="100000"/>
+          </a:path>
         </a:gradFill>
       </a:bgFillStyleLst>
     </a:fmtScheme>
@@ -4493,7 +7384,7 @@
   <a:extraClrSchemeLst/>
   <a:extLst>
     <a:ext uri="{05A4C25C-085E-4340-85A3-A5531E510DB2}">
-      <thm15:themeFamily xmlns:thm15="http://schemas.microsoft.com/office/thememl/2012/main" name="Office Theme" id="{62F939B6-93AF-4DB8-9C6B-D6C7DFDC589F}" vid="{4A3C46E8-61CC-4603-A589-7422A47A8E4A}"/>
+      <thm15:themeFamily xmlns:thm15="http://schemas.microsoft.com/office/thememl/2012/main" name="Facet" id="{C0C680CD-088A-49FC-A102-D699147F32B2}" vid="{CFBC31BA-B70F-4F30-BCAA-4F3011E16C4D}"/>
     </a:ext>
   </a:extLst>
 </a:theme>
